--- a/Presentasi/Kolokium -  Noer.pptx
+++ b/Presentasi/Kolokium -  Noer.pptx
@@ -5,7 +5,7 @@
     <p:sldMasterId id="2147483658" r:id="rId1"/>
   </p:sldMasterIdLst>
   <p:notesMasterIdLst>
-    <p:notesMasterId r:id="rId26"/>
+    <p:notesMasterId r:id="rId28"/>
   </p:notesMasterIdLst>
   <p:sldIdLst>
     <p:sldId id="256" r:id="rId2"/>
@@ -31,31 +31,33 @@
     <p:sldId id="343" r:id="rId22"/>
     <p:sldId id="301" r:id="rId23"/>
     <p:sldId id="279" r:id="rId24"/>
-    <p:sldId id="299" r:id="rId25"/>
+    <p:sldId id="347" r:id="rId25"/>
+    <p:sldId id="348" r:id="rId26"/>
+    <p:sldId id="299" r:id="rId27"/>
   </p:sldIdLst>
   <p:sldSz cx="9144000" cy="6858000" type="screen4x3"/>
   <p:notesSz cx="6858000" cy="9144000"/>
   <p:embeddedFontLst>
     <p:embeddedFont>
       <p:font typeface="Calibri" panose="020F0502020204030204" pitchFamily="34" charset="0"/>
-      <p:regular r:id="rId27"/>
-      <p:bold r:id="rId28"/>
-      <p:italic r:id="rId29"/>
-      <p:boldItalic r:id="rId30"/>
+      <p:regular r:id="rId29"/>
+      <p:bold r:id="rId30"/>
+      <p:italic r:id="rId31"/>
+      <p:boldItalic r:id="rId32"/>
     </p:embeddedFont>
     <p:embeddedFont>
       <p:font typeface="Lato" panose="020B0604020202020204" charset="0"/>
-      <p:regular r:id="rId31"/>
-      <p:bold r:id="rId32"/>
-      <p:italic r:id="rId33"/>
-      <p:boldItalic r:id="rId34"/>
+      <p:regular r:id="rId33"/>
+      <p:bold r:id="rId34"/>
+      <p:italic r:id="rId35"/>
+      <p:boldItalic r:id="rId36"/>
     </p:embeddedFont>
     <p:embeddedFont>
       <p:font typeface="Raleway" panose="020B0604020202020204" charset="0"/>
-      <p:regular r:id="rId35"/>
-      <p:bold r:id="rId36"/>
-      <p:italic r:id="rId37"/>
-      <p:boldItalic r:id="rId38"/>
+      <p:regular r:id="rId37"/>
+      <p:bold r:id="rId38"/>
+      <p:italic r:id="rId39"/>
+      <p:boldItalic r:id="rId40"/>
     </p:embeddedFont>
   </p:embeddedFontLst>
   <p:defaultTextStyle>
@@ -3595,6 +3597,972 @@
           </a:bodyPr>
           <a:lstStyle/>
           <a:p>
+            <a:pPr marL="139700" indent="0">
+              <a:buNone/>
+            </a:pPr>
+            <a:r>
+              <a:rPr lang="en-US" sz="1100" b="1" i="0" u="none" strike="noStrike" cap="none" dirty="0" err="1">
+                <a:solidFill>
+                  <a:srgbClr val="000000"/>
+                </a:solidFill>
+                <a:effectLst/>
+                <a:latin typeface="Arial"/>
+                <a:ea typeface="Arial"/>
+                <a:cs typeface="Arial"/>
+                <a:sym typeface="Arial"/>
+              </a:rPr>
+              <a:t>Pembukaan</a:t>
+            </a:r>
+            <a:endParaRPr lang="id-ID" sz="1100" b="0" i="0" u="none" strike="noStrike" cap="none" dirty="0">
+              <a:solidFill>
+                <a:srgbClr val="000000"/>
+              </a:solidFill>
+              <a:effectLst/>
+              <a:latin typeface="Arial"/>
+              <a:ea typeface="Arial"/>
+              <a:cs typeface="Arial"/>
+              <a:sym typeface="Arial"/>
+            </a:endParaRPr>
+          </a:p>
+          <a:p>
+            <a:pPr lvl="0"/>
+            <a:r>
+              <a:rPr lang="en-US" sz="1100" b="0" i="0" u="none" strike="noStrike" cap="none" dirty="0" err="1">
+                <a:solidFill>
+                  <a:srgbClr val="000000"/>
+                </a:solidFill>
+                <a:effectLst/>
+                <a:latin typeface="Arial"/>
+                <a:ea typeface="Arial"/>
+                <a:cs typeface="Arial"/>
+                <a:sym typeface="Arial"/>
+              </a:rPr>
+              <a:t>Assalamualaikum</a:t>
+            </a:r>
+            <a:r>
+              <a:rPr lang="en-US" sz="1100" b="0" i="0" u="none" strike="noStrike" cap="none" dirty="0">
+                <a:solidFill>
+                  <a:srgbClr val="000000"/>
+                </a:solidFill>
+                <a:effectLst/>
+                <a:latin typeface="Arial"/>
+                <a:ea typeface="Arial"/>
+                <a:cs typeface="Arial"/>
+                <a:sym typeface="Arial"/>
+              </a:rPr>
+              <a:t> </a:t>
+            </a:r>
+            <a:r>
+              <a:rPr lang="en-US" sz="1100" b="0" i="0" u="none" strike="noStrike" cap="none" dirty="0" err="1">
+                <a:solidFill>
+                  <a:srgbClr val="000000"/>
+                </a:solidFill>
+                <a:effectLst/>
+                <a:latin typeface="Arial"/>
+                <a:ea typeface="Arial"/>
+                <a:cs typeface="Arial"/>
+                <a:sym typeface="Arial"/>
+              </a:rPr>
+              <a:t>Wr</a:t>
+            </a:r>
+            <a:r>
+              <a:rPr lang="en-US" sz="1100" b="0" i="0" u="none" strike="noStrike" cap="none" dirty="0">
+                <a:solidFill>
+                  <a:srgbClr val="000000"/>
+                </a:solidFill>
+                <a:effectLst/>
+                <a:latin typeface="Arial"/>
+                <a:ea typeface="Arial"/>
+                <a:cs typeface="Arial"/>
+                <a:sym typeface="Arial"/>
+              </a:rPr>
+              <a:t> Wb</a:t>
+            </a:r>
+            <a:endParaRPr lang="id-ID" sz="1100" b="0" i="0" u="none" strike="noStrike" cap="none" dirty="0">
+              <a:solidFill>
+                <a:srgbClr val="000000"/>
+              </a:solidFill>
+              <a:effectLst/>
+              <a:latin typeface="Arial"/>
+              <a:ea typeface="Arial"/>
+              <a:cs typeface="Arial"/>
+              <a:sym typeface="Arial"/>
+            </a:endParaRPr>
+          </a:p>
+          <a:p>
+            <a:pPr lvl="0"/>
+            <a:r>
+              <a:rPr lang="en-US" sz="1100" b="0" i="0" u="none" strike="noStrike" cap="none" dirty="0">
+                <a:solidFill>
+                  <a:srgbClr val="000000"/>
+                </a:solidFill>
+                <a:effectLst/>
+                <a:latin typeface="Arial"/>
+                <a:ea typeface="Arial"/>
+                <a:cs typeface="Arial"/>
+                <a:sym typeface="Arial"/>
+              </a:rPr>
+              <a:t>Yang </a:t>
+            </a:r>
+            <a:r>
+              <a:rPr lang="en-US" sz="1100" b="0" i="0" u="none" strike="noStrike" cap="none" dirty="0" err="1">
+                <a:solidFill>
+                  <a:srgbClr val="000000"/>
+                </a:solidFill>
+                <a:effectLst/>
+                <a:latin typeface="Arial"/>
+                <a:ea typeface="Arial"/>
+                <a:cs typeface="Arial"/>
+                <a:sym typeface="Arial"/>
+              </a:rPr>
+              <a:t>saya</a:t>
+            </a:r>
+            <a:r>
+              <a:rPr lang="en-US" sz="1100" b="0" i="0" u="none" strike="noStrike" cap="none" dirty="0">
+                <a:solidFill>
+                  <a:srgbClr val="000000"/>
+                </a:solidFill>
+                <a:effectLst/>
+                <a:latin typeface="Arial"/>
+                <a:ea typeface="Arial"/>
+                <a:cs typeface="Arial"/>
+                <a:sym typeface="Arial"/>
+              </a:rPr>
+              <a:t> </a:t>
+            </a:r>
+            <a:r>
+              <a:rPr lang="en-US" sz="1100" b="0" i="0" u="none" strike="noStrike" cap="none" dirty="0" err="1">
+                <a:solidFill>
+                  <a:srgbClr val="000000"/>
+                </a:solidFill>
+                <a:effectLst/>
+                <a:latin typeface="Arial"/>
+                <a:ea typeface="Arial"/>
+                <a:cs typeface="Arial"/>
+                <a:sym typeface="Arial"/>
+              </a:rPr>
+              <a:t>hormati</a:t>
+            </a:r>
+            <a:r>
+              <a:rPr lang="en-US" sz="1100" b="0" i="0" u="none" strike="noStrike" cap="none" dirty="0">
+                <a:solidFill>
+                  <a:srgbClr val="000000"/>
+                </a:solidFill>
+                <a:effectLst/>
+                <a:latin typeface="Arial"/>
+                <a:ea typeface="Arial"/>
+                <a:cs typeface="Arial"/>
+                <a:sym typeface="Arial"/>
+              </a:rPr>
+              <a:t> Dr </a:t>
+            </a:r>
+            <a:r>
+              <a:rPr lang="en-US" sz="1100" b="0" i="0" u="none" strike="noStrike" cap="none" dirty="0" err="1">
+                <a:solidFill>
+                  <a:srgbClr val="000000"/>
+                </a:solidFill>
+                <a:effectLst/>
+                <a:latin typeface="Arial"/>
+                <a:ea typeface="Arial"/>
+                <a:cs typeface="Arial"/>
+                <a:sym typeface="Arial"/>
+              </a:rPr>
+              <a:t>Imas</a:t>
+            </a:r>
+            <a:r>
+              <a:rPr lang="en-US" sz="1100" b="0" i="0" u="none" strike="noStrike" cap="none" dirty="0">
+                <a:solidFill>
+                  <a:srgbClr val="000000"/>
+                </a:solidFill>
+                <a:effectLst/>
+                <a:latin typeface="Arial"/>
+                <a:ea typeface="Arial"/>
+                <a:cs typeface="Arial"/>
+                <a:sym typeface="Arial"/>
+              </a:rPr>
+              <a:t> </a:t>
+            </a:r>
+            <a:r>
+              <a:rPr lang="en-US" sz="1100" b="0" i="0" u="none" strike="noStrike" cap="none" dirty="0" err="1">
+                <a:solidFill>
+                  <a:srgbClr val="000000"/>
+                </a:solidFill>
+                <a:effectLst/>
+                <a:latin typeface="Arial"/>
+                <a:ea typeface="Arial"/>
+                <a:cs typeface="Arial"/>
+                <a:sym typeface="Arial"/>
+              </a:rPr>
+              <a:t>Sukaesih</a:t>
+            </a:r>
+            <a:r>
+              <a:rPr lang="en-US" sz="1100" b="0" i="0" u="none" strike="noStrike" cap="none" dirty="0">
+                <a:solidFill>
+                  <a:srgbClr val="000000"/>
+                </a:solidFill>
+                <a:effectLst/>
+                <a:latin typeface="Arial"/>
+                <a:ea typeface="Arial"/>
+                <a:cs typeface="Arial"/>
+                <a:sym typeface="Arial"/>
+              </a:rPr>
+              <a:t> </a:t>
+            </a:r>
+            <a:r>
+              <a:rPr lang="en-US" sz="1100" b="0" i="0" u="none" strike="noStrike" cap="none" dirty="0" err="1">
+                <a:solidFill>
+                  <a:srgbClr val="000000"/>
+                </a:solidFill>
+                <a:effectLst/>
+                <a:latin typeface="Arial"/>
+                <a:ea typeface="Arial"/>
+                <a:cs typeface="Arial"/>
+                <a:sym typeface="Arial"/>
+              </a:rPr>
+              <a:t>Sitanggang</a:t>
+            </a:r>
+            <a:r>
+              <a:rPr lang="en-US" sz="1100" b="0" i="0" u="none" strike="noStrike" cap="none" dirty="0">
+                <a:solidFill>
+                  <a:srgbClr val="000000"/>
+                </a:solidFill>
+                <a:effectLst/>
+                <a:latin typeface="Arial"/>
+                <a:ea typeface="Arial"/>
+                <a:cs typeface="Arial"/>
+                <a:sym typeface="Arial"/>
+              </a:rPr>
+              <a:t> </a:t>
+            </a:r>
+            <a:r>
+              <a:rPr lang="en-US" sz="1100" b="0" i="0" u="none" strike="noStrike" cap="none" dirty="0" err="1">
+                <a:solidFill>
+                  <a:srgbClr val="000000"/>
+                </a:solidFill>
+                <a:effectLst/>
+                <a:latin typeface="Arial"/>
+                <a:ea typeface="Arial"/>
+                <a:cs typeface="Arial"/>
+                <a:sym typeface="Arial"/>
+              </a:rPr>
+              <a:t>SSi</a:t>
+            </a:r>
+            <a:r>
+              <a:rPr lang="en-US" sz="1100" b="0" i="0" u="none" strike="noStrike" cap="none" dirty="0">
+                <a:solidFill>
+                  <a:srgbClr val="000000"/>
+                </a:solidFill>
+                <a:effectLst/>
+                <a:latin typeface="Arial"/>
+                <a:ea typeface="Arial"/>
+                <a:cs typeface="Arial"/>
+                <a:sym typeface="Arial"/>
+              </a:rPr>
+              <a:t> </a:t>
+            </a:r>
+            <a:r>
+              <a:rPr lang="en-US" sz="1100" b="0" i="0" u="none" strike="noStrike" cap="none" dirty="0" err="1">
+                <a:solidFill>
+                  <a:srgbClr val="000000"/>
+                </a:solidFill>
+                <a:effectLst/>
+                <a:latin typeface="Arial"/>
+                <a:ea typeface="Arial"/>
+                <a:cs typeface="Arial"/>
+                <a:sym typeface="Arial"/>
+              </a:rPr>
+              <a:t>Mkom</a:t>
+            </a:r>
+            <a:endParaRPr lang="id-ID" sz="1100" b="0" i="0" u="none" strike="noStrike" cap="none" dirty="0">
+              <a:solidFill>
+                <a:srgbClr val="000000"/>
+              </a:solidFill>
+              <a:effectLst/>
+              <a:latin typeface="Arial"/>
+              <a:ea typeface="Arial"/>
+              <a:cs typeface="Arial"/>
+              <a:sym typeface="Arial"/>
+            </a:endParaRPr>
+          </a:p>
+          <a:p>
+            <a:pPr lvl="0"/>
+            <a:r>
+              <a:rPr lang="en-US" sz="1100" b="0" i="0" u="none" strike="noStrike" cap="none" dirty="0">
+                <a:solidFill>
+                  <a:srgbClr val="000000"/>
+                </a:solidFill>
+                <a:effectLst/>
+                <a:latin typeface="Arial"/>
+                <a:ea typeface="Arial"/>
+                <a:cs typeface="Arial"/>
+                <a:sym typeface="Arial"/>
+              </a:rPr>
+              <a:t>Yang </a:t>
+            </a:r>
+            <a:r>
+              <a:rPr lang="en-US" sz="1100" b="0" i="0" u="none" strike="noStrike" cap="none" dirty="0" err="1">
+                <a:solidFill>
+                  <a:srgbClr val="000000"/>
+                </a:solidFill>
+                <a:effectLst/>
+                <a:latin typeface="Arial"/>
+                <a:ea typeface="Arial"/>
+                <a:cs typeface="Arial"/>
+                <a:sym typeface="Arial"/>
+              </a:rPr>
+              <a:t>saya</a:t>
+            </a:r>
+            <a:r>
+              <a:rPr lang="en-US" sz="1100" b="0" i="0" u="none" strike="noStrike" cap="none" dirty="0">
+                <a:solidFill>
+                  <a:srgbClr val="000000"/>
+                </a:solidFill>
+                <a:effectLst/>
+                <a:latin typeface="Arial"/>
+                <a:ea typeface="Arial"/>
+                <a:cs typeface="Arial"/>
+                <a:sym typeface="Arial"/>
+              </a:rPr>
+              <a:t> </a:t>
+            </a:r>
+            <a:r>
+              <a:rPr lang="en-US" sz="1100" b="0" i="0" u="none" strike="noStrike" cap="none" dirty="0" err="1">
+                <a:solidFill>
+                  <a:srgbClr val="000000"/>
+                </a:solidFill>
+                <a:effectLst/>
+                <a:latin typeface="Arial"/>
+                <a:ea typeface="Arial"/>
+                <a:cs typeface="Arial"/>
+                <a:sym typeface="Arial"/>
+              </a:rPr>
+              <a:t>hormati</a:t>
+            </a:r>
+            <a:r>
+              <a:rPr lang="en-US" sz="1100" b="0" i="0" u="none" strike="noStrike" cap="none" dirty="0">
+                <a:solidFill>
+                  <a:srgbClr val="000000"/>
+                </a:solidFill>
+                <a:effectLst/>
+                <a:latin typeface="Arial"/>
+                <a:ea typeface="Arial"/>
+                <a:cs typeface="Arial"/>
+                <a:sym typeface="Arial"/>
+              </a:rPr>
+              <a:t> </a:t>
+            </a:r>
+            <a:r>
+              <a:rPr lang="en-US" sz="1100" b="0" i="0" u="none" strike="noStrike" cap="none" dirty="0" err="1">
+                <a:solidFill>
+                  <a:srgbClr val="000000"/>
+                </a:solidFill>
+                <a:effectLst/>
+                <a:latin typeface="Arial"/>
+                <a:ea typeface="Arial"/>
+                <a:cs typeface="Arial"/>
+                <a:sym typeface="Arial"/>
+              </a:rPr>
+              <a:t>ibu</a:t>
+            </a:r>
+            <a:r>
+              <a:rPr lang="en-US" sz="1100" b="0" i="0" u="none" strike="noStrike" cap="none" dirty="0">
+                <a:solidFill>
+                  <a:srgbClr val="000000"/>
+                </a:solidFill>
+                <a:effectLst/>
+                <a:latin typeface="Arial"/>
+                <a:ea typeface="Arial"/>
+                <a:cs typeface="Arial"/>
+                <a:sym typeface="Arial"/>
+              </a:rPr>
+              <a:t>/</a:t>
+            </a:r>
+            <a:r>
+              <a:rPr lang="en-US" sz="1100" b="0" i="0" u="none" strike="noStrike" cap="none" dirty="0" err="1">
+                <a:solidFill>
+                  <a:srgbClr val="000000"/>
+                </a:solidFill>
+                <a:effectLst/>
+                <a:latin typeface="Arial"/>
+                <a:ea typeface="Arial"/>
+                <a:cs typeface="Arial"/>
+                <a:sym typeface="Arial"/>
+              </a:rPr>
+              <a:t>bapak</a:t>
+            </a:r>
+            <a:r>
+              <a:rPr lang="en-US" sz="1100" b="0" i="0" u="none" strike="noStrike" cap="none" dirty="0">
+                <a:solidFill>
+                  <a:srgbClr val="000000"/>
+                </a:solidFill>
+                <a:effectLst/>
+                <a:latin typeface="Arial"/>
+                <a:ea typeface="Arial"/>
+                <a:cs typeface="Arial"/>
+                <a:sym typeface="Arial"/>
+              </a:rPr>
+              <a:t> </a:t>
+            </a:r>
+            <a:r>
+              <a:rPr lang="en-US" sz="1100" b="0" i="0" u="none" strike="noStrike" cap="none" dirty="0" err="1">
+                <a:solidFill>
+                  <a:srgbClr val="000000"/>
+                </a:solidFill>
+                <a:effectLst/>
+                <a:latin typeface="Arial"/>
+                <a:ea typeface="Arial"/>
+                <a:cs typeface="Arial"/>
+                <a:sym typeface="Arial"/>
+              </a:rPr>
+              <a:t>noderator</a:t>
+            </a:r>
+            <a:r>
+              <a:rPr lang="en-US" sz="1100" b="0" i="0" u="none" strike="noStrike" cap="none" dirty="0">
+                <a:solidFill>
+                  <a:srgbClr val="000000"/>
+                </a:solidFill>
+                <a:effectLst/>
+                <a:latin typeface="Arial"/>
+                <a:ea typeface="Arial"/>
+                <a:cs typeface="Arial"/>
+                <a:sym typeface="Arial"/>
+              </a:rPr>
+              <a:t>, …….</a:t>
+            </a:r>
+            <a:endParaRPr lang="id-ID" sz="1100" b="0" i="0" u="none" strike="noStrike" cap="none" dirty="0">
+              <a:solidFill>
+                <a:srgbClr val="000000"/>
+              </a:solidFill>
+              <a:effectLst/>
+              <a:latin typeface="Arial"/>
+              <a:ea typeface="Arial"/>
+              <a:cs typeface="Arial"/>
+              <a:sym typeface="Arial"/>
+            </a:endParaRPr>
+          </a:p>
+          <a:p>
+            <a:pPr lvl="0"/>
+            <a:r>
+              <a:rPr lang="en-US" sz="1100" b="0" i="0" u="none" strike="noStrike" cap="none" dirty="0">
+                <a:solidFill>
+                  <a:srgbClr val="000000"/>
+                </a:solidFill>
+                <a:effectLst/>
+                <a:latin typeface="Arial"/>
+                <a:ea typeface="Arial"/>
+                <a:cs typeface="Arial"/>
+                <a:sym typeface="Arial"/>
+              </a:rPr>
+              <a:t>Dan yang </a:t>
+            </a:r>
+            <a:r>
+              <a:rPr lang="en-US" sz="1100" b="0" i="0" u="none" strike="noStrike" cap="none" dirty="0" err="1">
+                <a:solidFill>
+                  <a:srgbClr val="000000"/>
+                </a:solidFill>
+                <a:effectLst/>
+                <a:latin typeface="Arial"/>
+                <a:ea typeface="Arial"/>
+                <a:cs typeface="Arial"/>
+                <a:sym typeface="Arial"/>
+              </a:rPr>
+              <a:t>saya</a:t>
+            </a:r>
+            <a:r>
+              <a:rPr lang="en-US" sz="1100" b="0" i="0" u="none" strike="noStrike" cap="none" dirty="0">
+                <a:solidFill>
+                  <a:srgbClr val="000000"/>
+                </a:solidFill>
+                <a:effectLst/>
+                <a:latin typeface="Arial"/>
+                <a:ea typeface="Arial"/>
+                <a:cs typeface="Arial"/>
+                <a:sym typeface="Arial"/>
+              </a:rPr>
+              <a:t> </a:t>
+            </a:r>
+            <a:r>
+              <a:rPr lang="en-US" sz="1100" b="0" i="0" u="none" strike="noStrike" cap="none" dirty="0" err="1">
+                <a:solidFill>
+                  <a:srgbClr val="000000"/>
+                </a:solidFill>
+                <a:effectLst/>
+                <a:latin typeface="Arial"/>
+                <a:ea typeface="Arial"/>
+                <a:cs typeface="Arial"/>
+                <a:sym typeface="Arial"/>
+              </a:rPr>
+              <a:t>banggakan</a:t>
+            </a:r>
+            <a:r>
+              <a:rPr lang="en-US" sz="1100" b="0" i="0" u="none" strike="noStrike" cap="none" dirty="0">
+                <a:solidFill>
+                  <a:srgbClr val="000000"/>
+                </a:solidFill>
+                <a:effectLst/>
+                <a:latin typeface="Arial"/>
+                <a:ea typeface="Arial"/>
+                <a:cs typeface="Arial"/>
+                <a:sym typeface="Arial"/>
+              </a:rPr>
+              <a:t> </a:t>
+            </a:r>
+            <a:r>
+              <a:rPr lang="en-US" sz="1100" b="0" i="0" u="none" strike="noStrike" cap="none" dirty="0" err="1">
+                <a:solidFill>
+                  <a:srgbClr val="000000"/>
+                </a:solidFill>
+                <a:effectLst/>
+                <a:latin typeface="Arial"/>
+                <a:ea typeface="Arial"/>
+                <a:cs typeface="Arial"/>
+                <a:sym typeface="Arial"/>
+              </a:rPr>
+              <a:t>teman-teman</a:t>
+            </a:r>
+            <a:r>
+              <a:rPr lang="en-US" sz="1100" b="0" i="0" u="none" strike="noStrike" cap="none" dirty="0">
+                <a:solidFill>
+                  <a:srgbClr val="000000"/>
+                </a:solidFill>
+                <a:effectLst/>
+                <a:latin typeface="Arial"/>
+                <a:ea typeface="Arial"/>
+                <a:cs typeface="Arial"/>
+                <a:sym typeface="Arial"/>
+              </a:rPr>
+              <a:t> yang </a:t>
+            </a:r>
+            <a:r>
+              <a:rPr lang="en-US" sz="1100" b="0" i="0" u="none" strike="noStrike" cap="none" dirty="0" err="1">
+                <a:solidFill>
+                  <a:srgbClr val="000000"/>
+                </a:solidFill>
+                <a:effectLst/>
+                <a:latin typeface="Arial"/>
+                <a:ea typeface="Arial"/>
+                <a:cs typeface="Arial"/>
+                <a:sym typeface="Arial"/>
+              </a:rPr>
+              <a:t>hadir</a:t>
+            </a:r>
+            <a:r>
+              <a:rPr lang="en-US" sz="1100" b="0" i="0" u="none" strike="noStrike" cap="none" dirty="0">
+                <a:solidFill>
+                  <a:srgbClr val="000000"/>
+                </a:solidFill>
+                <a:effectLst/>
+                <a:latin typeface="Arial"/>
+                <a:ea typeface="Arial"/>
+                <a:cs typeface="Arial"/>
+                <a:sym typeface="Arial"/>
+              </a:rPr>
+              <a:t> </a:t>
+            </a:r>
+            <a:r>
+              <a:rPr lang="en-US" sz="1100" b="0" i="0" u="none" strike="noStrike" cap="none" dirty="0" err="1">
+                <a:solidFill>
+                  <a:srgbClr val="000000"/>
+                </a:solidFill>
+                <a:effectLst/>
+                <a:latin typeface="Arial"/>
+                <a:ea typeface="Arial"/>
+                <a:cs typeface="Arial"/>
+                <a:sym typeface="Arial"/>
+              </a:rPr>
+              <a:t>disini</a:t>
+            </a:r>
+            <a:endParaRPr lang="id-ID" sz="1100" b="0" i="0" u="none" strike="noStrike" cap="none" dirty="0">
+              <a:solidFill>
+                <a:srgbClr val="000000"/>
+              </a:solidFill>
+              <a:effectLst/>
+              <a:latin typeface="Arial"/>
+              <a:ea typeface="Arial"/>
+              <a:cs typeface="Arial"/>
+              <a:sym typeface="Arial"/>
+            </a:endParaRPr>
+          </a:p>
+          <a:p>
+            <a:pPr marL="139700" indent="0">
+              <a:buNone/>
+            </a:pPr>
+            <a:r>
+              <a:rPr lang="en-US" sz="1100" b="1" i="0" u="none" strike="noStrike" cap="none" dirty="0" err="1">
+                <a:solidFill>
+                  <a:srgbClr val="000000"/>
+                </a:solidFill>
+                <a:effectLst/>
+                <a:latin typeface="Arial"/>
+                <a:ea typeface="Arial"/>
+                <a:cs typeface="Arial"/>
+                <a:sym typeface="Arial"/>
+              </a:rPr>
+              <a:t>Perkenalan</a:t>
+            </a:r>
+            <a:endParaRPr lang="id-ID" sz="1100" b="0" i="0" u="none" strike="noStrike" cap="none" dirty="0">
+              <a:solidFill>
+                <a:srgbClr val="000000"/>
+              </a:solidFill>
+              <a:effectLst/>
+              <a:latin typeface="Arial"/>
+              <a:ea typeface="Arial"/>
+              <a:cs typeface="Arial"/>
+              <a:sym typeface="Arial"/>
+            </a:endParaRPr>
+          </a:p>
+          <a:p>
+            <a:pPr lvl="0"/>
+            <a:r>
+              <a:rPr lang="en-US" sz="1100" b="0" i="0" u="none" strike="noStrike" cap="none" dirty="0" err="1">
+                <a:solidFill>
+                  <a:srgbClr val="000000"/>
+                </a:solidFill>
+                <a:effectLst/>
+                <a:latin typeface="Arial"/>
+                <a:ea typeface="Arial"/>
+                <a:cs typeface="Arial"/>
+                <a:sym typeface="Arial"/>
+              </a:rPr>
+              <a:t>Perkenakan</a:t>
+            </a:r>
+            <a:r>
+              <a:rPr lang="en-US" sz="1100" b="0" i="0" u="none" strike="noStrike" cap="none" dirty="0">
+                <a:solidFill>
+                  <a:srgbClr val="000000"/>
+                </a:solidFill>
+                <a:effectLst/>
+                <a:latin typeface="Arial"/>
+                <a:ea typeface="Arial"/>
+                <a:cs typeface="Arial"/>
+                <a:sym typeface="Arial"/>
+              </a:rPr>
+              <a:t> </a:t>
+            </a:r>
+            <a:r>
+              <a:rPr lang="en-US" sz="1100" b="0" i="0" u="none" strike="noStrike" cap="none" dirty="0" err="1">
+                <a:solidFill>
+                  <a:srgbClr val="000000"/>
+                </a:solidFill>
+                <a:effectLst/>
+                <a:latin typeface="Arial"/>
+                <a:ea typeface="Arial"/>
+                <a:cs typeface="Arial"/>
+                <a:sym typeface="Arial"/>
+              </a:rPr>
+              <a:t>saya</a:t>
+            </a:r>
+            <a:r>
+              <a:rPr lang="en-US" sz="1100" b="0" i="0" u="none" strike="noStrike" cap="none" dirty="0">
+                <a:solidFill>
+                  <a:srgbClr val="000000"/>
+                </a:solidFill>
+                <a:effectLst/>
+                <a:latin typeface="Arial"/>
+                <a:ea typeface="Arial"/>
+                <a:cs typeface="Arial"/>
+                <a:sym typeface="Arial"/>
+              </a:rPr>
+              <a:t> Noer </a:t>
+            </a:r>
+            <a:r>
+              <a:rPr lang="en-US" sz="1100" b="0" i="0" u="none" strike="noStrike" cap="none" dirty="0" err="1">
+                <a:solidFill>
+                  <a:srgbClr val="000000"/>
+                </a:solidFill>
+                <a:effectLst/>
+                <a:latin typeface="Arial"/>
+                <a:ea typeface="Arial"/>
+                <a:cs typeface="Arial"/>
+                <a:sym typeface="Arial"/>
+              </a:rPr>
+              <a:t>Widya</a:t>
+            </a:r>
+            <a:r>
+              <a:rPr lang="en-US" sz="1100" b="0" i="0" u="none" strike="noStrike" cap="none" dirty="0">
+                <a:solidFill>
+                  <a:srgbClr val="000000"/>
+                </a:solidFill>
+                <a:effectLst/>
+                <a:latin typeface="Arial"/>
+                <a:ea typeface="Arial"/>
+                <a:cs typeface="Arial"/>
+                <a:sym typeface="Arial"/>
+              </a:rPr>
+              <a:t> Herlambang, </a:t>
+            </a:r>
+            <a:r>
+              <a:rPr lang="en-US" sz="1100" b="0" i="0" u="none" strike="noStrike" cap="none" dirty="0" err="1">
+                <a:solidFill>
+                  <a:srgbClr val="000000"/>
+                </a:solidFill>
+                <a:effectLst/>
+                <a:latin typeface="Arial"/>
+                <a:ea typeface="Arial"/>
+                <a:cs typeface="Arial"/>
+                <a:sym typeface="Arial"/>
+              </a:rPr>
+              <a:t>akan</a:t>
+            </a:r>
+            <a:r>
+              <a:rPr lang="en-US" sz="1100" b="0" i="0" u="none" strike="noStrike" cap="none" dirty="0">
+                <a:solidFill>
+                  <a:srgbClr val="000000"/>
+                </a:solidFill>
+                <a:effectLst/>
+                <a:latin typeface="Arial"/>
+                <a:ea typeface="Arial"/>
+                <a:cs typeface="Arial"/>
+                <a:sym typeface="Arial"/>
+              </a:rPr>
+              <a:t> </a:t>
+            </a:r>
+            <a:r>
+              <a:rPr lang="en-US" sz="1100" b="0" i="0" u="none" strike="noStrike" cap="none" dirty="0" err="1">
+                <a:solidFill>
+                  <a:srgbClr val="000000"/>
+                </a:solidFill>
+                <a:effectLst/>
+                <a:latin typeface="Arial"/>
+                <a:ea typeface="Arial"/>
+                <a:cs typeface="Arial"/>
+                <a:sym typeface="Arial"/>
+              </a:rPr>
+              <a:t>mempresentasikan</a:t>
+            </a:r>
+            <a:r>
+              <a:rPr lang="en-US" sz="1100" b="0" i="0" u="none" strike="noStrike" cap="none" dirty="0">
+                <a:solidFill>
+                  <a:srgbClr val="000000"/>
+                </a:solidFill>
+                <a:effectLst/>
+                <a:latin typeface="Arial"/>
+                <a:ea typeface="Arial"/>
+                <a:cs typeface="Arial"/>
+                <a:sym typeface="Arial"/>
+              </a:rPr>
+              <a:t> </a:t>
+            </a:r>
+            <a:r>
+              <a:rPr lang="en-US" sz="1100" b="0" i="0" u="none" strike="noStrike" cap="none" dirty="0" err="1">
+                <a:solidFill>
+                  <a:srgbClr val="000000"/>
+                </a:solidFill>
+                <a:effectLst/>
+                <a:latin typeface="Arial"/>
+                <a:ea typeface="Arial"/>
+                <a:cs typeface="Arial"/>
+                <a:sym typeface="Arial"/>
+              </a:rPr>
+              <a:t>makalah</a:t>
+            </a:r>
+            <a:r>
+              <a:rPr lang="en-US" sz="1100" b="0" i="0" u="none" strike="noStrike" cap="none" dirty="0">
+                <a:solidFill>
+                  <a:srgbClr val="000000"/>
+                </a:solidFill>
+                <a:effectLst/>
+                <a:latin typeface="Arial"/>
+                <a:ea typeface="Arial"/>
+                <a:cs typeface="Arial"/>
+                <a:sym typeface="Arial"/>
+              </a:rPr>
+              <a:t> </a:t>
+            </a:r>
+            <a:r>
+              <a:rPr lang="en-US" sz="1100" b="0" i="0" u="none" strike="noStrike" cap="none" dirty="0" err="1">
+                <a:solidFill>
+                  <a:srgbClr val="000000"/>
+                </a:solidFill>
+                <a:effectLst/>
+                <a:latin typeface="Arial"/>
+                <a:ea typeface="Arial"/>
+                <a:cs typeface="Arial"/>
+                <a:sym typeface="Arial"/>
+              </a:rPr>
+              <a:t>kolokium</a:t>
+            </a:r>
+            <a:r>
+              <a:rPr lang="en-US" sz="1100" b="0" i="0" u="none" strike="noStrike" cap="none" dirty="0">
+                <a:solidFill>
+                  <a:srgbClr val="000000"/>
+                </a:solidFill>
+                <a:effectLst/>
+                <a:latin typeface="Arial"/>
+                <a:ea typeface="Arial"/>
+                <a:cs typeface="Arial"/>
+                <a:sym typeface="Arial"/>
+              </a:rPr>
+              <a:t> yang </a:t>
+            </a:r>
+            <a:r>
+              <a:rPr lang="en-US" sz="1100" b="0" i="0" u="none" strike="noStrike" cap="none" dirty="0" err="1">
+                <a:solidFill>
+                  <a:srgbClr val="000000"/>
+                </a:solidFill>
+                <a:effectLst/>
+                <a:latin typeface="Arial"/>
+                <a:ea typeface="Arial"/>
+                <a:cs typeface="Arial"/>
+                <a:sym typeface="Arial"/>
+              </a:rPr>
+              <a:t>berjudul</a:t>
+            </a:r>
+            <a:r>
+              <a:rPr lang="en-US" sz="1100" b="0" i="0" u="none" strike="noStrike" cap="none" dirty="0">
+                <a:solidFill>
+                  <a:srgbClr val="000000"/>
+                </a:solidFill>
+                <a:effectLst/>
+                <a:latin typeface="Arial"/>
+                <a:ea typeface="Arial"/>
+                <a:cs typeface="Arial"/>
+                <a:sym typeface="Arial"/>
+              </a:rPr>
+              <a:t> ……. Yang </a:t>
+            </a:r>
+            <a:r>
+              <a:rPr lang="en-US" sz="1100" b="0" i="0" u="none" strike="noStrike" cap="none" dirty="0" err="1">
+                <a:solidFill>
+                  <a:srgbClr val="000000"/>
+                </a:solidFill>
+                <a:effectLst/>
+                <a:latin typeface="Arial"/>
+                <a:ea typeface="Arial"/>
+                <a:cs typeface="Arial"/>
+                <a:sym typeface="Arial"/>
+              </a:rPr>
+              <a:t>dibimbing</a:t>
+            </a:r>
+            <a:r>
+              <a:rPr lang="en-US" sz="1100" b="0" i="0" u="none" strike="noStrike" cap="none" dirty="0">
+                <a:solidFill>
+                  <a:srgbClr val="000000"/>
+                </a:solidFill>
+                <a:effectLst/>
+                <a:latin typeface="Arial"/>
+                <a:ea typeface="Arial"/>
+                <a:cs typeface="Arial"/>
+                <a:sym typeface="Arial"/>
+              </a:rPr>
+              <a:t> oleh </a:t>
+            </a:r>
+            <a:r>
+              <a:rPr lang="en-US" sz="1100" b="0" i="0" u="none" strike="noStrike" cap="none" dirty="0" err="1">
+                <a:solidFill>
+                  <a:srgbClr val="000000"/>
+                </a:solidFill>
+                <a:effectLst/>
+                <a:latin typeface="Arial"/>
+                <a:ea typeface="Arial"/>
+                <a:cs typeface="Arial"/>
+                <a:sym typeface="Arial"/>
+              </a:rPr>
+              <a:t>ibu</a:t>
+            </a:r>
+            <a:r>
+              <a:rPr lang="en-US" sz="1100" b="0" i="0" u="none" strike="noStrike" cap="none" dirty="0">
+                <a:solidFill>
+                  <a:srgbClr val="000000"/>
+                </a:solidFill>
+                <a:effectLst/>
+                <a:latin typeface="Arial"/>
+                <a:ea typeface="Arial"/>
+                <a:cs typeface="Arial"/>
+                <a:sym typeface="Arial"/>
+              </a:rPr>
+              <a:t> </a:t>
+            </a:r>
+            <a:r>
+              <a:rPr lang="en-US" sz="1100" b="0" i="0" u="none" strike="noStrike" cap="none" dirty="0" err="1">
+                <a:solidFill>
+                  <a:srgbClr val="000000"/>
+                </a:solidFill>
+                <a:effectLst/>
+                <a:latin typeface="Arial"/>
+                <a:ea typeface="Arial"/>
+                <a:cs typeface="Arial"/>
+                <a:sym typeface="Arial"/>
+              </a:rPr>
+              <a:t>imas</a:t>
+            </a:r>
+            <a:r>
+              <a:rPr lang="en-US" sz="1100" b="0" i="0" u="none" strike="noStrike" cap="none" dirty="0">
+                <a:solidFill>
+                  <a:srgbClr val="000000"/>
+                </a:solidFill>
+                <a:effectLst/>
+                <a:latin typeface="Arial"/>
+                <a:ea typeface="Arial"/>
+                <a:cs typeface="Arial"/>
+                <a:sym typeface="Arial"/>
+              </a:rPr>
+              <a:t> </a:t>
+            </a:r>
+            <a:r>
+              <a:rPr lang="en-US" sz="1100" b="0" i="0" u="none" strike="noStrike" cap="none" dirty="0" err="1">
+                <a:solidFill>
+                  <a:srgbClr val="000000"/>
+                </a:solidFill>
+                <a:effectLst/>
+                <a:latin typeface="Arial"/>
+                <a:ea typeface="Arial"/>
+                <a:cs typeface="Arial"/>
+                <a:sym typeface="Arial"/>
+              </a:rPr>
+              <a:t>sukaesih</a:t>
+            </a:r>
+            <a:r>
+              <a:rPr lang="en-US" sz="1100" b="0" i="0" u="none" strike="noStrike" cap="none" dirty="0">
+                <a:solidFill>
+                  <a:srgbClr val="000000"/>
+                </a:solidFill>
+                <a:effectLst/>
+                <a:latin typeface="Arial"/>
+                <a:ea typeface="Arial"/>
+                <a:cs typeface="Arial"/>
+                <a:sym typeface="Arial"/>
+              </a:rPr>
+              <a:t> </a:t>
+            </a:r>
+            <a:r>
+              <a:rPr lang="en-US" sz="1100" b="0" i="0" u="none" strike="noStrike" cap="none" dirty="0" err="1">
+                <a:solidFill>
+                  <a:srgbClr val="000000"/>
+                </a:solidFill>
+                <a:effectLst/>
+                <a:latin typeface="Arial"/>
+                <a:ea typeface="Arial"/>
+                <a:cs typeface="Arial"/>
+                <a:sym typeface="Arial"/>
+              </a:rPr>
+              <a:t>sitanggang</a:t>
+            </a:r>
+            <a:r>
+              <a:rPr lang="en-US" sz="1100" b="0" i="0" u="none" strike="noStrike" cap="none" dirty="0">
+                <a:solidFill>
+                  <a:srgbClr val="000000"/>
+                </a:solidFill>
+                <a:effectLst/>
+                <a:latin typeface="Arial"/>
+                <a:ea typeface="Arial"/>
+                <a:cs typeface="Arial"/>
+                <a:sym typeface="Arial"/>
+              </a:rPr>
+              <a:t>.</a:t>
+            </a:r>
+            <a:endParaRPr lang="id-ID" sz="1100" b="0" i="0" u="none" strike="noStrike" cap="none" dirty="0">
+              <a:solidFill>
+                <a:srgbClr val="000000"/>
+              </a:solidFill>
+              <a:effectLst/>
+              <a:latin typeface="Arial"/>
+              <a:ea typeface="Arial"/>
+              <a:cs typeface="Arial"/>
+              <a:sym typeface="Arial"/>
+            </a:endParaRPr>
+          </a:p>
+          <a:p>
             <a:pPr marL="0" lvl="0" indent="0" algn="l" rtl="0">
               <a:spcBef>
                 <a:spcPts val="0"/>
@@ -3604,7 +4572,7 @@
               </a:spcAft>
               <a:buNone/>
             </a:pPr>
-            <a:endParaRPr/>
+            <a:endParaRPr dirty="0"/>
           </a:p>
         </p:txBody>
       </p:sp>
@@ -3808,16 +4776,1850 @@
           </a:bodyPr>
           <a:lstStyle/>
           <a:p>
-            <a:pPr marL="0" lvl="0" indent="0" algn="l" rtl="0">
-              <a:spcBef>
-                <a:spcPts val="0"/>
-              </a:spcBef>
-              <a:spcAft>
-                <a:spcPts val="0"/>
-              </a:spcAft>
+            <a:r>
+              <a:rPr lang="en-US" sz="1100" b="0" i="0" u="none" strike="noStrike" cap="none" dirty="0">
+                <a:solidFill>
+                  <a:srgbClr val="000000"/>
+                </a:solidFill>
+                <a:effectLst/>
+                <a:latin typeface="Arial"/>
+                <a:ea typeface="Arial"/>
+                <a:cs typeface="Arial"/>
+                <a:sym typeface="Arial"/>
+              </a:rPr>
+              <a:t>ASD </a:t>
+            </a:r>
+            <a:r>
+              <a:rPr lang="en-US" sz="1100" b="0" i="0" u="none" strike="noStrike" cap="none" dirty="0" err="1">
+                <a:solidFill>
+                  <a:srgbClr val="000000"/>
+                </a:solidFill>
+                <a:effectLst/>
+                <a:latin typeface="Arial"/>
+                <a:ea typeface="Arial"/>
+                <a:cs typeface="Arial"/>
+                <a:sym typeface="Arial"/>
+              </a:rPr>
+              <a:t>atau</a:t>
+            </a:r>
+            <a:r>
+              <a:rPr lang="en-US" sz="1100" b="0" i="0" u="none" strike="noStrike" cap="none" dirty="0">
+                <a:solidFill>
+                  <a:srgbClr val="000000"/>
+                </a:solidFill>
+                <a:effectLst/>
+                <a:latin typeface="Arial"/>
+                <a:ea typeface="Arial"/>
+                <a:cs typeface="Arial"/>
+                <a:sym typeface="Arial"/>
+              </a:rPr>
+              <a:t> Adaptive Software Development </a:t>
+            </a:r>
+            <a:r>
+              <a:rPr lang="en-US" sz="1100" b="0" i="0" u="none" strike="noStrike" cap="none" dirty="0" err="1">
+                <a:solidFill>
+                  <a:srgbClr val="000000"/>
+                </a:solidFill>
+                <a:effectLst/>
+                <a:latin typeface="Arial"/>
+                <a:ea typeface="Arial"/>
+                <a:cs typeface="Arial"/>
+                <a:sym typeface="Arial"/>
+              </a:rPr>
+              <a:t>merupakan</a:t>
+            </a:r>
+            <a:r>
+              <a:rPr lang="en-US" sz="1100" b="0" i="0" u="none" strike="noStrike" cap="none" dirty="0">
+                <a:solidFill>
+                  <a:srgbClr val="000000"/>
+                </a:solidFill>
+                <a:effectLst/>
+                <a:latin typeface="Arial"/>
+                <a:ea typeface="Arial"/>
+                <a:cs typeface="Arial"/>
+                <a:sym typeface="Arial"/>
+              </a:rPr>
+              <a:t> salah </a:t>
+            </a:r>
+            <a:r>
+              <a:rPr lang="en-US" sz="1100" b="0" i="0" u="none" strike="noStrike" cap="none" dirty="0" err="1">
+                <a:solidFill>
+                  <a:srgbClr val="000000"/>
+                </a:solidFill>
+                <a:effectLst/>
+                <a:latin typeface="Arial"/>
+                <a:ea typeface="Arial"/>
+                <a:cs typeface="Arial"/>
+                <a:sym typeface="Arial"/>
+              </a:rPr>
+              <a:t>satu</a:t>
+            </a:r>
+            <a:r>
+              <a:rPr lang="en-US" sz="1100" b="0" i="0" u="none" strike="noStrike" cap="none" dirty="0">
+                <a:solidFill>
+                  <a:srgbClr val="000000"/>
+                </a:solidFill>
+                <a:effectLst/>
+                <a:latin typeface="Arial"/>
+                <a:ea typeface="Arial"/>
+                <a:cs typeface="Arial"/>
+                <a:sym typeface="Arial"/>
+              </a:rPr>
+              <a:t> </a:t>
+            </a:r>
+            <a:r>
+              <a:rPr lang="en-US" sz="1100" b="0" i="0" u="none" strike="noStrike" cap="none" dirty="0" err="1">
+                <a:solidFill>
+                  <a:srgbClr val="000000"/>
+                </a:solidFill>
+                <a:effectLst/>
+                <a:latin typeface="Arial"/>
+                <a:ea typeface="Arial"/>
+                <a:cs typeface="Arial"/>
+                <a:sym typeface="Arial"/>
+              </a:rPr>
+              <a:t>jenis</a:t>
+            </a:r>
+            <a:r>
+              <a:rPr lang="en-US" sz="1100" b="0" i="0" u="none" strike="noStrike" cap="none" dirty="0">
+                <a:solidFill>
+                  <a:srgbClr val="000000"/>
+                </a:solidFill>
+                <a:effectLst/>
+                <a:latin typeface="Arial"/>
+                <a:ea typeface="Arial"/>
+                <a:cs typeface="Arial"/>
+                <a:sym typeface="Arial"/>
+              </a:rPr>
+              <a:t> </a:t>
+            </a:r>
+            <a:r>
+              <a:rPr lang="en-US" sz="1100" b="0" i="0" u="none" strike="noStrike" cap="none" dirty="0" err="1">
+                <a:solidFill>
+                  <a:srgbClr val="000000"/>
+                </a:solidFill>
+                <a:effectLst/>
+                <a:latin typeface="Arial"/>
+                <a:ea typeface="Arial"/>
+                <a:cs typeface="Arial"/>
+                <a:sym typeface="Arial"/>
+              </a:rPr>
+              <a:t>pengembangan</a:t>
+            </a:r>
+            <a:r>
+              <a:rPr lang="en-US" sz="1100" b="0" i="0" u="none" strike="noStrike" cap="none" dirty="0">
+                <a:solidFill>
+                  <a:srgbClr val="000000"/>
+                </a:solidFill>
+                <a:effectLst/>
+                <a:latin typeface="Arial"/>
+                <a:ea typeface="Arial"/>
+                <a:cs typeface="Arial"/>
+                <a:sym typeface="Arial"/>
+              </a:rPr>
+              <a:t> </a:t>
+            </a:r>
+            <a:r>
+              <a:rPr lang="en-US" sz="1100" b="0" i="0" u="none" strike="noStrike" cap="none" dirty="0" err="1">
+                <a:solidFill>
+                  <a:srgbClr val="000000"/>
+                </a:solidFill>
+                <a:effectLst/>
+                <a:latin typeface="Arial"/>
+                <a:ea typeface="Arial"/>
+                <a:cs typeface="Arial"/>
+                <a:sym typeface="Arial"/>
+              </a:rPr>
+              <a:t>perangkat</a:t>
+            </a:r>
+            <a:r>
+              <a:rPr lang="en-US" sz="1100" b="0" i="0" u="none" strike="noStrike" cap="none" dirty="0">
+                <a:solidFill>
+                  <a:srgbClr val="000000"/>
+                </a:solidFill>
+                <a:effectLst/>
+                <a:latin typeface="Arial"/>
+                <a:ea typeface="Arial"/>
+                <a:cs typeface="Arial"/>
+                <a:sym typeface="Arial"/>
+              </a:rPr>
+              <a:t> </a:t>
+            </a:r>
+            <a:r>
+              <a:rPr lang="en-US" sz="1100" b="0" i="0" u="none" strike="noStrike" cap="none" dirty="0" err="1">
+                <a:solidFill>
+                  <a:srgbClr val="000000"/>
+                </a:solidFill>
+                <a:effectLst/>
+                <a:latin typeface="Arial"/>
+                <a:ea typeface="Arial"/>
+                <a:cs typeface="Arial"/>
+                <a:sym typeface="Arial"/>
+              </a:rPr>
+              <a:t>lunak</a:t>
+            </a:r>
+            <a:r>
+              <a:rPr lang="en-US" sz="1100" b="0" i="0" u="none" strike="noStrike" cap="none" dirty="0">
+                <a:solidFill>
+                  <a:srgbClr val="000000"/>
+                </a:solidFill>
+                <a:effectLst/>
+                <a:latin typeface="Arial"/>
+                <a:ea typeface="Arial"/>
+                <a:cs typeface="Arial"/>
+                <a:sym typeface="Arial"/>
+              </a:rPr>
+              <a:t> </a:t>
+            </a:r>
+            <a:r>
+              <a:rPr lang="en-US" sz="1100" b="0" i="1" u="none" strike="noStrike" cap="none" dirty="0">
+                <a:solidFill>
+                  <a:srgbClr val="000000"/>
+                </a:solidFill>
+                <a:effectLst/>
+                <a:latin typeface="Arial"/>
+                <a:ea typeface="Arial"/>
+                <a:cs typeface="Arial"/>
+                <a:sym typeface="Arial"/>
+              </a:rPr>
+              <a:t>agile </a:t>
+            </a:r>
+            <a:r>
+              <a:rPr lang="en-US" sz="1100" b="0" i="0" u="none" strike="noStrike" cap="none" dirty="0">
+                <a:solidFill>
+                  <a:srgbClr val="000000"/>
+                </a:solidFill>
+                <a:effectLst/>
+                <a:latin typeface="Arial"/>
+                <a:ea typeface="Arial"/>
+                <a:cs typeface="Arial"/>
+                <a:sym typeface="Arial"/>
+              </a:rPr>
+              <a:t>yang </a:t>
+            </a:r>
+            <a:r>
+              <a:rPr lang="en-US" sz="1100" b="0" i="0" u="none" strike="noStrike" cap="none" dirty="0" err="1">
+                <a:solidFill>
+                  <a:srgbClr val="000000"/>
+                </a:solidFill>
+                <a:effectLst/>
+                <a:latin typeface="Arial"/>
+                <a:ea typeface="Arial"/>
+                <a:cs typeface="Arial"/>
+                <a:sym typeface="Arial"/>
+              </a:rPr>
+              <a:t>pertama</a:t>
+            </a:r>
+            <a:r>
+              <a:rPr lang="en-US" sz="1100" b="0" i="0" u="none" strike="noStrike" cap="none" dirty="0">
+                <a:solidFill>
+                  <a:srgbClr val="000000"/>
+                </a:solidFill>
+                <a:effectLst/>
+                <a:latin typeface="Arial"/>
+                <a:ea typeface="Arial"/>
+                <a:cs typeface="Arial"/>
+                <a:sym typeface="Arial"/>
+              </a:rPr>
+              <a:t> kali </a:t>
+            </a:r>
+            <a:r>
+              <a:rPr lang="en-US" sz="1100" b="0" i="0" u="none" strike="noStrike" cap="none" dirty="0" err="1">
+                <a:solidFill>
+                  <a:srgbClr val="000000"/>
+                </a:solidFill>
+                <a:effectLst/>
+                <a:latin typeface="Arial"/>
+                <a:ea typeface="Arial"/>
+                <a:cs typeface="Arial"/>
+                <a:sym typeface="Arial"/>
+              </a:rPr>
+              <a:t>diperkenalkan</a:t>
+            </a:r>
+            <a:r>
+              <a:rPr lang="en-US" sz="1100" b="0" i="0" u="none" strike="noStrike" cap="none" dirty="0">
+                <a:solidFill>
+                  <a:srgbClr val="000000"/>
+                </a:solidFill>
+                <a:effectLst/>
+                <a:latin typeface="Arial"/>
+                <a:ea typeface="Arial"/>
+                <a:cs typeface="Arial"/>
+                <a:sym typeface="Arial"/>
+              </a:rPr>
+              <a:t> oleh Jim Highsmith. Pada </a:t>
+            </a:r>
+            <a:r>
+              <a:rPr lang="en-US" sz="1100" b="0" i="0" u="none" strike="noStrike" cap="none" dirty="0" err="1">
+                <a:solidFill>
+                  <a:srgbClr val="000000"/>
+                </a:solidFill>
+                <a:effectLst/>
+                <a:latin typeface="Arial"/>
+                <a:ea typeface="Arial"/>
+                <a:cs typeface="Arial"/>
+                <a:sym typeface="Arial"/>
+              </a:rPr>
+              <a:t>metode</a:t>
+            </a:r>
+            <a:r>
+              <a:rPr lang="en-US" sz="1100" b="0" i="0" u="none" strike="noStrike" cap="none" dirty="0">
+                <a:solidFill>
+                  <a:srgbClr val="000000"/>
+                </a:solidFill>
+                <a:effectLst/>
+                <a:latin typeface="Arial"/>
+                <a:ea typeface="Arial"/>
+                <a:cs typeface="Arial"/>
+                <a:sym typeface="Arial"/>
+              </a:rPr>
+              <a:t> </a:t>
+            </a:r>
+            <a:r>
+              <a:rPr lang="en-US" sz="1100" b="0" i="0" u="none" strike="noStrike" cap="none" dirty="0" err="1">
+                <a:solidFill>
+                  <a:srgbClr val="000000"/>
+                </a:solidFill>
+                <a:effectLst/>
+                <a:latin typeface="Arial"/>
+                <a:ea typeface="Arial"/>
+                <a:cs typeface="Arial"/>
+                <a:sym typeface="Arial"/>
+              </a:rPr>
+              <a:t>ini</a:t>
+            </a:r>
+            <a:r>
+              <a:rPr lang="en-US" sz="1100" b="0" i="0" u="none" strike="noStrike" cap="none" dirty="0">
+                <a:solidFill>
+                  <a:srgbClr val="000000"/>
+                </a:solidFill>
+                <a:effectLst/>
+                <a:latin typeface="Arial"/>
+                <a:ea typeface="Arial"/>
+                <a:cs typeface="Arial"/>
+                <a:sym typeface="Arial"/>
+              </a:rPr>
+              <a:t> </a:t>
+            </a:r>
+            <a:r>
+              <a:rPr lang="en-US" sz="1100" b="0" i="0" u="none" strike="noStrike" cap="none" dirty="0" err="1">
+                <a:solidFill>
+                  <a:srgbClr val="000000"/>
+                </a:solidFill>
+                <a:effectLst/>
+                <a:latin typeface="Arial"/>
+                <a:ea typeface="Arial"/>
+                <a:cs typeface="Arial"/>
+                <a:sym typeface="Arial"/>
+              </a:rPr>
+              <a:t>terdapat</a:t>
+            </a:r>
+            <a:r>
+              <a:rPr lang="en-US" sz="1100" b="0" i="0" u="none" strike="noStrike" cap="none" dirty="0">
+                <a:solidFill>
+                  <a:srgbClr val="000000"/>
+                </a:solidFill>
+                <a:effectLst/>
+                <a:latin typeface="Arial"/>
+                <a:ea typeface="Arial"/>
+                <a:cs typeface="Arial"/>
+                <a:sym typeface="Arial"/>
+              </a:rPr>
+              <a:t> 3 </a:t>
+            </a:r>
+            <a:r>
+              <a:rPr lang="en-US" sz="1100" b="0" i="0" u="none" strike="noStrike" cap="none" dirty="0" err="1">
+                <a:solidFill>
+                  <a:srgbClr val="000000"/>
+                </a:solidFill>
+                <a:effectLst/>
+                <a:latin typeface="Arial"/>
+                <a:ea typeface="Arial"/>
+                <a:cs typeface="Arial"/>
+                <a:sym typeface="Arial"/>
+              </a:rPr>
+              <a:t>buah</a:t>
+            </a:r>
+            <a:r>
+              <a:rPr lang="en-US" sz="1100" b="0" i="0" u="none" strike="noStrike" cap="none" dirty="0">
+                <a:solidFill>
+                  <a:srgbClr val="000000"/>
+                </a:solidFill>
+                <a:effectLst/>
+                <a:latin typeface="Arial"/>
+                <a:ea typeface="Arial"/>
+                <a:cs typeface="Arial"/>
+                <a:sym typeface="Arial"/>
+              </a:rPr>
+              <a:t> </a:t>
+            </a:r>
+            <a:r>
+              <a:rPr lang="en-US" sz="1100" b="0" i="0" u="none" strike="noStrike" cap="none" dirty="0" err="1">
+                <a:solidFill>
+                  <a:srgbClr val="000000"/>
+                </a:solidFill>
+                <a:effectLst/>
+                <a:latin typeface="Arial"/>
+                <a:ea typeface="Arial"/>
+                <a:cs typeface="Arial"/>
+                <a:sym typeface="Arial"/>
+              </a:rPr>
+              <a:t>tahapan</a:t>
+            </a:r>
+            <a:r>
+              <a:rPr lang="en-US" sz="1100" b="0" i="0" u="none" strike="noStrike" cap="none" dirty="0">
+                <a:solidFill>
+                  <a:srgbClr val="000000"/>
+                </a:solidFill>
+                <a:effectLst/>
+                <a:latin typeface="Arial"/>
+                <a:ea typeface="Arial"/>
+                <a:cs typeface="Arial"/>
+                <a:sym typeface="Arial"/>
+              </a:rPr>
+              <a:t> </a:t>
+            </a:r>
+            <a:r>
+              <a:rPr lang="en-US" sz="1100" b="0" i="0" u="none" strike="noStrike" cap="none" dirty="0" err="1">
+                <a:solidFill>
+                  <a:srgbClr val="000000"/>
+                </a:solidFill>
+                <a:effectLst/>
+                <a:latin typeface="Arial"/>
+                <a:ea typeface="Arial"/>
+                <a:cs typeface="Arial"/>
+                <a:sym typeface="Arial"/>
+              </a:rPr>
+              <a:t>atau</a:t>
+            </a:r>
+            <a:r>
+              <a:rPr lang="en-US" sz="1100" b="0" i="0" u="none" strike="noStrike" cap="none" dirty="0">
+                <a:solidFill>
+                  <a:srgbClr val="000000"/>
+                </a:solidFill>
+                <a:effectLst/>
+                <a:latin typeface="Arial"/>
+                <a:ea typeface="Arial"/>
+                <a:cs typeface="Arial"/>
+                <a:sym typeface="Arial"/>
+              </a:rPr>
+              <a:t> </a:t>
+            </a:r>
+            <a:r>
+              <a:rPr lang="en-US" sz="1100" b="0" i="0" u="none" strike="noStrike" cap="none" dirty="0" err="1">
+                <a:solidFill>
+                  <a:srgbClr val="000000"/>
+                </a:solidFill>
+                <a:effectLst/>
+                <a:latin typeface="Arial"/>
+                <a:ea typeface="Arial"/>
+                <a:cs typeface="Arial"/>
+                <a:sym typeface="Arial"/>
+              </a:rPr>
+              <a:t>fase</a:t>
+            </a:r>
+            <a:r>
+              <a:rPr lang="en-US" sz="1100" b="0" i="0" u="none" strike="noStrike" cap="none" dirty="0">
+                <a:solidFill>
+                  <a:srgbClr val="000000"/>
+                </a:solidFill>
+                <a:effectLst/>
+                <a:latin typeface="Arial"/>
+                <a:ea typeface="Arial"/>
+                <a:cs typeface="Arial"/>
+                <a:sym typeface="Arial"/>
+              </a:rPr>
+              <a:t> </a:t>
+            </a:r>
+            <a:r>
+              <a:rPr lang="en-US" sz="1100" b="0" i="0" u="none" strike="noStrike" cap="none" dirty="0" err="1">
+                <a:solidFill>
+                  <a:srgbClr val="000000"/>
+                </a:solidFill>
+                <a:effectLst/>
+                <a:latin typeface="Arial"/>
+                <a:ea typeface="Arial"/>
+                <a:cs typeface="Arial"/>
+                <a:sym typeface="Arial"/>
+              </a:rPr>
+              <a:t>yaitu</a:t>
+            </a:r>
+            <a:r>
+              <a:rPr lang="en-US" sz="1100" b="0" i="0" u="none" strike="noStrike" cap="none" dirty="0">
+                <a:solidFill>
+                  <a:srgbClr val="000000"/>
+                </a:solidFill>
+                <a:effectLst/>
+                <a:latin typeface="Arial"/>
+                <a:ea typeface="Arial"/>
+                <a:cs typeface="Arial"/>
+                <a:sym typeface="Arial"/>
+              </a:rPr>
+              <a:t> Speculation, collaboration, dan learning. </a:t>
+            </a:r>
+            <a:endParaRPr lang="id-ID" sz="1100" b="0" i="0" u="none" strike="noStrike" cap="none" dirty="0">
+              <a:solidFill>
+                <a:srgbClr val="000000"/>
+              </a:solidFill>
+              <a:effectLst/>
+              <a:latin typeface="Arial"/>
+              <a:ea typeface="Arial"/>
+              <a:cs typeface="Arial"/>
+              <a:sym typeface="Arial"/>
+            </a:endParaRPr>
+          </a:p>
+          <a:p>
+            <a:r>
+              <a:rPr lang="en-US" sz="1100" b="1" i="0" u="none" strike="noStrike" cap="none" dirty="0" err="1">
+                <a:solidFill>
+                  <a:srgbClr val="000000"/>
+                </a:solidFill>
+                <a:effectLst/>
+                <a:latin typeface="Arial"/>
+                <a:ea typeface="Arial"/>
+                <a:cs typeface="Arial"/>
+                <a:sym typeface="Arial"/>
+              </a:rPr>
+              <a:t>Tahap</a:t>
+            </a:r>
+            <a:r>
+              <a:rPr lang="en-US" sz="1100" b="1" i="0" u="none" strike="noStrike" cap="none" dirty="0">
+                <a:solidFill>
+                  <a:srgbClr val="000000"/>
+                </a:solidFill>
+                <a:effectLst/>
+                <a:latin typeface="Arial"/>
+                <a:ea typeface="Arial"/>
+                <a:cs typeface="Arial"/>
+                <a:sym typeface="Arial"/>
+              </a:rPr>
+              <a:t> Speculation </a:t>
+            </a:r>
+            <a:r>
+              <a:rPr lang="en-US" sz="1100" b="0" i="0" u="none" strike="noStrike" cap="none" dirty="0" err="1">
+                <a:solidFill>
+                  <a:srgbClr val="000000"/>
+                </a:solidFill>
+                <a:effectLst/>
+                <a:latin typeface="Arial"/>
+                <a:ea typeface="Arial"/>
+                <a:cs typeface="Arial"/>
+                <a:sym typeface="Arial"/>
+              </a:rPr>
+              <a:t>merupakan</a:t>
+            </a:r>
+            <a:r>
+              <a:rPr lang="en-US" sz="1100" b="0" i="0" u="none" strike="noStrike" cap="none" dirty="0">
+                <a:solidFill>
+                  <a:srgbClr val="000000"/>
+                </a:solidFill>
+                <a:effectLst/>
+                <a:latin typeface="Arial"/>
+                <a:ea typeface="Arial"/>
+                <a:cs typeface="Arial"/>
+                <a:sym typeface="Arial"/>
+              </a:rPr>
+              <a:t> </a:t>
+            </a:r>
+            <a:r>
+              <a:rPr lang="en-US" sz="1100" b="0" i="0" u="none" strike="noStrike" cap="none" dirty="0" err="1">
+                <a:solidFill>
+                  <a:srgbClr val="000000"/>
+                </a:solidFill>
+                <a:effectLst/>
+                <a:latin typeface="Arial"/>
+                <a:ea typeface="Arial"/>
+                <a:cs typeface="Arial"/>
+                <a:sym typeface="Arial"/>
+              </a:rPr>
+              <a:t>tahap</a:t>
+            </a:r>
+            <a:r>
+              <a:rPr lang="en-US" sz="1100" b="0" i="0" u="none" strike="noStrike" cap="none" dirty="0">
+                <a:solidFill>
+                  <a:srgbClr val="000000"/>
+                </a:solidFill>
+                <a:effectLst/>
+                <a:latin typeface="Arial"/>
+                <a:ea typeface="Arial"/>
+                <a:cs typeface="Arial"/>
+                <a:sym typeface="Arial"/>
+              </a:rPr>
+              <a:t> </a:t>
+            </a:r>
+            <a:r>
+              <a:rPr lang="en-US" sz="1100" b="0" i="0" u="none" strike="noStrike" cap="none" dirty="0" err="1">
+                <a:solidFill>
+                  <a:srgbClr val="000000"/>
+                </a:solidFill>
+                <a:effectLst/>
+                <a:latin typeface="Arial"/>
+                <a:ea typeface="Arial"/>
+                <a:cs typeface="Arial"/>
+                <a:sym typeface="Arial"/>
+              </a:rPr>
+              <a:t>inisisasi</a:t>
+            </a:r>
+            <a:r>
+              <a:rPr lang="en-US" sz="1100" b="0" i="0" u="none" strike="noStrike" cap="none" dirty="0">
+                <a:solidFill>
+                  <a:srgbClr val="000000"/>
+                </a:solidFill>
+                <a:effectLst/>
+                <a:latin typeface="Arial"/>
+                <a:ea typeface="Arial"/>
+                <a:cs typeface="Arial"/>
+                <a:sym typeface="Arial"/>
+              </a:rPr>
+              <a:t> </a:t>
+            </a:r>
+            <a:r>
+              <a:rPr lang="en-US" sz="1100" b="0" i="0" u="none" strike="noStrike" cap="none" dirty="0" err="1">
+                <a:solidFill>
+                  <a:srgbClr val="000000"/>
+                </a:solidFill>
+                <a:effectLst/>
+                <a:latin typeface="Arial"/>
+                <a:ea typeface="Arial"/>
+                <a:cs typeface="Arial"/>
+                <a:sym typeface="Arial"/>
+              </a:rPr>
+              <a:t>metode</a:t>
+            </a:r>
+            <a:r>
+              <a:rPr lang="en-US" sz="1100" b="0" i="0" u="none" strike="noStrike" cap="none" dirty="0">
+                <a:solidFill>
+                  <a:srgbClr val="000000"/>
+                </a:solidFill>
+                <a:effectLst/>
+                <a:latin typeface="Arial"/>
+                <a:ea typeface="Arial"/>
+                <a:cs typeface="Arial"/>
+                <a:sym typeface="Arial"/>
+              </a:rPr>
+              <a:t> </a:t>
+            </a:r>
+            <a:r>
+              <a:rPr lang="en-US" sz="1100" b="0" i="0" u="none" strike="noStrike" cap="none" dirty="0" err="1">
+                <a:solidFill>
+                  <a:srgbClr val="000000"/>
+                </a:solidFill>
+                <a:effectLst/>
+                <a:latin typeface="Arial"/>
+                <a:ea typeface="Arial"/>
+                <a:cs typeface="Arial"/>
+                <a:sym typeface="Arial"/>
+              </a:rPr>
+              <a:t>adaptif</a:t>
+            </a:r>
+            <a:r>
+              <a:rPr lang="en-US" sz="1100" b="0" i="0" u="none" strike="noStrike" cap="none" dirty="0">
+                <a:solidFill>
+                  <a:srgbClr val="000000"/>
+                </a:solidFill>
+                <a:effectLst/>
+                <a:latin typeface="Arial"/>
+                <a:ea typeface="Arial"/>
+                <a:cs typeface="Arial"/>
+                <a:sym typeface="Arial"/>
+              </a:rPr>
+              <a:t>. Pada </a:t>
+            </a:r>
+            <a:r>
+              <a:rPr lang="en-US" sz="1100" b="0" i="0" u="none" strike="noStrike" cap="none" dirty="0" err="1">
+                <a:solidFill>
+                  <a:srgbClr val="000000"/>
+                </a:solidFill>
+                <a:effectLst/>
+                <a:latin typeface="Arial"/>
+                <a:ea typeface="Arial"/>
+                <a:cs typeface="Arial"/>
+                <a:sym typeface="Arial"/>
+              </a:rPr>
+              <a:t>tahap</a:t>
+            </a:r>
+            <a:r>
+              <a:rPr lang="en-US" sz="1100" b="0" i="0" u="none" strike="noStrike" cap="none" dirty="0">
+                <a:solidFill>
+                  <a:srgbClr val="000000"/>
+                </a:solidFill>
+                <a:effectLst/>
+                <a:latin typeface="Arial"/>
+                <a:ea typeface="Arial"/>
+                <a:cs typeface="Arial"/>
+                <a:sym typeface="Arial"/>
+              </a:rPr>
+              <a:t> </a:t>
+            </a:r>
+            <a:r>
+              <a:rPr lang="en-US" sz="1100" b="0" i="0" u="none" strike="noStrike" cap="none" dirty="0" err="1">
+                <a:solidFill>
+                  <a:srgbClr val="000000"/>
+                </a:solidFill>
+                <a:effectLst/>
+                <a:latin typeface="Arial"/>
+                <a:ea typeface="Arial"/>
+                <a:cs typeface="Arial"/>
+                <a:sym typeface="Arial"/>
+              </a:rPr>
+              <a:t>ini</a:t>
+            </a:r>
+            <a:r>
+              <a:rPr lang="en-US" sz="1100" b="0" i="0" u="none" strike="noStrike" cap="none" dirty="0">
+                <a:solidFill>
+                  <a:srgbClr val="000000"/>
+                </a:solidFill>
+                <a:effectLst/>
+                <a:latin typeface="Arial"/>
+                <a:ea typeface="Arial"/>
+                <a:cs typeface="Arial"/>
+                <a:sym typeface="Arial"/>
+              </a:rPr>
+              <a:t> </a:t>
+            </a:r>
+            <a:r>
+              <a:rPr lang="en-US" sz="1100" b="0" i="0" u="none" strike="noStrike" cap="none" dirty="0" err="1">
+                <a:solidFill>
+                  <a:srgbClr val="000000"/>
+                </a:solidFill>
+                <a:effectLst/>
+                <a:latin typeface="Arial"/>
+                <a:ea typeface="Arial"/>
+                <a:cs typeface="Arial"/>
+                <a:sym typeface="Arial"/>
+              </a:rPr>
+              <a:t>ditentukan</a:t>
+            </a:r>
+            <a:r>
+              <a:rPr lang="en-US" sz="1100" b="0" i="0" u="none" strike="noStrike" cap="none" dirty="0">
+                <a:solidFill>
+                  <a:srgbClr val="000000"/>
+                </a:solidFill>
+                <a:effectLst/>
+                <a:latin typeface="Arial"/>
+                <a:ea typeface="Arial"/>
+                <a:cs typeface="Arial"/>
+                <a:sym typeface="Arial"/>
+              </a:rPr>
+              <a:t> Batasan </a:t>
+            </a:r>
+            <a:r>
+              <a:rPr lang="en-US" sz="1100" b="0" i="0" u="none" strike="noStrike" cap="none" dirty="0" err="1">
+                <a:solidFill>
+                  <a:srgbClr val="000000"/>
+                </a:solidFill>
+                <a:effectLst/>
+                <a:latin typeface="Arial"/>
+                <a:ea typeface="Arial"/>
+                <a:cs typeface="Arial"/>
+                <a:sym typeface="Arial"/>
+              </a:rPr>
+              <a:t>projet</a:t>
+            </a:r>
+            <a:r>
+              <a:rPr lang="en-US" sz="1100" b="0" i="0" u="none" strike="noStrike" cap="none" dirty="0">
+                <a:solidFill>
+                  <a:srgbClr val="000000"/>
+                </a:solidFill>
+                <a:effectLst/>
+                <a:latin typeface="Arial"/>
+                <a:ea typeface="Arial"/>
+                <a:cs typeface="Arial"/>
+                <a:sym typeface="Arial"/>
+              </a:rPr>
+              <a:t> dan </a:t>
+            </a:r>
+            <a:r>
+              <a:rPr lang="en-US" sz="1100" b="0" i="0" u="none" strike="noStrike" cap="none" dirty="0" err="1">
+                <a:solidFill>
+                  <a:srgbClr val="000000"/>
+                </a:solidFill>
+                <a:effectLst/>
+                <a:latin typeface="Arial"/>
+                <a:ea typeface="Arial"/>
+                <a:cs typeface="Arial"/>
+                <a:sym typeface="Arial"/>
+              </a:rPr>
+              <a:t>kebutuhan</a:t>
+            </a:r>
+            <a:r>
+              <a:rPr lang="en-US" sz="1100" b="0" i="0" u="none" strike="noStrike" cap="none" dirty="0">
+                <a:solidFill>
+                  <a:srgbClr val="000000"/>
+                </a:solidFill>
+                <a:effectLst/>
+                <a:latin typeface="Arial"/>
+                <a:ea typeface="Arial"/>
+                <a:cs typeface="Arial"/>
+                <a:sym typeface="Arial"/>
+              </a:rPr>
+              <a:t> </a:t>
+            </a:r>
+            <a:r>
+              <a:rPr lang="en-US" sz="1100" b="0" i="0" u="none" strike="noStrike" cap="none" dirty="0" err="1">
+                <a:solidFill>
+                  <a:srgbClr val="000000"/>
+                </a:solidFill>
+                <a:effectLst/>
+                <a:latin typeface="Arial"/>
+                <a:ea typeface="Arial"/>
+                <a:cs typeface="Arial"/>
+                <a:sym typeface="Arial"/>
+              </a:rPr>
+              <a:t>sistem</a:t>
+            </a:r>
+            <a:r>
+              <a:rPr lang="en-US" sz="1100" b="0" i="0" u="none" strike="noStrike" cap="none" dirty="0">
+                <a:solidFill>
+                  <a:srgbClr val="000000"/>
+                </a:solidFill>
+                <a:effectLst/>
+                <a:latin typeface="Arial"/>
+                <a:ea typeface="Arial"/>
+                <a:cs typeface="Arial"/>
+                <a:sym typeface="Arial"/>
+              </a:rPr>
+              <a:t>.</a:t>
+            </a:r>
+            <a:endParaRPr lang="id-ID" sz="1100" b="0" i="0" u="none" strike="noStrike" cap="none" dirty="0">
+              <a:solidFill>
+                <a:srgbClr val="000000"/>
+              </a:solidFill>
+              <a:effectLst/>
+              <a:latin typeface="Arial"/>
+              <a:ea typeface="Arial"/>
+              <a:cs typeface="Arial"/>
+              <a:sym typeface="Arial"/>
+            </a:endParaRPr>
+          </a:p>
+          <a:p>
+            <a:r>
+              <a:rPr lang="en-US" sz="1100" b="0" i="0" u="none" strike="noStrike" cap="none" dirty="0" err="1">
+                <a:solidFill>
+                  <a:srgbClr val="000000"/>
+                </a:solidFill>
+                <a:effectLst/>
+                <a:latin typeface="Arial"/>
+                <a:ea typeface="Arial"/>
+                <a:cs typeface="Arial"/>
+                <a:sym typeface="Arial"/>
+              </a:rPr>
+              <a:t>Selanjutnya</a:t>
+            </a:r>
+            <a:r>
+              <a:rPr lang="en-US" sz="1100" b="0" i="0" u="none" strike="noStrike" cap="none" dirty="0">
+                <a:solidFill>
+                  <a:srgbClr val="000000"/>
+                </a:solidFill>
+                <a:effectLst/>
+                <a:latin typeface="Arial"/>
+                <a:ea typeface="Arial"/>
+                <a:cs typeface="Arial"/>
+                <a:sym typeface="Arial"/>
+              </a:rPr>
+              <a:t> pada </a:t>
+            </a:r>
+            <a:r>
+              <a:rPr lang="en-US" sz="1100" b="1" i="0" u="none" strike="noStrike" cap="none" dirty="0" err="1">
+                <a:solidFill>
+                  <a:srgbClr val="000000"/>
+                </a:solidFill>
+                <a:effectLst/>
+                <a:latin typeface="Arial"/>
+                <a:ea typeface="Arial"/>
+                <a:cs typeface="Arial"/>
+                <a:sym typeface="Arial"/>
+              </a:rPr>
+              <a:t>tahapan</a:t>
+            </a:r>
+            <a:r>
+              <a:rPr lang="en-US" sz="1100" b="1" i="0" u="none" strike="noStrike" cap="none" dirty="0">
+                <a:solidFill>
+                  <a:srgbClr val="000000"/>
+                </a:solidFill>
+                <a:effectLst/>
+                <a:latin typeface="Arial"/>
+                <a:ea typeface="Arial"/>
+                <a:cs typeface="Arial"/>
+                <a:sym typeface="Arial"/>
+              </a:rPr>
+              <a:t> collaboration</a:t>
+            </a:r>
+            <a:r>
+              <a:rPr lang="en-US" sz="1100" b="0" i="0" u="none" strike="noStrike" cap="none" dirty="0">
+                <a:solidFill>
+                  <a:srgbClr val="000000"/>
+                </a:solidFill>
+                <a:effectLst/>
+                <a:latin typeface="Arial"/>
+                <a:ea typeface="Arial"/>
+                <a:cs typeface="Arial"/>
+                <a:sym typeface="Arial"/>
+              </a:rPr>
+              <a:t>, </a:t>
+            </a:r>
+            <a:r>
+              <a:rPr lang="id-ID" sz="1100" b="0" i="0" u="none" strike="noStrike" cap="none" dirty="0">
+                <a:solidFill>
+                  <a:srgbClr val="000000"/>
+                </a:solidFill>
+                <a:effectLst/>
+                <a:latin typeface="Arial"/>
+                <a:ea typeface="Arial"/>
+                <a:cs typeface="Arial"/>
+                <a:sym typeface="Arial"/>
+              </a:rPr>
+              <a:t>Tahapan ini merupakan implementasi dalam pengerjaan proyek berdasarkan kebutuhan proyek yang telah definisikan pada tahap </a:t>
+            </a:r>
+            <a:r>
+              <a:rPr lang="id-ID" sz="1100" b="0" i="0" u="none" strike="noStrike" cap="none" dirty="0" err="1">
+                <a:solidFill>
+                  <a:srgbClr val="000000"/>
+                </a:solidFill>
+                <a:effectLst/>
+                <a:latin typeface="Arial"/>
+                <a:ea typeface="Arial"/>
+                <a:cs typeface="Arial"/>
+                <a:sym typeface="Arial"/>
+              </a:rPr>
+              <a:t>speculation</a:t>
+            </a:r>
+            <a:r>
+              <a:rPr lang="en-US" sz="1100" b="0" i="0" u="none" strike="noStrike" cap="none" dirty="0">
+                <a:solidFill>
+                  <a:srgbClr val="000000"/>
+                </a:solidFill>
+                <a:effectLst/>
+                <a:latin typeface="Arial"/>
+                <a:ea typeface="Arial"/>
+                <a:cs typeface="Arial"/>
+                <a:sym typeface="Arial"/>
+              </a:rPr>
+              <a:t>.</a:t>
+            </a:r>
+            <a:endParaRPr lang="id-ID" sz="1100" b="0" i="0" u="none" strike="noStrike" cap="none" dirty="0">
+              <a:solidFill>
+                <a:srgbClr val="000000"/>
+              </a:solidFill>
+              <a:effectLst/>
+              <a:latin typeface="Arial"/>
+              <a:ea typeface="Arial"/>
+              <a:cs typeface="Arial"/>
+              <a:sym typeface="Arial"/>
+            </a:endParaRPr>
+          </a:p>
+          <a:p>
+            <a:r>
+              <a:rPr lang="en-US" sz="1100" b="0" i="0" u="none" strike="noStrike" cap="none" dirty="0" err="1">
+                <a:solidFill>
+                  <a:srgbClr val="000000"/>
+                </a:solidFill>
+                <a:effectLst/>
+                <a:latin typeface="Arial"/>
+                <a:ea typeface="Arial"/>
+                <a:cs typeface="Arial"/>
+                <a:sym typeface="Arial"/>
+              </a:rPr>
+              <a:t>Terakhir</a:t>
+            </a:r>
+            <a:r>
+              <a:rPr lang="en-US" sz="1100" b="0" i="0" u="none" strike="noStrike" cap="none" dirty="0">
+                <a:solidFill>
+                  <a:srgbClr val="000000"/>
+                </a:solidFill>
+                <a:effectLst/>
+                <a:latin typeface="Arial"/>
+                <a:ea typeface="Arial"/>
+                <a:cs typeface="Arial"/>
+                <a:sym typeface="Arial"/>
+              </a:rPr>
+              <a:t> </a:t>
+            </a:r>
+            <a:r>
+              <a:rPr lang="en-US" sz="1100" b="1" i="0" u="none" strike="noStrike" cap="none" dirty="0" err="1">
+                <a:solidFill>
+                  <a:srgbClr val="000000"/>
+                </a:solidFill>
+                <a:effectLst/>
+                <a:latin typeface="Arial"/>
+                <a:ea typeface="Arial"/>
+                <a:cs typeface="Arial"/>
+                <a:sym typeface="Arial"/>
+              </a:rPr>
+              <a:t>tahapan</a:t>
+            </a:r>
+            <a:r>
+              <a:rPr lang="en-US" sz="1100" b="1" i="0" u="none" strike="noStrike" cap="none" dirty="0">
+                <a:solidFill>
+                  <a:srgbClr val="000000"/>
+                </a:solidFill>
+                <a:effectLst/>
+                <a:latin typeface="Arial"/>
+                <a:ea typeface="Arial"/>
+                <a:cs typeface="Arial"/>
+                <a:sym typeface="Arial"/>
+              </a:rPr>
+              <a:t> learning</a:t>
+            </a:r>
+            <a:r>
+              <a:rPr lang="en-US" sz="1100" b="0" i="0" u="none" strike="noStrike" cap="none" dirty="0">
+                <a:solidFill>
+                  <a:srgbClr val="000000"/>
+                </a:solidFill>
+                <a:effectLst/>
+                <a:latin typeface="Arial"/>
+                <a:ea typeface="Arial"/>
+                <a:cs typeface="Arial"/>
+                <a:sym typeface="Arial"/>
+              </a:rPr>
+              <a:t> </a:t>
+            </a:r>
+            <a:r>
+              <a:rPr lang="en-US" sz="1100" b="0" i="0" u="none" strike="noStrike" cap="none" dirty="0" err="1">
+                <a:solidFill>
+                  <a:srgbClr val="000000"/>
+                </a:solidFill>
+                <a:effectLst/>
+                <a:latin typeface="Arial"/>
+                <a:ea typeface="Arial"/>
+                <a:cs typeface="Arial"/>
+                <a:sym typeface="Arial"/>
+              </a:rPr>
+              <a:t>merupakan</a:t>
+            </a:r>
+            <a:r>
+              <a:rPr lang="en-US" sz="1100" b="0" i="0" u="none" strike="noStrike" cap="none" dirty="0">
+                <a:solidFill>
+                  <a:srgbClr val="000000"/>
+                </a:solidFill>
+                <a:effectLst/>
+                <a:latin typeface="Arial"/>
+                <a:ea typeface="Arial"/>
+                <a:cs typeface="Arial"/>
+                <a:sym typeface="Arial"/>
+              </a:rPr>
+              <a:t> </a:t>
+            </a:r>
+            <a:r>
+              <a:rPr lang="en-US" sz="1100" b="0" i="0" u="none" strike="noStrike" cap="none" dirty="0" err="1">
+                <a:solidFill>
+                  <a:srgbClr val="000000"/>
+                </a:solidFill>
+                <a:effectLst/>
+                <a:latin typeface="Arial"/>
+                <a:ea typeface="Arial"/>
+                <a:cs typeface="Arial"/>
+                <a:sym typeface="Arial"/>
+              </a:rPr>
+              <a:t>fase</a:t>
+            </a:r>
+            <a:r>
+              <a:rPr lang="en-US" sz="1100" b="0" i="0" u="none" strike="noStrike" cap="none" dirty="0">
+                <a:solidFill>
+                  <a:srgbClr val="000000"/>
+                </a:solidFill>
+                <a:effectLst/>
+                <a:latin typeface="Arial"/>
+                <a:ea typeface="Arial"/>
+                <a:cs typeface="Arial"/>
+                <a:sym typeface="Arial"/>
+              </a:rPr>
+              <a:t> </a:t>
+            </a:r>
+            <a:r>
+              <a:rPr lang="en-US" sz="1100" b="0" i="0" u="none" strike="noStrike" cap="none" dirty="0" err="1">
+                <a:solidFill>
+                  <a:srgbClr val="000000"/>
+                </a:solidFill>
+                <a:effectLst/>
+                <a:latin typeface="Arial"/>
+                <a:ea typeface="Arial"/>
+                <a:cs typeface="Arial"/>
+                <a:sym typeface="Arial"/>
+              </a:rPr>
+              <a:t>pembelajaran</a:t>
+            </a:r>
+            <a:r>
+              <a:rPr lang="en-US" sz="1100" b="0" i="0" u="none" strike="noStrike" cap="none" dirty="0">
+                <a:solidFill>
+                  <a:srgbClr val="000000"/>
+                </a:solidFill>
+                <a:effectLst/>
+                <a:latin typeface="Arial"/>
+                <a:ea typeface="Arial"/>
+                <a:cs typeface="Arial"/>
+                <a:sym typeface="Arial"/>
+              </a:rPr>
+              <a:t> </a:t>
+            </a:r>
+            <a:r>
+              <a:rPr lang="en-US" sz="1100" b="0" i="0" u="none" strike="noStrike" cap="none" dirty="0" err="1">
+                <a:solidFill>
+                  <a:srgbClr val="000000"/>
+                </a:solidFill>
+                <a:effectLst/>
+                <a:latin typeface="Arial"/>
+                <a:ea typeface="Arial"/>
+                <a:cs typeface="Arial"/>
+                <a:sym typeface="Arial"/>
+              </a:rPr>
+              <a:t>dalam</a:t>
+            </a:r>
+            <a:r>
+              <a:rPr lang="en-US" sz="1100" b="0" i="0" u="none" strike="noStrike" cap="none" dirty="0">
+                <a:solidFill>
+                  <a:srgbClr val="000000"/>
+                </a:solidFill>
+                <a:effectLst/>
+                <a:latin typeface="Arial"/>
+                <a:ea typeface="Arial"/>
+                <a:cs typeface="Arial"/>
+                <a:sym typeface="Arial"/>
+              </a:rPr>
+              <a:t> </a:t>
+            </a:r>
+            <a:r>
+              <a:rPr lang="en-US" sz="1100" b="0" i="0" u="none" strike="noStrike" cap="none" dirty="0" err="1">
+                <a:solidFill>
+                  <a:srgbClr val="000000"/>
+                </a:solidFill>
+                <a:effectLst/>
+                <a:latin typeface="Arial"/>
+                <a:ea typeface="Arial"/>
+                <a:cs typeface="Arial"/>
+                <a:sym typeface="Arial"/>
+              </a:rPr>
+              <a:t>tim</a:t>
+            </a:r>
+            <a:r>
+              <a:rPr lang="en-US" sz="1100" b="0" i="0" u="none" strike="noStrike" cap="none" dirty="0">
+                <a:solidFill>
+                  <a:srgbClr val="000000"/>
+                </a:solidFill>
+                <a:effectLst/>
+                <a:latin typeface="Arial"/>
+                <a:ea typeface="Arial"/>
+                <a:cs typeface="Arial"/>
+                <a:sym typeface="Arial"/>
+              </a:rPr>
+              <a:t> ASD </a:t>
+            </a:r>
+            <a:r>
+              <a:rPr lang="en-US" sz="1100" b="0" i="0" u="none" strike="noStrike" cap="none" dirty="0" err="1">
+                <a:solidFill>
+                  <a:srgbClr val="000000"/>
+                </a:solidFill>
+                <a:effectLst/>
+                <a:latin typeface="Arial"/>
+                <a:ea typeface="Arial"/>
+                <a:cs typeface="Arial"/>
+                <a:sym typeface="Arial"/>
+              </a:rPr>
+              <a:t>melalui</a:t>
+            </a:r>
+            <a:r>
+              <a:rPr lang="en-US" sz="1100" b="0" i="0" u="none" strike="noStrike" cap="none" dirty="0">
+                <a:solidFill>
+                  <a:srgbClr val="000000"/>
+                </a:solidFill>
+                <a:effectLst/>
+                <a:latin typeface="Arial"/>
+                <a:ea typeface="Arial"/>
+                <a:cs typeface="Arial"/>
+                <a:sym typeface="Arial"/>
+              </a:rPr>
+              <a:t> </a:t>
+            </a:r>
+            <a:r>
+              <a:rPr lang="en-US" sz="1100" b="0" i="0" u="none" strike="noStrike" cap="none" dirty="0" err="1">
+                <a:solidFill>
+                  <a:srgbClr val="000000"/>
+                </a:solidFill>
+                <a:effectLst/>
+                <a:latin typeface="Arial"/>
+                <a:ea typeface="Arial"/>
+                <a:cs typeface="Arial"/>
+                <a:sym typeface="Arial"/>
+              </a:rPr>
+              <a:t>pengujian</a:t>
+            </a:r>
+            <a:r>
+              <a:rPr lang="en-US" sz="1100" b="0" i="0" u="none" strike="noStrike" cap="none" dirty="0">
+                <a:solidFill>
+                  <a:srgbClr val="000000"/>
+                </a:solidFill>
+                <a:effectLst/>
+                <a:latin typeface="Arial"/>
+                <a:ea typeface="Arial"/>
+                <a:cs typeface="Arial"/>
+                <a:sym typeface="Arial"/>
+              </a:rPr>
+              <a:t> software. </a:t>
+            </a:r>
+            <a:r>
+              <a:rPr lang="en-US" sz="1100" b="0" i="0" u="none" strike="noStrike" cap="none" dirty="0" err="1">
+                <a:solidFill>
+                  <a:srgbClr val="000000"/>
+                </a:solidFill>
+                <a:effectLst/>
+                <a:latin typeface="Arial"/>
+                <a:ea typeface="Arial"/>
+                <a:cs typeface="Arial"/>
+                <a:sym typeface="Arial"/>
+              </a:rPr>
+              <a:t>Tahapan</a:t>
+            </a:r>
+            <a:r>
+              <a:rPr lang="en-US" sz="1100" b="0" i="0" u="none" strike="noStrike" cap="none" dirty="0">
+                <a:solidFill>
+                  <a:srgbClr val="000000"/>
+                </a:solidFill>
+                <a:effectLst/>
+                <a:latin typeface="Arial"/>
+                <a:ea typeface="Arial"/>
+                <a:cs typeface="Arial"/>
+                <a:sym typeface="Arial"/>
+              </a:rPr>
+              <a:t> </a:t>
+            </a:r>
+            <a:r>
+              <a:rPr lang="en-US" sz="1100" b="0" i="0" u="none" strike="noStrike" cap="none" dirty="0" err="1">
+                <a:solidFill>
+                  <a:srgbClr val="000000"/>
+                </a:solidFill>
+                <a:effectLst/>
+                <a:latin typeface="Arial"/>
+                <a:ea typeface="Arial"/>
+                <a:cs typeface="Arial"/>
+                <a:sym typeface="Arial"/>
+              </a:rPr>
+              <a:t>ini</a:t>
+            </a:r>
+            <a:r>
+              <a:rPr lang="en-US" sz="1100" b="0" i="0" u="none" strike="noStrike" cap="none" dirty="0">
+                <a:solidFill>
+                  <a:srgbClr val="000000"/>
+                </a:solidFill>
+                <a:effectLst/>
+                <a:latin typeface="Arial"/>
+                <a:ea typeface="Arial"/>
+                <a:cs typeface="Arial"/>
+                <a:sym typeface="Arial"/>
+              </a:rPr>
+              <a:t> </a:t>
+            </a:r>
+            <a:r>
+              <a:rPr lang="en-US" sz="1100" b="0" i="0" u="none" strike="noStrike" cap="none" dirty="0" err="1">
+                <a:solidFill>
+                  <a:srgbClr val="000000"/>
+                </a:solidFill>
+                <a:effectLst/>
+                <a:latin typeface="Arial"/>
+                <a:ea typeface="Arial"/>
+                <a:cs typeface="Arial"/>
+                <a:sym typeface="Arial"/>
+              </a:rPr>
+              <a:t>memungkinkan</a:t>
+            </a:r>
+            <a:r>
+              <a:rPr lang="en-US" sz="1100" b="0" i="0" u="none" strike="noStrike" cap="none" dirty="0">
+                <a:solidFill>
+                  <a:srgbClr val="000000"/>
+                </a:solidFill>
+                <a:effectLst/>
+                <a:latin typeface="Arial"/>
+                <a:ea typeface="Arial"/>
+                <a:cs typeface="Arial"/>
+                <a:sym typeface="Arial"/>
+              </a:rPr>
+              <a:t> </a:t>
+            </a:r>
+            <a:r>
+              <a:rPr lang="en-US" sz="1100" b="0" i="0" u="none" strike="noStrike" cap="none" dirty="0" err="1">
+                <a:solidFill>
+                  <a:srgbClr val="000000"/>
+                </a:solidFill>
+                <a:effectLst/>
+                <a:latin typeface="Arial"/>
+                <a:ea typeface="Arial"/>
+                <a:cs typeface="Arial"/>
+                <a:sym typeface="Arial"/>
+              </a:rPr>
+              <a:t>pengembang</a:t>
+            </a:r>
+            <a:r>
+              <a:rPr lang="en-US" sz="1100" b="0" i="0" u="none" strike="noStrike" cap="none" dirty="0">
+                <a:solidFill>
+                  <a:srgbClr val="000000"/>
+                </a:solidFill>
+                <a:effectLst/>
+                <a:latin typeface="Arial"/>
+                <a:ea typeface="Arial"/>
+                <a:cs typeface="Arial"/>
+                <a:sym typeface="Arial"/>
+              </a:rPr>
+              <a:t> software </a:t>
+            </a:r>
+            <a:r>
+              <a:rPr lang="en-US" sz="1100" b="0" i="0" u="none" strike="noStrike" cap="none" dirty="0" err="1">
+                <a:solidFill>
+                  <a:srgbClr val="000000"/>
+                </a:solidFill>
+                <a:effectLst/>
+                <a:latin typeface="Arial"/>
+                <a:ea typeface="Arial"/>
+                <a:cs typeface="Arial"/>
+                <a:sym typeface="Arial"/>
+              </a:rPr>
+              <a:t>untuk</a:t>
+            </a:r>
+            <a:r>
+              <a:rPr lang="en-US" sz="1100" b="0" i="0" u="none" strike="noStrike" cap="none" dirty="0">
+                <a:solidFill>
+                  <a:srgbClr val="000000"/>
+                </a:solidFill>
+                <a:effectLst/>
+                <a:latin typeface="Arial"/>
+                <a:ea typeface="Arial"/>
+                <a:cs typeface="Arial"/>
+                <a:sym typeface="Arial"/>
+              </a:rPr>
+              <a:t> </a:t>
+            </a:r>
+            <a:r>
+              <a:rPr lang="en-US" sz="1100" b="0" i="0" u="none" strike="noStrike" cap="none" dirty="0" err="1">
+                <a:solidFill>
+                  <a:srgbClr val="000000"/>
+                </a:solidFill>
+                <a:effectLst/>
+                <a:latin typeface="Arial"/>
+                <a:ea typeface="Arial"/>
+                <a:cs typeface="Arial"/>
+                <a:sym typeface="Arial"/>
+              </a:rPr>
+              <a:t>lebih</a:t>
+            </a:r>
+            <a:r>
+              <a:rPr lang="en-US" sz="1100" b="0" i="0" u="none" strike="noStrike" cap="none" dirty="0">
+                <a:solidFill>
+                  <a:srgbClr val="000000"/>
+                </a:solidFill>
+                <a:effectLst/>
+                <a:latin typeface="Arial"/>
+                <a:ea typeface="Arial"/>
+                <a:cs typeface="Arial"/>
+                <a:sym typeface="Arial"/>
+              </a:rPr>
+              <a:t> </a:t>
+            </a:r>
+            <a:r>
+              <a:rPr lang="en-US" sz="1100" b="0" i="0" u="none" strike="noStrike" cap="none" dirty="0" err="1">
+                <a:solidFill>
+                  <a:srgbClr val="000000"/>
+                </a:solidFill>
+                <a:effectLst/>
+                <a:latin typeface="Arial"/>
+                <a:ea typeface="Arial"/>
+                <a:cs typeface="Arial"/>
+                <a:sym typeface="Arial"/>
+              </a:rPr>
+              <a:t>mengerti</a:t>
+            </a:r>
+            <a:r>
+              <a:rPr lang="en-US" sz="1100" b="0" i="0" u="none" strike="noStrike" cap="none" dirty="0">
+                <a:solidFill>
+                  <a:srgbClr val="000000"/>
+                </a:solidFill>
+                <a:effectLst/>
+                <a:latin typeface="Arial"/>
+                <a:ea typeface="Arial"/>
+                <a:cs typeface="Arial"/>
+                <a:sym typeface="Arial"/>
+              </a:rPr>
+              <a:t> </a:t>
+            </a:r>
+            <a:r>
+              <a:rPr lang="en-US" sz="1100" b="0" i="0" u="none" strike="noStrike" cap="none" dirty="0" err="1">
+                <a:solidFill>
+                  <a:srgbClr val="000000"/>
+                </a:solidFill>
+                <a:effectLst/>
+                <a:latin typeface="Arial"/>
+                <a:ea typeface="Arial"/>
+                <a:cs typeface="Arial"/>
+                <a:sym typeface="Arial"/>
+              </a:rPr>
+              <a:t>mengenai</a:t>
+            </a:r>
+            <a:r>
+              <a:rPr lang="en-US" sz="1100" b="0" i="0" u="none" strike="noStrike" cap="none" dirty="0">
+                <a:solidFill>
+                  <a:srgbClr val="000000"/>
+                </a:solidFill>
+                <a:effectLst/>
+                <a:latin typeface="Arial"/>
+                <a:ea typeface="Arial"/>
+                <a:cs typeface="Arial"/>
+                <a:sym typeface="Arial"/>
+              </a:rPr>
+              <a:t> </a:t>
+            </a:r>
+            <a:r>
+              <a:rPr lang="en-US" sz="1100" b="0" i="0" u="none" strike="noStrike" cap="none" dirty="0" err="1">
+                <a:solidFill>
+                  <a:srgbClr val="000000"/>
+                </a:solidFill>
+                <a:effectLst/>
+                <a:latin typeface="Arial"/>
+                <a:ea typeface="Arial"/>
+                <a:cs typeface="Arial"/>
+                <a:sym typeface="Arial"/>
+              </a:rPr>
+              <a:t>teknologi</a:t>
+            </a:r>
+            <a:r>
+              <a:rPr lang="en-US" sz="1100" b="0" i="0" u="none" strike="noStrike" cap="none" dirty="0">
+                <a:solidFill>
+                  <a:srgbClr val="000000"/>
+                </a:solidFill>
+                <a:effectLst/>
+                <a:latin typeface="Arial"/>
+                <a:ea typeface="Arial"/>
+                <a:cs typeface="Arial"/>
+                <a:sym typeface="Arial"/>
+              </a:rPr>
+              <a:t>, proses, dan </a:t>
+            </a:r>
+            <a:r>
+              <a:rPr lang="en-US" sz="1100" b="0" i="0" u="none" strike="noStrike" cap="none" dirty="0" err="1">
+                <a:solidFill>
+                  <a:srgbClr val="000000"/>
+                </a:solidFill>
+                <a:effectLst/>
+                <a:latin typeface="Arial"/>
+                <a:ea typeface="Arial"/>
+                <a:cs typeface="Arial"/>
+                <a:sym typeface="Arial"/>
+              </a:rPr>
+              <a:t>proyek</a:t>
+            </a:r>
+            <a:r>
+              <a:rPr lang="en-US" sz="1100" b="0" i="0" u="none" strike="noStrike" cap="none" dirty="0">
+                <a:solidFill>
+                  <a:srgbClr val="000000"/>
+                </a:solidFill>
+                <a:effectLst/>
+                <a:latin typeface="Arial"/>
+                <a:ea typeface="Arial"/>
+                <a:cs typeface="Arial"/>
+                <a:sym typeface="Arial"/>
+              </a:rPr>
+              <a:t> yang </a:t>
+            </a:r>
+            <a:r>
+              <a:rPr lang="en-US" sz="1100" b="0" i="0" u="none" strike="noStrike" cap="none" dirty="0" err="1">
+                <a:solidFill>
+                  <a:srgbClr val="000000"/>
+                </a:solidFill>
+                <a:effectLst/>
+                <a:latin typeface="Arial"/>
+                <a:ea typeface="Arial"/>
+                <a:cs typeface="Arial"/>
+                <a:sym typeface="Arial"/>
+              </a:rPr>
+              <a:t>sedang</a:t>
+            </a:r>
+            <a:r>
+              <a:rPr lang="en-US" sz="1100" b="0" i="0" u="none" strike="noStrike" cap="none" dirty="0">
+                <a:solidFill>
+                  <a:srgbClr val="000000"/>
+                </a:solidFill>
+                <a:effectLst/>
+                <a:latin typeface="Arial"/>
+                <a:ea typeface="Arial"/>
+                <a:cs typeface="Arial"/>
+                <a:sym typeface="Arial"/>
+              </a:rPr>
+              <a:t> </a:t>
+            </a:r>
+            <a:r>
+              <a:rPr lang="en-US" sz="1100" b="0" i="0" u="none" strike="noStrike" cap="none" dirty="0" err="1">
+                <a:solidFill>
+                  <a:srgbClr val="000000"/>
+                </a:solidFill>
+                <a:effectLst/>
+                <a:latin typeface="Arial"/>
+                <a:ea typeface="Arial"/>
+                <a:cs typeface="Arial"/>
+                <a:sym typeface="Arial"/>
+              </a:rPr>
+              <a:t>dikerjakan</a:t>
+            </a:r>
+            <a:r>
+              <a:rPr lang="en-US" sz="1100" b="0" i="0" u="none" strike="noStrike" cap="none" dirty="0">
+                <a:solidFill>
+                  <a:srgbClr val="000000"/>
+                </a:solidFill>
+                <a:effectLst/>
+                <a:latin typeface="Arial"/>
+                <a:ea typeface="Arial"/>
+                <a:cs typeface="Arial"/>
+                <a:sym typeface="Arial"/>
+              </a:rPr>
+              <a:t>.</a:t>
+            </a:r>
+          </a:p>
+          <a:p>
+            <a:pPr marL="139700" indent="0">
               <a:buNone/>
             </a:pPr>
-            <a:endParaRPr/>
+            <a:r>
+              <a:rPr lang="en-US" sz="1100" b="0" i="0" u="none" strike="noStrike" cap="none" dirty="0" err="1">
+                <a:solidFill>
+                  <a:srgbClr val="000000"/>
+                </a:solidFill>
+                <a:effectLst/>
+                <a:latin typeface="Arial"/>
+                <a:ea typeface="Arial"/>
+                <a:cs typeface="Arial"/>
+                <a:sym typeface="Arial"/>
+              </a:rPr>
+              <a:t>Alasan</a:t>
+            </a:r>
+            <a:r>
+              <a:rPr lang="en-US" sz="1100" b="0" i="0" u="none" strike="noStrike" cap="none" dirty="0">
+                <a:solidFill>
+                  <a:srgbClr val="000000"/>
+                </a:solidFill>
+                <a:effectLst/>
+                <a:latin typeface="Arial"/>
+                <a:ea typeface="Arial"/>
+                <a:cs typeface="Arial"/>
+                <a:sym typeface="Arial"/>
+              </a:rPr>
+              <a:t> : </a:t>
+            </a:r>
+          </a:p>
+          <a:p>
+            <a:pPr marL="368300" indent="-228600">
+              <a:buAutoNum type="arabicPeriod"/>
+            </a:pPr>
+            <a:r>
+              <a:rPr lang="en-US" sz="1100" b="0" i="0" u="none" strike="noStrike" cap="none" dirty="0" err="1">
+                <a:solidFill>
+                  <a:srgbClr val="000000"/>
+                </a:solidFill>
+                <a:effectLst/>
+                <a:latin typeface="Arial"/>
+                <a:ea typeface="Arial"/>
+                <a:cs typeface="Arial"/>
+                <a:sym typeface="Arial"/>
+              </a:rPr>
+              <a:t>Robus</a:t>
+            </a:r>
+            <a:r>
+              <a:rPr lang="en-US" sz="1100" b="0" i="0" u="none" strike="noStrike" cap="none" dirty="0">
+                <a:solidFill>
+                  <a:srgbClr val="000000"/>
+                </a:solidFill>
+                <a:effectLst/>
+                <a:latin typeface="Arial"/>
+                <a:ea typeface="Arial"/>
+                <a:cs typeface="Arial"/>
+                <a:sym typeface="Arial"/>
+              </a:rPr>
+              <a:t> </a:t>
+            </a:r>
+            <a:r>
+              <a:rPr lang="en-US" sz="1100" b="0" i="0" u="none" strike="noStrike" cap="none" dirty="0" err="1">
+                <a:solidFill>
+                  <a:srgbClr val="000000"/>
+                </a:solidFill>
+                <a:effectLst/>
+                <a:latin typeface="Arial"/>
+                <a:ea typeface="Arial"/>
+                <a:cs typeface="Arial"/>
+                <a:sym typeface="Arial"/>
+              </a:rPr>
+              <a:t>terhadap</a:t>
+            </a:r>
+            <a:r>
+              <a:rPr lang="en-US" sz="1100" b="0" i="0" u="none" strike="noStrike" cap="none" dirty="0">
+                <a:solidFill>
+                  <a:srgbClr val="000000"/>
+                </a:solidFill>
+                <a:effectLst/>
+                <a:latin typeface="Arial"/>
+                <a:ea typeface="Arial"/>
+                <a:cs typeface="Arial"/>
+                <a:sym typeface="Arial"/>
+              </a:rPr>
+              <a:t> </a:t>
+            </a:r>
+            <a:r>
+              <a:rPr lang="en-US" sz="1100" b="0" i="0" u="none" strike="noStrike" cap="none" dirty="0" err="1">
+                <a:solidFill>
+                  <a:srgbClr val="000000"/>
+                </a:solidFill>
+                <a:effectLst/>
+                <a:latin typeface="Arial"/>
+                <a:ea typeface="Arial"/>
+                <a:cs typeface="Arial"/>
+                <a:sym typeface="Arial"/>
+              </a:rPr>
+              <a:t>perubahan</a:t>
+            </a:r>
+            <a:r>
+              <a:rPr lang="en-US" sz="1100" b="0" i="0" u="none" strike="noStrike" cap="none" dirty="0">
+                <a:solidFill>
+                  <a:srgbClr val="000000"/>
+                </a:solidFill>
+                <a:effectLst/>
+                <a:latin typeface="Arial"/>
+                <a:ea typeface="Arial"/>
+                <a:cs typeface="Arial"/>
+                <a:sym typeface="Arial"/>
+              </a:rPr>
+              <a:t> requirement =&gt; </a:t>
+            </a:r>
+            <a:r>
+              <a:rPr lang="en-US" sz="1100" b="0" i="0" u="none" strike="noStrike" cap="none" dirty="0" err="1">
+                <a:solidFill>
+                  <a:srgbClr val="000000"/>
+                </a:solidFill>
+                <a:effectLst/>
+                <a:latin typeface="Arial"/>
+                <a:ea typeface="Arial"/>
+                <a:cs typeface="Arial"/>
+                <a:sym typeface="Arial"/>
+              </a:rPr>
+              <a:t>berdasarkan</a:t>
+            </a:r>
+            <a:r>
+              <a:rPr lang="en-US" sz="1100" b="0" i="0" u="none" strike="noStrike" cap="none" dirty="0">
+                <a:solidFill>
+                  <a:srgbClr val="000000"/>
+                </a:solidFill>
+                <a:effectLst/>
+                <a:latin typeface="Arial"/>
+                <a:ea typeface="Arial"/>
+                <a:cs typeface="Arial"/>
+                <a:sym typeface="Arial"/>
+              </a:rPr>
+              <a:t> </a:t>
+            </a:r>
+            <a:r>
+              <a:rPr lang="en-US" sz="1100" b="0" i="0" u="none" strike="noStrike" cap="none" dirty="0" err="1">
+                <a:solidFill>
+                  <a:srgbClr val="000000"/>
+                </a:solidFill>
+                <a:effectLst/>
+                <a:latin typeface="Arial"/>
+                <a:ea typeface="Arial"/>
+                <a:cs typeface="Arial"/>
+                <a:sym typeface="Arial"/>
+              </a:rPr>
+              <a:t>penelitian</a:t>
+            </a:r>
+            <a:r>
+              <a:rPr lang="en-US" sz="1100" b="0" i="0" u="none" strike="noStrike" cap="none" dirty="0">
+                <a:solidFill>
+                  <a:srgbClr val="000000"/>
+                </a:solidFill>
+                <a:effectLst/>
+                <a:latin typeface="Arial"/>
+                <a:ea typeface="Arial"/>
+                <a:cs typeface="Arial"/>
+                <a:sym typeface="Arial"/>
+              </a:rPr>
+              <a:t> bias </a:t>
+            </a:r>
+            <a:r>
+              <a:rPr lang="en-US" sz="1100" b="0" i="0" u="none" strike="noStrike" cap="none" dirty="0" err="1">
+                <a:solidFill>
+                  <a:srgbClr val="000000"/>
+                </a:solidFill>
+                <a:effectLst/>
+                <a:latin typeface="Arial"/>
+                <a:ea typeface="Arial"/>
+                <a:cs typeface="Arial"/>
+                <a:sym typeface="Arial"/>
+              </a:rPr>
+              <a:t>terjadi</a:t>
+            </a:r>
+            <a:r>
+              <a:rPr lang="en-US" sz="1100" b="0" i="0" u="none" strike="noStrike" cap="none" dirty="0">
+                <a:solidFill>
+                  <a:srgbClr val="000000"/>
+                </a:solidFill>
+                <a:effectLst/>
+                <a:latin typeface="Arial"/>
+                <a:ea typeface="Arial"/>
+                <a:cs typeface="Arial"/>
+                <a:sym typeface="Arial"/>
+              </a:rPr>
+              <a:t> salah </a:t>
+            </a:r>
+            <a:r>
+              <a:rPr lang="en-US" sz="1100" b="0" i="0" u="none" strike="noStrike" cap="none" dirty="0" err="1">
+                <a:solidFill>
+                  <a:srgbClr val="000000"/>
+                </a:solidFill>
+                <a:effectLst/>
+                <a:latin typeface="Arial"/>
+                <a:ea typeface="Arial"/>
+                <a:cs typeface="Arial"/>
+                <a:sym typeface="Arial"/>
+              </a:rPr>
+              <a:t>presepsi</a:t>
+            </a:r>
+            <a:r>
+              <a:rPr lang="en-US" sz="1100" b="0" i="0" u="none" strike="noStrike" cap="none" dirty="0">
+                <a:solidFill>
+                  <a:srgbClr val="000000"/>
+                </a:solidFill>
+                <a:effectLst/>
+                <a:latin typeface="Arial"/>
+                <a:ea typeface="Arial"/>
+                <a:cs typeface="Arial"/>
+                <a:sym typeface="Arial"/>
+              </a:rPr>
+              <a:t> dan </a:t>
+            </a:r>
+            <a:r>
+              <a:rPr lang="en-US" sz="1100" b="0" i="0" u="none" strike="noStrike" cap="none" dirty="0" err="1">
+                <a:solidFill>
+                  <a:srgbClr val="000000"/>
+                </a:solidFill>
+                <a:effectLst/>
+                <a:latin typeface="Arial"/>
+                <a:ea typeface="Arial"/>
+                <a:cs typeface="Arial"/>
+                <a:sym typeface="Arial"/>
+              </a:rPr>
+              <a:t>pemahaman</a:t>
+            </a:r>
+            <a:r>
+              <a:rPr lang="en-US" sz="1100" b="0" i="0" u="none" strike="noStrike" cap="none" dirty="0">
+                <a:solidFill>
+                  <a:srgbClr val="000000"/>
+                </a:solidFill>
+                <a:effectLst/>
+                <a:latin typeface="Arial"/>
+                <a:ea typeface="Arial"/>
+                <a:cs typeface="Arial"/>
+                <a:sym typeface="Arial"/>
+              </a:rPr>
+              <a:t> </a:t>
+            </a:r>
+            <a:r>
+              <a:rPr lang="en-US" sz="1100" b="0" i="0" u="none" strike="noStrike" cap="none" dirty="0" err="1">
+                <a:solidFill>
+                  <a:srgbClr val="000000"/>
+                </a:solidFill>
+                <a:effectLst/>
+                <a:latin typeface="Arial"/>
+                <a:ea typeface="Arial"/>
+                <a:cs typeface="Arial"/>
+                <a:sym typeface="Arial"/>
+              </a:rPr>
+              <a:t>komputasi</a:t>
+            </a:r>
+            <a:endParaRPr lang="en-US" sz="1100" b="0" i="0" u="none" strike="noStrike" cap="none" dirty="0">
+              <a:solidFill>
+                <a:srgbClr val="000000"/>
+              </a:solidFill>
+              <a:effectLst/>
+              <a:latin typeface="Arial"/>
+              <a:ea typeface="Arial"/>
+              <a:cs typeface="Arial"/>
+              <a:sym typeface="Arial"/>
+            </a:endParaRPr>
+          </a:p>
+          <a:p>
+            <a:pPr marL="368300" indent="-228600">
+              <a:buAutoNum type="arabicPeriod"/>
+            </a:pPr>
+            <a:r>
+              <a:rPr lang="en-US" sz="1100" b="0" i="0" u="none" strike="noStrike" cap="none" dirty="0">
+                <a:solidFill>
+                  <a:srgbClr val="000000"/>
+                </a:solidFill>
+                <a:effectLst/>
+                <a:latin typeface="Arial"/>
+                <a:ea typeface="Arial"/>
+                <a:cs typeface="Arial"/>
+                <a:sym typeface="Arial"/>
+              </a:rPr>
+              <a:t>Ada </a:t>
+            </a:r>
+            <a:r>
+              <a:rPr lang="en-US" sz="1100" b="0" i="0" u="none" strike="noStrike" cap="none" dirty="0" err="1">
+                <a:solidFill>
+                  <a:srgbClr val="000000"/>
+                </a:solidFill>
+                <a:effectLst/>
+                <a:latin typeface="Arial"/>
+                <a:ea typeface="Arial"/>
+                <a:cs typeface="Arial"/>
+                <a:sym typeface="Arial"/>
+              </a:rPr>
+              <a:t>Penelitian</a:t>
+            </a:r>
+            <a:r>
+              <a:rPr lang="en-US" sz="1100" b="0" i="0" u="none" strike="noStrike" cap="none" dirty="0">
+                <a:solidFill>
+                  <a:srgbClr val="000000"/>
+                </a:solidFill>
+                <a:effectLst/>
+                <a:latin typeface="Arial"/>
+                <a:ea typeface="Arial"/>
+                <a:cs typeface="Arial"/>
+                <a:sym typeface="Arial"/>
+              </a:rPr>
+              <a:t> </a:t>
+            </a:r>
+            <a:r>
+              <a:rPr lang="en-US" sz="1100" b="0" i="0" u="none" strike="noStrike" cap="none" dirty="0" err="1">
+                <a:solidFill>
+                  <a:srgbClr val="000000"/>
+                </a:solidFill>
+                <a:effectLst/>
+                <a:latin typeface="Arial"/>
+                <a:ea typeface="Arial"/>
+                <a:cs typeface="Arial"/>
+                <a:sym typeface="Arial"/>
+              </a:rPr>
+              <a:t>sebelumnya</a:t>
+            </a:r>
+            <a:r>
+              <a:rPr lang="en-US" sz="1100" b="0" i="0" u="none" strike="noStrike" cap="none" dirty="0">
+                <a:solidFill>
+                  <a:srgbClr val="000000"/>
+                </a:solidFill>
+                <a:effectLst/>
+                <a:latin typeface="Arial"/>
+                <a:ea typeface="Arial"/>
+                <a:cs typeface="Arial"/>
+                <a:sym typeface="Arial"/>
+              </a:rPr>
+              <a:t>.</a:t>
+            </a:r>
+          </a:p>
+          <a:p>
+            <a:pPr marL="368300" indent="-228600">
+              <a:buAutoNum type="arabicPeriod"/>
+            </a:pPr>
+            <a:endParaRPr lang="id-ID" sz="1100" b="0" i="0" u="none" strike="noStrike" cap="none" dirty="0">
+              <a:solidFill>
+                <a:srgbClr val="000000"/>
+              </a:solidFill>
+              <a:effectLst/>
+              <a:latin typeface="Arial"/>
+              <a:ea typeface="Arial"/>
+              <a:cs typeface="Arial"/>
+              <a:sym typeface="Arial"/>
+            </a:endParaRPr>
           </a:p>
         </p:txBody>
       </p:sp>
@@ -3912,6 +6714,384 @@
           </a:bodyPr>
           <a:lstStyle/>
           <a:p>
+            <a:r>
+              <a:rPr lang="id-ID" sz="1100" b="0" i="0" u="none" strike="noStrike" cap="none" dirty="0">
+                <a:solidFill>
+                  <a:srgbClr val="000000"/>
+                </a:solidFill>
+                <a:effectLst/>
+                <a:latin typeface="Arial"/>
+                <a:ea typeface="Arial"/>
+                <a:cs typeface="Arial"/>
+                <a:sym typeface="Arial"/>
+              </a:rPr>
+              <a:t>Kerangka kerja </a:t>
+            </a:r>
+            <a:r>
+              <a:rPr lang="id-ID" sz="1100" b="0" i="0" u="none" strike="noStrike" cap="none" dirty="0" err="1">
+                <a:solidFill>
+                  <a:srgbClr val="000000"/>
+                </a:solidFill>
+                <a:effectLst/>
+                <a:latin typeface="Arial"/>
+                <a:ea typeface="Arial"/>
+                <a:cs typeface="Arial"/>
+                <a:sym typeface="Arial"/>
+              </a:rPr>
+              <a:t>Shiny</a:t>
+            </a:r>
+            <a:r>
+              <a:rPr lang="id-ID" sz="1100" b="0" i="0" u="none" strike="noStrike" cap="none" dirty="0">
+                <a:solidFill>
+                  <a:srgbClr val="000000"/>
+                </a:solidFill>
+                <a:effectLst/>
+                <a:latin typeface="Arial"/>
+                <a:ea typeface="Arial"/>
+                <a:cs typeface="Arial"/>
+                <a:sym typeface="Arial"/>
+              </a:rPr>
+              <a:t> merupakan salah satu </a:t>
+            </a:r>
+            <a:r>
+              <a:rPr lang="id-ID" sz="1100" b="0" i="1" u="none" strike="noStrike" cap="none" dirty="0" err="1">
+                <a:solidFill>
+                  <a:srgbClr val="000000"/>
+                </a:solidFill>
+                <a:effectLst/>
+                <a:latin typeface="Arial"/>
+                <a:ea typeface="Arial"/>
+                <a:cs typeface="Arial"/>
+                <a:sym typeface="Arial"/>
+              </a:rPr>
+              <a:t>package</a:t>
+            </a:r>
+            <a:r>
+              <a:rPr lang="id-ID" sz="1100" b="0" i="1" u="none" strike="noStrike" cap="none" dirty="0">
+                <a:solidFill>
+                  <a:srgbClr val="000000"/>
+                </a:solidFill>
+                <a:effectLst/>
+                <a:latin typeface="Arial"/>
+                <a:ea typeface="Arial"/>
+                <a:cs typeface="Arial"/>
+                <a:sym typeface="Arial"/>
+              </a:rPr>
+              <a:t> </a:t>
+            </a:r>
+            <a:r>
+              <a:rPr lang="id-ID" sz="1100" b="0" i="0" u="none" strike="noStrike" cap="none" dirty="0">
+                <a:solidFill>
+                  <a:srgbClr val="000000"/>
+                </a:solidFill>
+                <a:effectLst/>
+                <a:latin typeface="Arial"/>
+                <a:ea typeface="Arial"/>
+                <a:cs typeface="Arial"/>
+                <a:sym typeface="Arial"/>
+              </a:rPr>
+              <a:t>yang tersedia di bahasa pemrograman R. Kerangka kerja ini memungkinkan pengguna untuk mengembangkan aplikasi </a:t>
+            </a:r>
+            <a:r>
+              <a:rPr lang="id-ID" sz="1100" b="0" i="1" u="none" strike="noStrike" cap="none" dirty="0">
+                <a:solidFill>
+                  <a:srgbClr val="000000"/>
+                </a:solidFill>
+                <a:effectLst/>
+                <a:latin typeface="Arial"/>
+                <a:ea typeface="Arial"/>
+                <a:cs typeface="Arial"/>
+                <a:sym typeface="Arial"/>
+              </a:rPr>
+              <a:t>web </a:t>
+            </a:r>
+            <a:r>
+              <a:rPr lang="id-ID" sz="1100" b="0" i="0" u="none" strike="noStrike" cap="none" dirty="0">
+                <a:solidFill>
+                  <a:srgbClr val="000000"/>
+                </a:solidFill>
+                <a:effectLst/>
+                <a:latin typeface="Arial"/>
+                <a:ea typeface="Arial"/>
+                <a:cs typeface="Arial"/>
+                <a:sym typeface="Arial"/>
+              </a:rPr>
+              <a:t>yang interaktif. Selain itu, kerangka kerja ini dapat dipadukan dengan teknologi CSS, </a:t>
+            </a:r>
+            <a:r>
+              <a:rPr lang="id-ID" sz="1100" b="0" i="1" u="none" strike="noStrike" cap="none" dirty="0" err="1">
+                <a:solidFill>
+                  <a:srgbClr val="000000"/>
+                </a:solidFill>
+                <a:effectLst/>
+                <a:latin typeface="Arial"/>
+                <a:ea typeface="Arial"/>
+                <a:cs typeface="Arial"/>
+                <a:sym typeface="Arial"/>
+              </a:rPr>
+              <a:t>widgets</a:t>
+            </a:r>
+            <a:r>
+              <a:rPr lang="id-ID" sz="1100" b="0" i="1" u="none" strike="noStrike" cap="none" dirty="0">
+                <a:solidFill>
+                  <a:srgbClr val="000000"/>
+                </a:solidFill>
+                <a:effectLst/>
+                <a:latin typeface="Arial"/>
+                <a:ea typeface="Arial"/>
+                <a:cs typeface="Arial"/>
+                <a:sym typeface="Arial"/>
+              </a:rPr>
+              <a:t> </a:t>
+            </a:r>
+            <a:r>
+              <a:rPr lang="id-ID" sz="1100" b="0" i="0" u="none" strike="noStrike" cap="none" dirty="0">
+                <a:solidFill>
+                  <a:srgbClr val="000000"/>
+                </a:solidFill>
+                <a:effectLst/>
+                <a:latin typeface="Arial"/>
+                <a:ea typeface="Arial"/>
+                <a:cs typeface="Arial"/>
+                <a:sym typeface="Arial"/>
+              </a:rPr>
+              <a:t>HTML dan </a:t>
+            </a:r>
+            <a:r>
+              <a:rPr lang="id-ID" sz="1100" b="0" i="0" u="none" strike="noStrike" cap="none" dirty="0" err="1">
+                <a:solidFill>
+                  <a:srgbClr val="000000"/>
+                </a:solidFill>
+                <a:effectLst/>
+                <a:latin typeface="Arial"/>
+                <a:ea typeface="Arial"/>
+                <a:cs typeface="Arial"/>
+                <a:sym typeface="Arial"/>
+              </a:rPr>
+              <a:t>JavaScript</a:t>
+            </a:r>
+            <a:r>
+              <a:rPr lang="id-ID" sz="1100" b="0" i="0" u="none" strike="noStrike" cap="none" dirty="0">
+                <a:solidFill>
+                  <a:srgbClr val="000000"/>
+                </a:solidFill>
+                <a:effectLst/>
+                <a:latin typeface="Arial"/>
+                <a:ea typeface="Arial"/>
+                <a:cs typeface="Arial"/>
+                <a:sym typeface="Arial"/>
+              </a:rPr>
+              <a:t>. Sehingga tampilan </a:t>
+            </a:r>
+            <a:r>
+              <a:rPr lang="id-ID" sz="1100" b="0" i="1" u="none" strike="noStrike" cap="none" dirty="0">
+                <a:solidFill>
+                  <a:srgbClr val="000000"/>
+                </a:solidFill>
+                <a:effectLst/>
+                <a:latin typeface="Arial"/>
+                <a:ea typeface="Arial"/>
+                <a:cs typeface="Arial"/>
+                <a:sym typeface="Arial"/>
+              </a:rPr>
+              <a:t>web </a:t>
+            </a:r>
+            <a:r>
+              <a:rPr lang="id-ID" sz="1100" b="0" i="0" u="none" strike="noStrike" cap="none" dirty="0">
+                <a:solidFill>
+                  <a:srgbClr val="000000"/>
+                </a:solidFill>
+                <a:effectLst/>
+                <a:latin typeface="Arial"/>
+                <a:ea typeface="Arial"/>
+                <a:cs typeface="Arial"/>
+                <a:sym typeface="Arial"/>
+              </a:rPr>
+              <a:t>yang dihasilkan semakin interaktif dan indah.</a:t>
+            </a:r>
+          </a:p>
+          <a:p>
+            <a:r>
+              <a:rPr lang="id-ID" sz="1100" b="0" i="0" u="none" strike="noStrike" cap="none" dirty="0">
+                <a:solidFill>
+                  <a:srgbClr val="000000"/>
+                </a:solidFill>
+                <a:effectLst/>
+                <a:latin typeface="Arial"/>
+                <a:ea typeface="Arial"/>
+                <a:cs typeface="Arial"/>
+                <a:sym typeface="Arial"/>
+              </a:rPr>
+              <a:t>Penelitian yang mengembangkan aplikasi web menggunakan </a:t>
+            </a:r>
+            <a:r>
+              <a:rPr lang="id-ID" sz="1100" b="0" i="1" u="none" strike="noStrike" cap="none" dirty="0" err="1">
+                <a:solidFill>
+                  <a:srgbClr val="000000"/>
+                </a:solidFill>
+                <a:effectLst/>
+                <a:latin typeface="Arial"/>
+                <a:ea typeface="Arial"/>
+                <a:cs typeface="Arial"/>
+                <a:sym typeface="Arial"/>
+              </a:rPr>
+              <a:t>framework</a:t>
+            </a:r>
+            <a:r>
+              <a:rPr lang="id-ID" sz="1100" b="0" i="1" u="none" strike="noStrike" cap="none" dirty="0">
+                <a:solidFill>
+                  <a:srgbClr val="000000"/>
+                </a:solidFill>
+                <a:effectLst/>
+                <a:latin typeface="Arial"/>
+                <a:ea typeface="Arial"/>
+                <a:cs typeface="Arial"/>
+                <a:sym typeface="Arial"/>
+              </a:rPr>
+              <a:t> </a:t>
+            </a:r>
+            <a:r>
+              <a:rPr lang="id-ID" sz="1100" b="0" i="0" u="none" strike="noStrike" cap="none" dirty="0" err="1">
+                <a:solidFill>
+                  <a:srgbClr val="000000"/>
+                </a:solidFill>
+                <a:effectLst/>
+                <a:latin typeface="Arial"/>
+                <a:ea typeface="Arial"/>
+                <a:cs typeface="Arial"/>
+                <a:sym typeface="Arial"/>
+              </a:rPr>
+              <a:t>Shiny</a:t>
+            </a:r>
+            <a:r>
+              <a:rPr lang="id-ID" sz="1100" b="0" i="0" u="none" strike="noStrike" cap="none" dirty="0">
+                <a:solidFill>
+                  <a:srgbClr val="000000"/>
+                </a:solidFill>
+                <a:effectLst/>
+                <a:latin typeface="Arial"/>
+                <a:ea typeface="Arial"/>
+                <a:cs typeface="Arial"/>
+                <a:sym typeface="Arial"/>
+              </a:rPr>
+              <a:t> sudah dilakukan oleh Sari (2018) </a:t>
+            </a:r>
+            <a:r>
+              <a:rPr lang="en-US" sz="1100" b="0" i="0" u="none" strike="noStrike" cap="none" dirty="0" err="1">
+                <a:solidFill>
+                  <a:srgbClr val="000000"/>
+                </a:solidFill>
+                <a:effectLst/>
+                <a:latin typeface="Arial"/>
+                <a:ea typeface="Arial"/>
+                <a:cs typeface="Arial"/>
+                <a:sym typeface="Arial"/>
+              </a:rPr>
+              <a:t>untuk</a:t>
+            </a:r>
+            <a:r>
+              <a:rPr lang="en-US" sz="1100" b="0" i="0" u="none" strike="noStrike" cap="none" dirty="0">
+                <a:solidFill>
+                  <a:srgbClr val="000000"/>
+                </a:solidFill>
+                <a:effectLst/>
+                <a:latin typeface="Arial"/>
+                <a:ea typeface="Arial"/>
+                <a:cs typeface="Arial"/>
+                <a:sym typeface="Arial"/>
+              </a:rPr>
+              <a:t> </a:t>
+            </a:r>
+            <a:r>
+              <a:rPr lang="en-US" sz="1100" b="0" i="0" u="none" strike="noStrike" cap="none" dirty="0" err="1">
+                <a:solidFill>
+                  <a:srgbClr val="000000"/>
+                </a:solidFill>
+                <a:effectLst/>
+                <a:latin typeface="Arial"/>
+                <a:ea typeface="Arial"/>
+                <a:cs typeface="Arial"/>
+                <a:sym typeface="Arial"/>
+              </a:rPr>
+              <a:t>pengembangan</a:t>
+            </a:r>
+            <a:r>
+              <a:rPr lang="en-US" sz="1100" b="0" i="0" u="none" strike="noStrike" cap="none" dirty="0">
+                <a:solidFill>
+                  <a:srgbClr val="000000"/>
+                </a:solidFill>
+                <a:effectLst/>
+                <a:latin typeface="Arial"/>
+                <a:ea typeface="Arial"/>
+                <a:cs typeface="Arial"/>
+                <a:sym typeface="Arial"/>
+              </a:rPr>
+              <a:t> </a:t>
+            </a:r>
+            <a:r>
+              <a:rPr lang="en-US" sz="1100" b="0" i="0" u="none" strike="noStrike" cap="none" dirty="0" err="1">
+                <a:solidFill>
+                  <a:srgbClr val="000000"/>
+                </a:solidFill>
+                <a:effectLst/>
+                <a:latin typeface="Arial"/>
+                <a:ea typeface="Arial"/>
+                <a:cs typeface="Arial"/>
+                <a:sym typeface="Arial"/>
+              </a:rPr>
+              <a:t>modul</a:t>
+            </a:r>
+            <a:r>
+              <a:rPr lang="en-US" sz="1100" b="0" i="0" u="none" strike="noStrike" cap="none" dirty="0">
+                <a:solidFill>
+                  <a:srgbClr val="000000"/>
+                </a:solidFill>
+                <a:effectLst/>
+                <a:latin typeface="Arial"/>
+                <a:ea typeface="Arial"/>
+                <a:cs typeface="Arial"/>
+                <a:sym typeface="Arial"/>
+              </a:rPr>
+              <a:t> trajectory </a:t>
+            </a:r>
+            <a:r>
+              <a:rPr lang="en-US" sz="1100" b="0" i="0" u="none" strike="noStrike" cap="none" dirty="0" err="1">
+                <a:solidFill>
+                  <a:srgbClr val="000000"/>
+                </a:solidFill>
+                <a:effectLst/>
+                <a:latin typeface="Arial"/>
+                <a:ea typeface="Arial"/>
+                <a:cs typeface="Arial"/>
+                <a:sym typeface="Arial"/>
+              </a:rPr>
+              <a:t>kabut</a:t>
+            </a:r>
+            <a:r>
+              <a:rPr lang="en-US" sz="1100" b="0" i="0" u="none" strike="noStrike" cap="none" dirty="0">
+                <a:solidFill>
+                  <a:srgbClr val="000000"/>
+                </a:solidFill>
+                <a:effectLst/>
+                <a:latin typeface="Arial"/>
+                <a:ea typeface="Arial"/>
+                <a:cs typeface="Arial"/>
+                <a:sym typeface="Arial"/>
+              </a:rPr>
+              <a:t> asap</a:t>
+            </a:r>
+            <a:endParaRPr lang="id-ID" sz="1100" b="0" i="0" u="none" strike="noStrike" cap="none" dirty="0">
+              <a:solidFill>
+                <a:srgbClr val="000000"/>
+              </a:solidFill>
+              <a:effectLst/>
+              <a:latin typeface="Arial"/>
+              <a:ea typeface="Arial"/>
+              <a:cs typeface="Arial"/>
+              <a:sym typeface="Arial"/>
+            </a:endParaRPr>
+          </a:p>
+          <a:p>
             <a:pPr marL="0" lvl="0" indent="0" algn="l" rtl="0">
               <a:spcBef>
                 <a:spcPts val="0"/>
@@ -3921,7 +7101,54 @@
               </a:spcAft>
               <a:buNone/>
             </a:pPr>
-            <a:endParaRPr/>
+            <a:r>
+              <a:rPr lang="en-US" dirty="0" err="1"/>
+              <a:t>Alasan</a:t>
+            </a:r>
+            <a:r>
+              <a:rPr lang="en-US" dirty="0"/>
+              <a:t> :</a:t>
+            </a:r>
+          </a:p>
+          <a:p>
+            <a:pPr marL="228600" lvl="0" indent="-228600" algn="l" rtl="0">
+              <a:spcBef>
+                <a:spcPts val="0"/>
+              </a:spcBef>
+              <a:spcAft>
+                <a:spcPts val="0"/>
+              </a:spcAft>
+              <a:buAutoNum type="arabicPeriod"/>
+            </a:pPr>
+            <a:r>
+              <a:rPr lang="en-US" dirty="0"/>
+              <a:t>Ada </a:t>
+            </a:r>
+            <a:r>
+              <a:rPr lang="en-US" dirty="0" err="1"/>
+              <a:t>penelitian</a:t>
+            </a:r>
+            <a:r>
+              <a:rPr lang="en-US" dirty="0"/>
+              <a:t> </a:t>
+            </a:r>
+            <a:r>
+              <a:rPr lang="en-US" dirty="0" err="1"/>
+              <a:t>sebelumnya</a:t>
+            </a:r>
+            <a:endParaRPr lang="en-US" dirty="0"/>
+          </a:p>
+          <a:p>
+            <a:pPr marL="228600" lvl="0" indent="-228600" algn="l" rtl="0">
+              <a:spcBef>
+                <a:spcPts val="0"/>
+              </a:spcBef>
+              <a:spcAft>
+                <a:spcPts val="0"/>
+              </a:spcAft>
+              <a:buAutoNum type="arabicPeriod"/>
+            </a:pPr>
+            <a:endParaRPr lang="en-US" dirty="0"/>
           </a:p>
         </p:txBody>
       </p:sp>
@@ -4365,7 +7592,35 @@
               </a:spcAft>
               <a:buNone/>
             </a:pPr>
-            <a:endParaRPr/>
+            <a:r>
+              <a:rPr lang="en-US" dirty="0" err="1"/>
+              <a:t>Gw</a:t>
+            </a:r>
+            <a:r>
+              <a:rPr lang="en-US" dirty="0"/>
+              <a:t> </a:t>
+            </a:r>
+            <a:r>
+              <a:rPr lang="en-US" dirty="0" err="1"/>
+              <a:t>ngapain</a:t>
+            </a:r>
+            <a:r>
+              <a:rPr lang="en-US" dirty="0"/>
+              <a:t> </a:t>
+            </a:r>
+            <a:r>
+              <a:rPr lang="en-US" dirty="0" err="1"/>
+              <a:t>disini</a:t>
+            </a:r>
+            <a:r>
+              <a:rPr lang="en-US" dirty="0"/>
+              <a:t> </a:t>
+            </a:r>
+            <a:r>
+              <a:rPr lang="en-US" dirty="0" err="1"/>
+              <a:t>ngonversi</a:t>
+            </a:r>
+            <a:endParaRPr dirty="0"/>
           </a:p>
         </p:txBody>
       </p:sp>
@@ -4430,7 +7685,7 @@
               </a:spcBef>
               <a:buNone/>
             </a:pPr>
-            <a:endParaRPr/>
+            <a:endParaRPr dirty="0"/>
           </a:p>
         </p:txBody>
       </p:sp>
@@ -4759,9 +8014,135 @@
               <a:spcBef>
                 <a:spcPts val="0"/>
               </a:spcBef>
-              <a:buNone/>
+              <a:buAutoNum type="arabicPeriod"/>
             </a:pPr>
-            <a:endParaRPr/>
+            <a:r>
+              <a:rPr lang="en-US" dirty="0" err="1"/>
+              <a:t>Pendahuluan</a:t>
+            </a:r>
+            <a:r>
+              <a:rPr lang="en-US" dirty="0"/>
+              <a:t> =&gt; </a:t>
+            </a:r>
+            <a:r>
+              <a:rPr lang="en-US" dirty="0" err="1"/>
+              <a:t>latar</a:t>
+            </a:r>
+            <a:r>
+              <a:rPr lang="en-US" dirty="0"/>
+              <a:t> </a:t>
+            </a:r>
+            <a:r>
+              <a:rPr lang="en-US" dirty="0" err="1"/>
+              <a:t>belakang</a:t>
+            </a:r>
+            <a:r>
+              <a:rPr lang="en-US" dirty="0"/>
+              <a:t>, </a:t>
+            </a:r>
+            <a:r>
+              <a:rPr lang="en-US" dirty="0" err="1"/>
+              <a:t>rumusan</a:t>
+            </a:r>
+            <a:r>
+              <a:rPr lang="en-US" dirty="0"/>
+              <a:t> </a:t>
+            </a:r>
+            <a:r>
+              <a:rPr lang="en-US" dirty="0" err="1"/>
+              <a:t>masalah</a:t>
+            </a:r>
+            <a:r>
+              <a:rPr lang="en-US" dirty="0"/>
+              <a:t>, </a:t>
+            </a:r>
+            <a:r>
+              <a:rPr lang="en-US" dirty="0" err="1"/>
+              <a:t>manfaat</a:t>
+            </a:r>
+            <a:r>
+              <a:rPr lang="en-US" dirty="0"/>
+              <a:t>, </a:t>
+            </a:r>
+            <a:r>
+              <a:rPr lang="en-US" dirty="0" err="1"/>
+              <a:t>tujuan</a:t>
+            </a:r>
+            <a:r>
+              <a:rPr lang="en-US" dirty="0"/>
+              <a:t> dan </a:t>
+            </a:r>
+            <a:r>
+              <a:rPr lang="en-US" dirty="0" err="1"/>
+              <a:t>ruang</a:t>
+            </a:r>
+            <a:r>
+              <a:rPr lang="en-US" dirty="0"/>
+              <a:t> </a:t>
+            </a:r>
+            <a:r>
+              <a:rPr lang="en-US" dirty="0" err="1"/>
+              <a:t>lingkup</a:t>
+            </a:r>
+            <a:endParaRPr lang="en-US" dirty="0"/>
+          </a:p>
+          <a:p>
+            <a:pPr lvl="0">
+              <a:spcBef>
+                <a:spcPts val="0"/>
+              </a:spcBef>
+              <a:buAutoNum type="arabicPeriod"/>
+            </a:pPr>
+            <a:r>
+              <a:rPr lang="en-US" dirty="0" err="1"/>
+              <a:t>Tinjauan</a:t>
+            </a:r>
+            <a:r>
+              <a:rPr lang="en-US" dirty="0"/>
+              <a:t> </a:t>
+            </a:r>
+            <a:r>
+              <a:rPr lang="en-US" dirty="0" err="1"/>
+              <a:t>pustaka</a:t>
+            </a:r>
+            <a:endParaRPr lang="en-US" dirty="0"/>
+          </a:p>
+          <a:p>
+            <a:pPr lvl="0">
+              <a:spcBef>
+                <a:spcPts val="0"/>
+              </a:spcBef>
+              <a:buAutoNum type="arabicPeriod"/>
+            </a:pPr>
+            <a:r>
+              <a:rPr lang="en-US" dirty="0" err="1"/>
+              <a:t>Metode</a:t>
+            </a:r>
+            <a:r>
+              <a:rPr lang="en-US" dirty="0"/>
+              <a:t> =&gt; data</a:t>
+            </a:r>
+          </a:p>
+          <a:p>
+            <a:pPr lvl="0">
+              <a:spcBef>
+                <a:spcPts val="0"/>
+              </a:spcBef>
+              <a:buAutoNum type="arabicPeriod"/>
+            </a:pPr>
+            <a:r>
+              <a:rPr lang="en-US" dirty="0" err="1"/>
+              <a:t>Jadwal</a:t>
+            </a:r>
+            <a:r>
+              <a:rPr lang="en-US" dirty="0"/>
+              <a:t> </a:t>
+            </a:r>
+            <a:r>
+              <a:rPr lang="en-US" dirty="0" err="1"/>
+              <a:t>penelitian</a:t>
+            </a:r>
+            <a:endParaRPr dirty="0"/>
           </a:p>
         </p:txBody>
       </p:sp>
@@ -4929,6 +8310,416 @@
 </file>
 
 <file path=ppt/notesSlides/notesSlide21.xml><?xml version="1.0" encoding="utf-8"?>
+<p:notes xmlns:a="http://schemas.openxmlformats.org/drawingml/2006/main" xmlns:r="http://schemas.openxmlformats.org/officeDocument/2006/relationships" xmlns:p="http://schemas.openxmlformats.org/presentationml/2006/main" showMasterSp="0" showMasterPhAnim="0">
+  <p:cSld>
+    <p:spTree>
+      <p:nvGrpSpPr>
+        <p:cNvPr id="1" name="Shape 107"/>
+        <p:cNvGrpSpPr/>
+        <p:nvPr/>
+      </p:nvGrpSpPr>
+      <p:grpSpPr>
+        <a:xfrm>
+          <a:off x="0" y="0"/>
+          <a:ext cx="0" cy="0"/>
+          <a:chOff x="0" y="0"/>
+          <a:chExt cx="0" cy="0"/>
+        </a:xfrm>
+      </p:grpSpPr>
+      <p:sp>
+        <p:nvSpPr>
+          <p:cNvPr id="108" name="Google Shape;108;g35f391192_029:notes"/>
+          <p:cNvSpPr>
+            <a:spLocks noGrp="1" noRot="1" noChangeAspect="1"/>
+          </p:cNvSpPr>
+          <p:nvPr>
+            <p:ph type="sldImg" idx="2"/>
+          </p:nvPr>
+        </p:nvSpPr>
+        <p:spPr>
+          <a:xfrm>
+            <a:off x="1143000" y="685800"/>
+            <a:ext cx="4572000" cy="3429000"/>
+          </a:xfrm>
+          <a:custGeom>
+            <a:avLst/>
+            <a:gdLst/>
+            <a:ahLst/>
+            <a:cxnLst/>
+            <a:rect l="l" t="t" r="r" b="b"/>
+            <a:pathLst>
+              <a:path w="120000" h="120000" extrusionOk="0">
+                <a:moveTo>
+                  <a:pt x="0" y="0"/>
+                </a:moveTo>
+                <a:lnTo>
+                  <a:pt x="120000" y="0"/>
+                </a:lnTo>
+                <a:lnTo>
+                  <a:pt x="120000" y="120000"/>
+                </a:lnTo>
+                <a:lnTo>
+                  <a:pt x="0" y="120000"/>
+                </a:lnTo>
+                <a:close/>
+              </a:path>
+            </a:pathLst>
+          </a:custGeom>
+        </p:spPr>
+      </p:sp>
+      <p:sp>
+        <p:nvSpPr>
+          <p:cNvPr id="109" name="Google Shape;109;g35f391192_029:notes"/>
+          <p:cNvSpPr txBox="1">
+            <a:spLocks noGrp="1"/>
+          </p:cNvSpPr>
+          <p:nvPr>
+            <p:ph type="body" idx="1"/>
+          </p:nvPr>
+        </p:nvSpPr>
+        <p:spPr>
+          <a:xfrm>
+            <a:off x="685800" y="4343400"/>
+            <a:ext cx="5486400" cy="4114800"/>
+          </a:xfrm>
+          <a:prstGeom prst="rect">
+            <a:avLst/>
+          </a:prstGeom>
+        </p:spPr>
+        <p:txBody>
+          <a:bodyPr spcFirstLastPara="1" wrap="square" lIns="91425" tIns="91425" rIns="91425" bIns="91425" anchor="t" anchorCtr="0">
+            <a:noAutofit/>
+          </a:bodyPr>
+          <a:lstStyle/>
+          <a:p>
+            <a:pPr marL="228600" lvl="0" indent="-228600" algn="l" rtl="0">
+              <a:spcBef>
+                <a:spcPts val="0"/>
+              </a:spcBef>
+              <a:spcAft>
+                <a:spcPts val="0"/>
+              </a:spcAft>
+              <a:buAutoNum type="arabicPeriod"/>
+            </a:pPr>
+            <a:r>
+              <a:rPr lang="en-US" dirty="0"/>
+              <a:t>Prototype </a:t>
+            </a:r>
+            <a:r>
+              <a:rPr lang="en-US" dirty="0" err="1"/>
+              <a:t>gak</a:t>
+            </a:r>
+            <a:r>
+              <a:rPr lang="en-US" dirty="0"/>
+              <a:t> tau </a:t>
+            </a:r>
+            <a:r>
+              <a:rPr lang="en-US" dirty="0" err="1"/>
+              <a:t>requirementnya</a:t>
+            </a:r>
+            <a:r>
+              <a:rPr lang="en-US" dirty="0"/>
+              <a:t> =&gt; </a:t>
+            </a:r>
+            <a:r>
+              <a:rPr lang="en-US" dirty="0" err="1"/>
+              <a:t>sudah</a:t>
+            </a:r>
+            <a:r>
+              <a:rPr lang="en-US" dirty="0"/>
+              <a:t> </a:t>
+            </a:r>
+            <a:r>
+              <a:rPr lang="en-US" dirty="0" err="1"/>
+              <a:t>ada</a:t>
+            </a:r>
+            <a:r>
+              <a:rPr lang="en-US" dirty="0"/>
+              <a:t> dan </a:t>
+            </a:r>
+            <a:r>
+              <a:rPr lang="en-US" dirty="0" err="1"/>
+              <a:t>tertulis</a:t>
+            </a:r>
+            <a:r>
+              <a:rPr lang="en-US" dirty="0"/>
+              <a:t> </a:t>
+            </a:r>
+            <a:r>
+              <a:rPr lang="en-US" dirty="0" err="1"/>
+              <a:t>dengan</a:t>
+            </a:r>
+            <a:r>
+              <a:rPr lang="en-US" dirty="0"/>
+              <a:t> </a:t>
+            </a:r>
+            <a:r>
+              <a:rPr lang="en-US" dirty="0" err="1"/>
+              <a:t>jelas</a:t>
+            </a:r>
+            <a:r>
+              <a:rPr lang="en-US" dirty="0"/>
+              <a:t> di </a:t>
+            </a:r>
+            <a:r>
+              <a:rPr lang="en-US" dirty="0" err="1"/>
+              <a:t>tesis</a:t>
+            </a:r>
+            <a:r>
+              <a:rPr lang="en-US" dirty="0"/>
+              <a:t> </a:t>
+            </a:r>
+            <a:r>
+              <a:rPr lang="en-US" dirty="0" err="1"/>
+              <a:t>sofiana</a:t>
+            </a:r>
+            <a:r>
+              <a:rPr lang="en-US" dirty="0"/>
+              <a:t> 2018</a:t>
+            </a:r>
+          </a:p>
+          <a:p>
+            <a:pPr marL="228600" lvl="0" indent="-228600" algn="l" rtl="0">
+              <a:spcBef>
+                <a:spcPts val="0"/>
+              </a:spcBef>
+              <a:spcAft>
+                <a:spcPts val="0"/>
+              </a:spcAft>
+              <a:buAutoNum type="arabicPeriod"/>
+            </a:pPr>
+            <a:r>
+              <a:rPr lang="en-US" dirty="0"/>
+              <a:t>Prototype yang </a:t>
+            </a:r>
+            <a:r>
+              <a:rPr lang="en-US" dirty="0" err="1"/>
+              <a:t>dibuat</a:t>
+            </a:r>
+            <a:r>
+              <a:rPr lang="en-US" dirty="0"/>
+              <a:t> </a:t>
+            </a:r>
+            <a:r>
+              <a:rPr lang="en-US" dirty="0" err="1"/>
+              <a:t>pertama</a:t>
+            </a:r>
+            <a:r>
+              <a:rPr lang="en-US" dirty="0"/>
+              <a:t> </a:t>
+            </a:r>
+            <a:r>
+              <a:rPr lang="en-US" dirty="0" err="1"/>
+              <a:t>adalah</a:t>
+            </a:r>
+            <a:r>
+              <a:rPr lang="en-US" dirty="0"/>
+              <a:t> </a:t>
+            </a:r>
+            <a:r>
+              <a:rPr lang="en-US" dirty="0" err="1"/>
+              <a:t>artifak</a:t>
+            </a:r>
+            <a:r>
+              <a:rPr lang="en-US" dirty="0"/>
+              <a:t> </a:t>
+            </a:r>
+            <a:r>
+              <a:rPr lang="en-US" dirty="0" err="1"/>
+              <a:t>sistem</a:t>
+            </a:r>
+            <a:r>
+              <a:rPr lang="en-US" dirty="0"/>
+              <a:t> yang </a:t>
+            </a:r>
+            <a:r>
+              <a:rPr lang="en-US" dirty="0" err="1"/>
+              <a:t>akan</a:t>
+            </a:r>
+            <a:r>
+              <a:rPr lang="en-US" dirty="0"/>
+              <a:t> </a:t>
+            </a:r>
+            <a:r>
+              <a:rPr lang="en-US" dirty="0" err="1"/>
+              <a:t>menjadi</a:t>
+            </a:r>
+            <a:r>
+              <a:rPr lang="en-US" dirty="0"/>
+              <a:t> </a:t>
+            </a:r>
+            <a:r>
+              <a:rPr lang="en-US" dirty="0" err="1"/>
+              <a:t>acuan</a:t>
+            </a:r>
+            <a:r>
+              <a:rPr lang="en-US" dirty="0"/>
+              <a:t> </a:t>
+            </a:r>
+            <a:r>
+              <a:rPr lang="en-US" dirty="0" err="1"/>
+              <a:t>pembuatan</a:t>
+            </a:r>
+            <a:r>
+              <a:rPr lang="en-US" dirty="0"/>
+              <a:t> </a:t>
+            </a:r>
+            <a:r>
+              <a:rPr lang="en-US" dirty="0" err="1"/>
+              <a:t>sistem</a:t>
+            </a:r>
+            <a:r>
+              <a:rPr lang="en-US" dirty="0"/>
+              <a:t> yang </a:t>
+            </a:r>
+            <a:r>
+              <a:rPr lang="en-US" dirty="0" err="1"/>
+              <a:t>sesungguhnya</a:t>
+            </a:r>
+            <a:r>
+              <a:rPr lang="en-US" dirty="0"/>
+              <a:t>,.. =&gt; adaptive </a:t>
+            </a:r>
+            <a:r>
+              <a:rPr lang="en-US" dirty="0" err="1"/>
+              <a:t>langsung</a:t>
+            </a:r>
+            <a:r>
+              <a:rPr lang="en-US" dirty="0"/>
+              <a:t> </a:t>
+            </a:r>
+            <a:r>
+              <a:rPr lang="en-US" dirty="0" err="1"/>
+              <a:t>membuat</a:t>
+            </a:r>
+            <a:r>
+              <a:rPr lang="en-US" dirty="0"/>
+              <a:t> real system.</a:t>
+            </a:r>
+          </a:p>
+          <a:p>
+            <a:pPr marL="228600" lvl="0" indent="-228600" algn="l" rtl="0">
+              <a:spcBef>
+                <a:spcPts val="0"/>
+              </a:spcBef>
+              <a:spcAft>
+                <a:spcPts val="0"/>
+              </a:spcAft>
+              <a:buAutoNum type="arabicPeriod"/>
+            </a:pPr>
+            <a:r>
+              <a:rPr lang="en-US" dirty="0"/>
+              <a:t>Ada </a:t>
+            </a:r>
+            <a:r>
+              <a:rPr lang="en-US" dirty="0" err="1"/>
+              <a:t>penelitian</a:t>
+            </a:r>
+            <a:r>
+              <a:rPr lang="en-US" dirty="0"/>
+              <a:t> </a:t>
+            </a:r>
+            <a:r>
+              <a:rPr lang="en-US" dirty="0" err="1"/>
+              <a:t>sebelumnya</a:t>
+            </a:r>
+            <a:r>
+              <a:rPr lang="en-US" dirty="0"/>
+              <a:t> yang </a:t>
+            </a:r>
+            <a:r>
+              <a:rPr lang="en-US" dirty="0" err="1"/>
+              <a:t>mengimplementasikan</a:t>
+            </a:r>
+            <a:r>
+              <a:rPr lang="en-US" dirty="0"/>
+              <a:t> </a:t>
+            </a:r>
+            <a:r>
+              <a:rPr lang="en-US" dirty="0" err="1"/>
+              <a:t>spatio</a:t>
+            </a:r>
+            <a:r>
+              <a:rPr lang="en-US" dirty="0"/>
+              <a:t> temporal data mining </a:t>
+            </a:r>
+            <a:r>
+              <a:rPr lang="en-US" dirty="0" err="1"/>
+              <a:t>berdasarkan</a:t>
+            </a:r>
+            <a:r>
+              <a:rPr lang="en-US" dirty="0"/>
+              <a:t> </a:t>
+            </a:r>
+            <a:r>
+              <a:rPr lang="en-US" dirty="0" err="1"/>
+              <a:t>penelitian</a:t>
+            </a:r>
+            <a:r>
+              <a:rPr lang="en-US" dirty="0"/>
+              <a:t> </a:t>
+            </a:r>
+            <a:r>
+              <a:rPr lang="en-US" dirty="0" err="1"/>
+              <a:t>sebelumnya</a:t>
+            </a:r>
+            <a:r>
+              <a:rPr lang="en-US" dirty="0"/>
+              <a:t> </a:t>
+            </a:r>
+            <a:r>
+              <a:rPr lang="en-US" dirty="0" err="1"/>
+              <a:t>menjadi</a:t>
+            </a:r>
+            <a:r>
+              <a:rPr lang="en-US" dirty="0"/>
+              <a:t> </a:t>
+            </a:r>
+            <a:r>
+              <a:rPr lang="en-US" dirty="0" err="1"/>
+              <a:t>sistem</a:t>
+            </a:r>
+            <a:r>
+              <a:rPr lang="en-US" dirty="0"/>
+              <a:t> </a:t>
+            </a:r>
+            <a:r>
+              <a:rPr lang="en-US" dirty="0" err="1"/>
+              <a:t>menggunakan</a:t>
+            </a:r>
+            <a:r>
+              <a:rPr lang="en-US" dirty="0"/>
+              <a:t> ASD.</a:t>
+            </a:r>
+          </a:p>
+          <a:p>
+            <a:pPr marL="228600" lvl="0" indent="-228600" algn="l" rtl="0">
+              <a:spcBef>
+                <a:spcPts val="0"/>
+              </a:spcBef>
+              <a:spcAft>
+                <a:spcPts val="0"/>
+              </a:spcAft>
+              <a:buAutoNum type="arabicPeriod"/>
+            </a:pPr>
+            <a:endParaRPr dirty="0"/>
+          </a:p>
+        </p:txBody>
+      </p:sp>
+    </p:spTree>
+    <p:extLst>
+      <p:ext uri="{BB962C8B-B14F-4D97-AF65-F5344CB8AC3E}">
+        <p14:creationId xmlns:p14="http://schemas.microsoft.com/office/powerpoint/2010/main" val="2422569788"/>
+      </p:ext>
+    </p:extLst>
+  </p:cSld>
+  <p:clrMapOvr>
+    <a:masterClrMapping/>
+  </p:clrMapOvr>
+</p:notes>
+</file>
+
+<file path=ppt/notesSlides/notesSlide22.xml><?xml version="1.0" encoding="utf-8"?>
 <p:notes xmlns:a="http://schemas.openxmlformats.org/drawingml/2006/main" xmlns:r="http://schemas.openxmlformats.org/officeDocument/2006/relationships" xmlns:p="http://schemas.openxmlformats.org/presentationml/2006/main" showMasterSp="0" showMasterPhAnim="0">
   <p:cSld>
     <p:spTree>
@@ -5229,59 +9020,540 @@
           </a:bodyPr>
           <a:lstStyle/>
           <a:p>
-            <a:pPr marL="0" lvl="0" indent="0" algn="l" rtl="0">
-              <a:spcBef>
-                <a:spcPts val="0"/>
-              </a:spcBef>
-              <a:spcAft>
-                <a:spcPts val="0"/>
-              </a:spcAft>
-              <a:buNone/>
-            </a:pPr>
-            <a:r>
-              <a:rPr lang="en-US" dirty="0" err="1"/>
-              <a:t>Jelaskan</a:t>
-            </a:r>
-            <a:r>
-              <a:rPr lang="en-US" dirty="0"/>
-              <a:t> juga:</a:t>
+            <a:pPr lvl="0"/>
+            <a:r>
+              <a:rPr lang="en-US" sz="1100" b="0" i="0" u="none" strike="noStrike" cap="none" dirty="0" err="1">
+                <a:solidFill>
+                  <a:srgbClr val="000000"/>
+                </a:solidFill>
+                <a:effectLst/>
+                <a:latin typeface="Arial"/>
+                <a:ea typeface="Arial"/>
+                <a:cs typeface="Arial"/>
+                <a:sym typeface="Arial"/>
+              </a:rPr>
+              <a:t>Seperti</a:t>
+            </a:r>
+            <a:r>
+              <a:rPr lang="en-US" sz="1100" b="0" i="0" u="none" strike="noStrike" cap="none" dirty="0">
+                <a:solidFill>
+                  <a:srgbClr val="000000"/>
+                </a:solidFill>
+                <a:effectLst/>
+                <a:latin typeface="Arial"/>
+                <a:ea typeface="Arial"/>
+                <a:cs typeface="Arial"/>
+                <a:sym typeface="Arial"/>
+              </a:rPr>
+              <a:t> yang </a:t>
+            </a:r>
+            <a:r>
+              <a:rPr lang="en-US" sz="1100" b="0" i="0" u="none" strike="noStrike" cap="none" dirty="0" err="1">
+                <a:solidFill>
+                  <a:srgbClr val="000000"/>
+                </a:solidFill>
+                <a:effectLst/>
+                <a:latin typeface="Arial"/>
+                <a:ea typeface="Arial"/>
+                <a:cs typeface="Arial"/>
+                <a:sym typeface="Arial"/>
+              </a:rPr>
+              <a:t>kita</a:t>
+            </a:r>
+            <a:r>
+              <a:rPr lang="en-US" sz="1100" b="0" i="0" u="none" strike="noStrike" cap="none" dirty="0">
+                <a:solidFill>
+                  <a:srgbClr val="000000"/>
+                </a:solidFill>
+                <a:effectLst/>
+                <a:latin typeface="Arial"/>
+                <a:ea typeface="Arial"/>
+                <a:cs typeface="Arial"/>
+                <a:sym typeface="Arial"/>
+              </a:rPr>
+              <a:t> </a:t>
+            </a:r>
+            <a:r>
+              <a:rPr lang="en-US" sz="1100" b="0" i="0" u="none" strike="noStrike" cap="none" dirty="0" err="1">
+                <a:solidFill>
+                  <a:srgbClr val="000000"/>
+                </a:solidFill>
+                <a:effectLst/>
+                <a:latin typeface="Arial"/>
+                <a:ea typeface="Arial"/>
+                <a:cs typeface="Arial"/>
+                <a:sym typeface="Arial"/>
+              </a:rPr>
+              <a:t>tahu</a:t>
+            </a:r>
+            <a:r>
+              <a:rPr lang="en-US" sz="1100" b="0" i="0" u="none" strike="noStrike" cap="none" dirty="0">
+                <a:solidFill>
+                  <a:srgbClr val="000000"/>
+                </a:solidFill>
+                <a:effectLst/>
+                <a:latin typeface="Arial"/>
+                <a:ea typeface="Arial"/>
+                <a:cs typeface="Arial"/>
+                <a:sym typeface="Arial"/>
+              </a:rPr>
+              <a:t>, Indonesia </a:t>
+            </a:r>
+            <a:r>
+              <a:rPr lang="en-US" sz="1100" b="0" i="0" u="none" strike="noStrike" cap="none" dirty="0" err="1">
+                <a:solidFill>
+                  <a:srgbClr val="000000"/>
+                </a:solidFill>
+                <a:effectLst/>
+                <a:latin typeface="Arial"/>
+                <a:ea typeface="Arial"/>
+                <a:cs typeface="Arial"/>
+                <a:sym typeface="Arial"/>
+              </a:rPr>
+              <a:t>merupakan</a:t>
+            </a:r>
+            <a:r>
+              <a:rPr lang="en-US" sz="1100" b="0" i="0" u="none" strike="noStrike" cap="none" dirty="0">
+                <a:solidFill>
+                  <a:srgbClr val="000000"/>
+                </a:solidFill>
+                <a:effectLst/>
+                <a:latin typeface="Arial"/>
+                <a:ea typeface="Arial"/>
+                <a:cs typeface="Arial"/>
+                <a:sym typeface="Arial"/>
+              </a:rPr>
+              <a:t> salah </a:t>
+            </a:r>
+            <a:r>
+              <a:rPr lang="en-US" sz="1100" b="0" i="0" u="none" strike="noStrike" cap="none" dirty="0" err="1">
+                <a:solidFill>
+                  <a:srgbClr val="000000"/>
+                </a:solidFill>
+                <a:effectLst/>
+                <a:latin typeface="Arial"/>
+                <a:ea typeface="Arial"/>
+                <a:cs typeface="Arial"/>
+                <a:sym typeface="Arial"/>
+              </a:rPr>
+              <a:t>satu</a:t>
+            </a:r>
+            <a:r>
+              <a:rPr lang="en-US" sz="1100" b="0" i="0" u="none" strike="noStrike" cap="none" dirty="0">
+                <a:solidFill>
+                  <a:srgbClr val="000000"/>
+                </a:solidFill>
+                <a:effectLst/>
+                <a:latin typeface="Arial"/>
+                <a:ea typeface="Arial"/>
+                <a:cs typeface="Arial"/>
+                <a:sym typeface="Arial"/>
+              </a:rPr>
+              <a:t> negara </a:t>
+            </a:r>
+            <a:r>
+              <a:rPr lang="en-US" sz="1100" b="0" i="0" u="none" strike="noStrike" cap="none" dirty="0" err="1">
+                <a:solidFill>
+                  <a:srgbClr val="000000"/>
+                </a:solidFill>
+                <a:effectLst/>
+                <a:latin typeface="Arial"/>
+                <a:ea typeface="Arial"/>
+                <a:cs typeface="Arial"/>
+                <a:sym typeface="Arial"/>
+              </a:rPr>
+              <a:t>tropis</a:t>
+            </a:r>
+            <a:r>
+              <a:rPr lang="en-US" sz="1100" b="0" i="0" u="none" strike="noStrike" cap="none" dirty="0">
+                <a:solidFill>
+                  <a:srgbClr val="000000"/>
+                </a:solidFill>
+                <a:effectLst/>
+                <a:latin typeface="Arial"/>
+                <a:ea typeface="Arial"/>
+                <a:cs typeface="Arial"/>
+                <a:sym typeface="Arial"/>
+              </a:rPr>
+              <a:t> yang </a:t>
+            </a:r>
+            <a:r>
+              <a:rPr lang="en-US" sz="1100" b="0" i="0" u="none" strike="noStrike" cap="none" dirty="0" err="1">
+                <a:solidFill>
+                  <a:srgbClr val="000000"/>
+                </a:solidFill>
+                <a:effectLst/>
+                <a:latin typeface="Arial"/>
+                <a:ea typeface="Arial"/>
+                <a:cs typeface="Arial"/>
+                <a:sym typeface="Arial"/>
+              </a:rPr>
+              <a:t>memiliki</a:t>
+            </a:r>
+            <a:r>
+              <a:rPr lang="en-US" sz="1100" b="0" i="0" u="none" strike="noStrike" cap="none" dirty="0">
+                <a:solidFill>
+                  <a:srgbClr val="000000"/>
+                </a:solidFill>
+                <a:effectLst/>
+                <a:latin typeface="Arial"/>
+                <a:ea typeface="Arial"/>
+                <a:cs typeface="Arial"/>
+                <a:sym typeface="Arial"/>
+              </a:rPr>
+              <a:t> </a:t>
+            </a:r>
+            <a:r>
+              <a:rPr lang="en-US" sz="1100" b="0" i="0" u="none" strike="noStrike" cap="none" dirty="0" err="1">
+                <a:solidFill>
+                  <a:srgbClr val="000000"/>
+                </a:solidFill>
+                <a:effectLst/>
+                <a:latin typeface="Arial"/>
+                <a:ea typeface="Arial"/>
+                <a:cs typeface="Arial"/>
+                <a:sym typeface="Arial"/>
+              </a:rPr>
+              <a:t>hutan</a:t>
+            </a:r>
+            <a:r>
+              <a:rPr lang="en-US" sz="1100" b="0" i="0" u="none" strike="noStrike" cap="none" dirty="0">
+                <a:solidFill>
+                  <a:srgbClr val="000000"/>
+                </a:solidFill>
+                <a:effectLst/>
+                <a:latin typeface="Arial"/>
+                <a:ea typeface="Arial"/>
+                <a:cs typeface="Arial"/>
+                <a:sym typeface="Arial"/>
+              </a:rPr>
+              <a:t> yang </a:t>
+            </a:r>
+            <a:r>
+              <a:rPr lang="en-US" sz="1100" b="0" i="0" u="none" strike="noStrike" cap="none" dirty="0" err="1">
+                <a:solidFill>
+                  <a:srgbClr val="000000"/>
+                </a:solidFill>
+                <a:effectLst/>
+                <a:latin typeface="Arial"/>
+                <a:ea typeface="Arial"/>
+                <a:cs typeface="Arial"/>
+                <a:sym typeface="Arial"/>
+              </a:rPr>
+              <a:t>luas</a:t>
+            </a:r>
+            <a:r>
+              <a:rPr lang="en-US" sz="1100" b="0" i="0" u="none" strike="noStrike" cap="none" dirty="0">
+                <a:solidFill>
+                  <a:srgbClr val="000000"/>
+                </a:solidFill>
+                <a:effectLst/>
+                <a:latin typeface="Arial"/>
+                <a:ea typeface="Arial"/>
+                <a:cs typeface="Arial"/>
+                <a:sym typeface="Arial"/>
+              </a:rPr>
+              <a:t>. Salah </a:t>
+            </a:r>
+            <a:r>
+              <a:rPr lang="en-US" sz="1100" b="0" i="0" u="none" strike="noStrike" cap="none" dirty="0" err="1">
+                <a:solidFill>
+                  <a:srgbClr val="000000"/>
+                </a:solidFill>
+                <a:effectLst/>
+                <a:latin typeface="Arial"/>
+                <a:ea typeface="Arial"/>
+                <a:cs typeface="Arial"/>
+                <a:sym typeface="Arial"/>
+              </a:rPr>
+              <a:t>satunya</a:t>
+            </a:r>
+            <a:r>
+              <a:rPr lang="en-US" sz="1100" b="0" i="0" u="none" strike="noStrike" cap="none" dirty="0">
+                <a:solidFill>
+                  <a:srgbClr val="000000"/>
+                </a:solidFill>
+                <a:effectLst/>
+                <a:latin typeface="Arial"/>
+                <a:ea typeface="Arial"/>
+                <a:cs typeface="Arial"/>
+                <a:sym typeface="Arial"/>
+              </a:rPr>
+              <a:t> </a:t>
+            </a:r>
+            <a:r>
+              <a:rPr lang="en-US" sz="1100" b="0" i="0" u="none" strike="noStrike" cap="none" dirty="0" err="1">
+                <a:solidFill>
+                  <a:srgbClr val="000000"/>
+                </a:solidFill>
+                <a:effectLst/>
+                <a:latin typeface="Arial"/>
+                <a:ea typeface="Arial"/>
+                <a:cs typeface="Arial"/>
+                <a:sym typeface="Arial"/>
+              </a:rPr>
+              <a:t>adalah</a:t>
+            </a:r>
+            <a:r>
+              <a:rPr lang="en-US" sz="1100" b="0" i="0" u="none" strike="noStrike" cap="none" dirty="0">
+                <a:solidFill>
+                  <a:srgbClr val="000000"/>
+                </a:solidFill>
+                <a:effectLst/>
+                <a:latin typeface="Arial"/>
+                <a:ea typeface="Arial"/>
+                <a:cs typeface="Arial"/>
+                <a:sym typeface="Arial"/>
+              </a:rPr>
+              <a:t> </a:t>
+            </a:r>
+            <a:r>
+              <a:rPr lang="en-US" sz="1100" b="0" i="0" u="none" strike="noStrike" cap="none" dirty="0" err="1">
+                <a:solidFill>
+                  <a:srgbClr val="000000"/>
+                </a:solidFill>
+                <a:effectLst/>
+                <a:latin typeface="Arial"/>
+                <a:ea typeface="Arial"/>
+                <a:cs typeface="Arial"/>
+                <a:sym typeface="Arial"/>
+              </a:rPr>
+              <a:t>lahan</a:t>
+            </a:r>
+            <a:r>
+              <a:rPr lang="en-US" sz="1100" b="0" i="0" u="none" strike="noStrike" cap="none" dirty="0">
+                <a:solidFill>
+                  <a:srgbClr val="000000"/>
+                </a:solidFill>
+                <a:effectLst/>
+                <a:latin typeface="Arial"/>
+                <a:ea typeface="Arial"/>
+                <a:cs typeface="Arial"/>
+                <a:sym typeface="Arial"/>
+              </a:rPr>
+              <a:t> </a:t>
+            </a:r>
+            <a:r>
+              <a:rPr lang="en-US" sz="1100" b="0" i="0" u="none" strike="noStrike" cap="none" dirty="0" err="1">
+                <a:solidFill>
+                  <a:srgbClr val="000000"/>
+                </a:solidFill>
+                <a:effectLst/>
+                <a:latin typeface="Arial"/>
+                <a:ea typeface="Arial"/>
+                <a:cs typeface="Arial"/>
+                <a:sym typeface="Arial"/>
+              </a:rPr>
+              <a:t>gambut</a:t>
+            </a:r>
+            <a:r>
+              <a:rPr lang="en-US" sz="1100" b="0" i="0" u="none" strike="noStrike" cap="none" dirty="0">
+                <a:solidFill>
+                  <a:srgbClr val="000000"/>
+                </a:solidFill>
+                <a:effectLst/>
+                <a:latin typeface="Arial"/>
+                <a:ea typeface="Arial"/>
+                <a:cs typeface="Arial"/>
+                <a:sym typeface="Arial"/>
+              </a:rPr>
+              <a:t>.</a:t>
             </a:r>
           </a:p>
           <a:p>
-            <a:pPr marL="0" lvl="0" indent="0" algn="l" rtl="0">
-              <a:spcBef>
-                <a:spcPts val="0"/>
-              </a:spcBef>
-              <a:spcAft>
-                <a:spcPts val="0"/>
-              </a:spcAft>
-              <a:buNone/>
-            </a:pPr>
-            <a:r>
-              <a:rPr lang="en-US" dirty="0"/>
-              <a:t>1. </a:t>
-            </a:r>
-            <a:r>
-              <a:rPr lang="en-US" dirty="0" err="1"/>
-              <a:t>Manfaat</a:t>
-            </a:r>
-            <a:r>
-              <a:rPr lang="en-US" dirty="0"/>
+            <a:pPr lvl="0"/>
+            <a:r>
+              <a:rPr lang="en-US" sz="1100" b="0" i="0" u="none" strike="noStrike" cap="none" dirty="0" err="1">
+                <a:solidFill>
+                  <a:srgbClr val="000000"/>
+                </a:solidFill>
+                <a:effectLst/>
+                <a:latin typeface="Arial"/>
+                <a:ea typeface="Arial"/>
+                <a:cs typeface="Arial"/>
+                <a:sym typeface="Arial"/>
+              </a:rPr>
+              <a:t>Menurut</a:t>
+            </a:r>
+            <a:r>
+              <a:rPr lang="en-US" sz="1100" b="0" i="0" u="none" strike="noStrike" cap="none" dirty="0">
+                <a:solidFill>
+                  <a:srgbClr val="000000"/>
+                </a:solidFill>
+                <a:effectLst/>
+                <a:latin typeface="Arial"/>
+                <a:ea typeface="Arial"/>
+                <a:cs typeface="Arial"/>
+                <a:sym typeface="Arial"/>
+              </a:rPr>
+              <a:t> INCAS, Indonesia </a:t>
+            </a:r>
+            <a:r>
+              <a:rPr lang="en-US" sz="1100" b="0" i="0" u="none" strike="noStrike" cap="none" dirty="0" err="1">
+                <a:solidFill>
+                  <a:srgbClr val="000000"/>
+                </a:solidFill>
+                <a:effectLst/>
+                <a:latin typeface="Arial"/>
+                <a:ea typeface="Arial"/>
+                <a:cs typeface="Arial"/>
+                <a:sym typeface="Arial"/>
+              </a:rPr>
+              <a:t>memiliki</a:t>
+            </a:r>
+            <a:r>
+              <a:rPr lang="en-US" sz="1100" b="0" i="0" u="none" strike="noStrike" cap="none" dirty="0">
+                <a:solidFill>
+                  <a:srgbClr val="000000"/>
+                </a:solidFill>
+                <a:effectLst/>
+                <a:latin typeface="Arial"/>
+                <a:ea typeface="Arial"/>
+                <a:cs typeface="Arial"/>
+                <a:sym typeface="Arial"/>
+              </a:rPr>
               <a:t> </a:t>
             </a:r>
             <a:r>
-              <a:rPr lang="en-US" dirty="0" err="1"/>
+              <a:rPr lang="en-US" sz="1100" b="0" i="0" u="none" strike="noStrike" cap="none" dirty="0" err="1">
+                <a:solidFill>
+                  <a:srgbClr val="000000"/>
+                </a:solidFill>
+                <a:effectLst/>
+                <a:latin typeface="Arial"/>
+                <a:ea typeface="Arial"/>
+                <a:cs typeface="Arial"/>
+                <a:sym typeface="Arial"/>
+              </a:rPr>
               <a:t>lahan</a:t>
             </a:r>
             <a:r>
-              <a:rPr lang="en-US" dirty="0"/>
+              <a:rPr lang="en-US" sz="1100" b="0" i="0" u="none" strike="noStrike" cap="none" dirty="0">
+                <a:solidFill>
+                  <a:srgbClr val="000000"/>
+                </a:solidFill>
+                <a:effectLst/>
+                <a:latin typeface="Arial"/>
+                <a:ea typeface="Arial"/>
+                <a:cs typeface="Arial"/>
+                <a:sym typeface="Arial"/>
+              </a:rPr>
               <a:t> </a:t>
             </a:r>
             <a:r>
-              <a:rPr lang="en-US" dirty="0" err="1"/>
+              <a:rPr lang="en-US" sz="1100" b="0" i="0" u="none" strike="noStrike" cap="none" dirty="0" err="1">
+                <a:solidFill>
+                  <a:srgbClr val="000000"/>
+                </a:solidFill>
+                <a:effectLst/>
+                <a:latin typeface="Arial"/>
+                <a:ea typeface="Arial"/>
+                <a:cs typeface="Arial"/>
+                <a:sym typeface="Arial"/>
+              </a:rPr>
               <a:t>gambut</a:t>
             </a:r>
-            <a:endParaRPr dirty="0"/>
+            <a:r>
+              <a:rPr lang="en-US" sz="1100" b="0" i="0" u="none" strike="noStrike" cap="none" dirty="0">
+                <a:solidFill>
+                  <a:srgbClr val="000000"/>
+                </a:solidFill>
+                <a:effectLst/>
+                <a:latin typeface="Arial"/>
+                <a:ea typeface="Arial"/>
+                <a:cs typeface="Arial"/>
+                <a:sym typeface="Arial"/>
+              </a:rPr>
+              <a:t> </a:t>
+            </a:r>
+            <a:r>
+              <a:rPr lang="en-US" sz="1100" b="0" i="0" u="none" strike="noStrike" cap="none" dirty="0" err="1">
+                <a:solidFill>
+                  <a:srgbClr val="000000"/>
+                </a:solidFill>
+                <a:effectLst/>
+                <a:latin typeface="Arial"/>
+                <a:ea typeface="Arial"/>
+                <a:cs typeface="Arial"/>
+                <a:sym typeface="Arial"/>
+              </a:rPr>
+              <a:t>seluas</a:t>
+            </a:r>
+            <a:r>
+              <a:rPr lang="en-US" sz="1100" b="0" i="0" u="none" strike="noStrike" cap="none" dirty="0">
+                <a:solidFill>
+                  <a:srgbClr val="000000"/>
+                </a:solidFill>
+                <a:effectLst/>
+                <a:latin typeface="Arial"/>
+                <a:ea typeface="Arial"/>
+                <a:cs typeface="Arial"/>
+                <a:sym typeface="Arial"/>
+              </a:rPr>
+              <a:t> 14.8 Juta </a:t>
+            </a:r>
+            <a:r>
+              <a:rPr lang="en-US" sz="1100" b="0" i="0" u="none" strike="noStrike" cap="none" dirty="0" err="1">
+                <a:solidFill>
+                  <a:srgbClr val="000000"/>
+                </a:solidFill>
+                <a:effectLst/>
+                <a:latin typeface="Arial"/>
+                <a:ea typeface="Arial"/>
+                <a:cs typeface="Arial"/>
+                <a:sym typeface="Arial"/>
+              </a:rPr>
+              <a:t>hektar</a:t>
+            </a:r>
+            <a:r>
+              <a:rPr lang="en-US" sz="1100" b="0" i="0" u="none" strike="noStrike" cap="none" dirty="0">
+                <a:solidFill>
+                  <a:srgbClr val="000000"/>
+                </a:solidFill>
+                <a:effectLst/>
+                <a:latin typeface="Arial"/>
+                <a:ea typeface="Arial"/>
+                <a:cs typeface="Arial"/>
+                <a:sym typeface="Arial"/>
+              </a:rPr>
+              <a:t> pada </a:t>
+            </a:r>
+            <a:r>
+              <a:rPr lang="en-US" sz="1100" b="0" i="0" u="none" strike="noStrike" cap="none" dirty="0" err="1">
+                <a:solidFill>
+                  <a:srgbClr val="000000"/>
+                </a:solidFill>
+                <a:effectLst/>
+                <a:latin typeface="Arial"/>
+                <a:ea typeface="Arial"/>
+                <a:cs typeface="Arial"/>
+                <a:sym typeface="Arial"/>
+              </a:rPr>
+              <a:t>tahun</a:t>
+            </a:r>
+            <a:r>
+              <a:rPr lang="en-US" sz="1100" b="0" i="0" u="none" strike="noStrike" cap="none" dirty="0">
+                <a:solidFill>
+                  <a:srgbClr val="000000"/>
+                </a:solidFill>
+                <a:effectLst/>
+                <a:latin typeface="Arial"/>
+                <a:ea typeface="Arial"/>
+                <a:cs typeface="Arial"/>
+                <a:sym typeface="Arial"/>
+              </a:rPr>
+              <a:t> 2011.</a:t>
+            </a:r>
+            <a:endParaRPr lang="id-ID" sz="1100" b="0" i="0" u="none" strike="noStrike" cap="none" dirty="0">
+              <a:solidFill>
+                <a:srgbClr val="000000"/>
+              </a:solidFill>
+              <a:effectLst/>
+              <a:latin typeface="Arial"/>
+              <a:ea typeface="Arial"/>
+              <a:cs typeface="Arial"/>
+              <a:sym typeface="Arial"/>
+            </a:endParaRPr>
           </a:p>
         </p:txBody>
       </p:sp>
@@ -5376,91 +9648,1681 @@
           </a:bodyPr>
           <a:lstStyle/>
           <a:p>
-            <a:pPr marL="0" lvl="0" indent="0" algn="l" rtl="0">
+            <a:pPr marL="171450" marR="0" lvl="0" indent="-171450" algn="l" defTabSz="914400" rtl="0" eaLnBrk="1" fontAlgn="auto" latinLnBrk="0" hangingPunct="1">
+              <a:lnSpc>
+                <a:spcPct val="100000"/>
+              </a:lnSpc>
               <a:spcBef>
                 <a:spcPts val="0"/>
               </a:spcBef>
               <a:spcAft>
                 <a:spcPts val="0"/>
               </a:spcAft>
-              <a:buNone/>
+              <a:buClr>
+                <a:srgbClr val="000000"/>
+              </a:buClr>
+              <a:buSzPts val="1400"/>
+              <a:tabLst/>
+              <a:defRPr/>
             </a:pPr>
             <a:r>
-              <a:rPr lang="en-US" dirty="0" err="1"/>
-              <a:t>Jelaskan</a:t>
-            </a:r>
-            <a:r>
-              <a:rPr lang="en-US" dirty="0"/>
-              <a:t> juga:</a:t>
+              <a:rPr lang="en-US" sz="1100" b="0" i="0" u="none" strike="noStrike" cap="none" dirty="0" err="1">
+                <a:solidFill>
+                  <a:srgbClr val="000000"/>
+                </a:solidFill>
+                <a:effectLst/>
+                <a:latin typeface="Arial"/>
+                <a:ea typeface="Arial"/>
+                <a:cs typeface="Arial"/>
+                <a:sym typeface="Arial"/>
+              </a:rPr>
+              <a:t>Namun</a:t>
+            </a:r>
+            <a:r>
+              <a:rPr lang="en-US" sz="1100" b="0" i="0" u="none" strike="noStrike" cap="none" dirty="0">
+                <a:solidFill>
+                  <a:srgbClr val="000000"/>
+                </a:solidFill>
+                <a:effectLst/>
+                <a:latin typeface="Arial"/>
+                <a:ea typeface="Arial"/>
+                <a:cs typeface="Arial"/>
+                <a:sym typeface="Arial"/>
+              </a:rPr>
+              <a:t> </a:t>
+            </a:r>
+            <a:r>
+              <a:rPr lang="en-US" sz="1100" b="0" i="0" u="none" strike="noStrike" cap="none" dirty="0" err="1">
+                <a:solidFill>
+                  <a:srgbClr val="000000"/>
+                </a:solidFill>
+                <a:effectLst/>
+                <a:latin typeface="Arial"/>
+                <a:ea typeface="Arial"/>
+                <a:cs typeface="Arial"/>
+                <a:sym typeface="Arial"/>
+              </a:rPr>
+              <a:t>luas</a:t>
+            </a:r>
+            <a:r>
+              <a:rPr lang="en-US" sz="1100" b="0" i="0" u="none" strike="noStrike" cap="none" dirty="0">
+                <a:solidFill>
+                  <a:srgbClr val="000000"/>
+                </a:solidFill>
+                <a:effectLst/>
+                <a:latin typeface="Arial"/>
+                <a:ea typeface="Arial"/>
+                <a:cs typeface="Arial"/>
+                <a:sym typeface="Arial"/>
+              </a:rPr>
+              <a:t> </a:t>
+            </a:r>
+            <a:r>
+              <a:rPr lang="en-US" sz="1100" b="0" i="0" u="none" strike="noStrike" cap="none" dirty="0" err="1">
+                <a:solidFill>
+                  <a:srgbClr val="000000"/>
+                </a:solidFill>
+                <a:effectLst/>
+                <a:latin typeface="Arial"/>
+                <a:ea typeface="Arial"/>
+                <a:cs typeface="Arial"/>
+                <a:sym typeface="Arial"/>
+              </a:rPr>
+              <a:t>hutan</a:t>
+            </a:r>
+            <a:r>
+              <a:rPr lang="en-US" sz="1100" b="0" i="0" u="none" strike="noStrike" cap="none" dirty="0">
+                <a:solidFill>
+                  <a:srgbClr val="000000"/>
+                </a:solidFill>
+                <a:effectLst/>
+                <a:latin typeface="Arial"/>
+                <a:ea typeface="Arial"/>
+                <a:cs typeface="Arial"/>
+                <a:sym typeface="Arial"/>
+              </a:rPr>
+              <a:t> dan </a:t>
+            </a:r>
+            <a:r>
+              <a:rPr lang="en-US" sz="1100" b="0" i="0" u="none" strike="noStrike" cap="none" dirty="0" err="1">
+                <a:solidFill>
+                  <a:srgbClr val="000000"/>
+                </a:solidFill>
+                <a:effectLst/>
+                <a:latin typeface="Arial"/>
+                <a:ea typeface="Arial"/>
+                <a:cs typeface="Arial"/>
+                <a:sym typeface="Arial"/>
+              </a:rPr>
+              <a:t>lahan</a:t>
+            </a:r>
+            <a:r>
+              <a:rPr lang="en-US" sz="1100" b="0" i="0" u="none" strike="noStrike" cap="none" dirty="0">
+                <a:solidFill>
+                  <a:srgbClr val="000000"/>
+                </a:solidFill>
+                <a:effectLst/>
+                <a:latin typeface="Arial"/>
+                <a:ea typeface="Arial"/>
+                <a:cs typeface="Arial"/>
+                <a:sym typeface="Arial"/>
+              </a:rPr>
+              <a:t> di Indonesia </a:t>
+            </a:r>
+            <a:r>
+              <a:rPr lang="en-US" sz="1100" b="0" i="0" u="none" strike="noStrike" cap="none" dirty="0" err="1">
+                <a:solidFill>
+                  <a:srgbClr val="000000"/>
+                </a:solidFill>
+                <a:effectLst/>
+                <a:latin typeface="Arial"/>
+                <a:ea typeface="Arial"/>
+                <a:cs typeface="Arial"/>
+                <a:sym typeface="Arial"/>
+              </a:rPr>
+              <a:t>terus</a:t>
+            </a:r>
+            <a:r>
+              <a:rPr lang="en-US" sz="1100" b="0" i="0" u="none" strike="noStrike" cap="none" dirty="0">
+                <a:solidFill>
+                  <a:srgbClr val="000000"/>
+                </a:solidFill>
+                <a:effectLst/>
+                <a:latin typeface="Arial"/>
+                <a:ea typeface="Arial"/>
+                <a:cs typeface="Arial"/>
+                <a:sym typeface="Arial"/>
+              </a:rPr>
+              <a:t> </a:t>
+            </a:r>
+            <a:r>
+              <a:rPr lang="en-US" sz="1100" b="0" i="0" u="none" strike="noStrike" cap="none" dirty="0" err="1">
+                <a:solidFill>
+                  <a:srgbClr val="000000"/>
+                </a:solidFill>
+                <a:effectLst/>
+                <a:latin typeface="Arial"/>
+                <a:ea typeface="Arial"/>
+                <a:cs typeface="Arial"/>
+                <a:sym typeface="Arial"/>
+              </a:rPr>
+              <a:t>menurun</a:t>
+            </a:r>
+            <a:r>
+              <a:rPr lang="en-US" sz="1100" b="0" i="0" u="none" strike="noStrike" cap="none" dirty="0">
+                <a:solidFill>
+                  <a:srgbClr val="000000"/>
+                </a:solidFill>
+                <a:effectLst/>
+                <a:latin typeface="Arial"/>
+                <a:ea typeface="Arial"/>
+                <a:cs typeface="Arial"/>
+                <a:sym typeface="Arial"/>
+              </a:rPr>
+              <a:t> </a:t>
+            </a:r>
+            <a:r>
+              <a:rPr lang="en-US" sz="1100" b="0" i="0" u="none" strike="noStrike" cap="none" dirty="0" err="1">
+                <a:solidFill>
+                  <a:srgbClr val="000000"/>
+                </a:solidFill>
+                <a:effectLst/>
+                <a:latin typeface="Arial"/>
+                <a:ea typeface="Arial"/>
+                <a:cs typeface="Arial"/>
+                <a:sym typeface="Arial"/>
+              </a:rPr>
+              <a:t>setiap</a:t>
+            </a:r>
+            <a:r>
+              <a:rPr lang="en-US" sz="1100" b="0" i="0" u="none" strike="noStrike" cap="none" dirty="0">
+                <a:solidFill>
+                  <a:srgbClr val="000000"/>
+                </a:solidFill>
+                <a:effectLst/>
+                <a:latin typeface="Arial"/>
+                <a:ea typeface="Arial"/>
+                <a:cs typeface="Arial"/>
+                <a:sym typeface="Arial"/>
+              </a:rPr>
+              <a:t> </a:t>
+            </a:r>
+            <a:r>
+              <a:rPr lang="en-US" sz="1100" b="0" i="0" u="none" strike="noStrike" cap="none" dirty="0" err="1">
+                <a:solidFill>
+                  <a:srgbClr val="000000"/>
+                </a:solidFill>
+                <a:effectLst/>
+                <a:latin typeface="Arial"/>
+                <a:ea typeface="Arial"/>
+                <a:cs typeface="Arial"/>
+                <a:sym typeface="Arial"/>
+              </a:rPr>
+              <a:t>tahunnya</a:t>
+            </a:r>
+            <a:r>
+              <a:rPr lang="en-US" sz="1100" b="0" i="0" u="none" strike="noStrike" cap="none" dirty="0">
+                <a:solidFill>
+                  <a:srgbClr val="000000"/>
+                </a:solidFill>
+                <a:effectLst/>
+                <a:latin typeface="Arial"/>
+                <a:ea typeface="Arial"/>
+                <a:cs typeface="Arial"/>
+                <a:sym typeface="Arial"/>
+              </a:rPr>
+              <a:t>.</a:t>
             </a:r>
           </a:p>
           <a:p>
-            <a:pPr marL="0" lvl="0" indent="0" algn="l" rtl="0">
+            <a:pPr marL="171450" marR="0" lvl="0" indent="-171450" algn="l" defTabSz="914400" rtl="0" eaLnBrk="1" fontAlgn="auto" latinLnBrk="0" hangingPunct="1">
+              <a:lnSpc>
+                <a:spcPct val="100000"/>
+              </a:lnSpc>
               <a:spcBef>
                 <a:spcPts val="0"/>
               </a:spcBef>
               <a:spcAft>
                 <a:spcPts val="0"/>
               </a:spcAft>
-              <a:buNone/>
+              <a:buClr>
+                <a:srgbClr val="000000"/>
+              </a:buClr>
+              <a:buSzPts val="1400"/>
+              <a:tabLst/>
+              <a:defRPr/>
             </a:pPr>
             <a:r>
-              <a:rPr lang="en-US" dirty="0"/>
-              <a:t>1. </a:t>
-            </a:r>
-            <a:r>
-              <a:rPr lang="en-US" dirty="0" err="1"/>
-              <a:t>Indonesai</a:t>
-            </a:r>
-            <a:r>
-              <a:rPr lang="en-US" dirty="0"/>
+              <a:rPr lang="en-US" sz="1100" b="0" i="0" u="none" strike="noStrike" cap="none" dirty="0">
+                <a:solidFill>
+                  <a:srgbClr val="000000"/>
+                </a:solidFill>
+                <a:effectLst/>
+                <a:latin typeface="Arial"/>
+                <a:ea typeface="Arial"/>
+                <a:cs typeface="Arial"/>
+                <a:sym typeface="Arial"/>
+              </a:rPr>
+              <a:t>Salah </a:t>
+            </a:r>
+            <a:r>
+              <a:rPr lang="en-US" sz="1100" b="0" i="0" u="none" strike="noStrike" cap="none" dirty="0" err="1">
+                <a:solidFill>
+                  <a:srgbClr val="000000"/>
+                </a:solidFill>
+                <a:effectLst/>
+                <a:latin typeface="Arial"/>
+                <a:ea typeface="Arial"/>
+                <a:cs typeface="Arial"/>
+                <a:sym typeface="Arial"/>
+              </a:rPr>
+              <a:t>satunya</a:t>
+            </a:r>
+            <a:r>
+              <a:rPr lang="en-US" sz="1100" b="0" i="0" u="none" strike="noStrike" cap="none" dirty="0">
+                <a:solidFill>
+                  <a:srgbClr val="000000"/>
+                </a:solidFill>
+                <a:effectLst/>
+                <a:latin typeface="Arial"/>
+                <a:ea typeface="Arial"/>
+                <a:cs typeface="Arial"/>
+                <a:sym typeface="Arial"/>
+              </a:rPr>
               <a:t> </a:t>
             </a:r>
             <a:r>
-              <a:rPr lang="en-US" dirty="0" err="1"/>
+              <a:rPr lang="en-US" sz="1100" b="0" i="0" u="none" strike="noStrike" cap="none" dirty="0" err="1">
+                <a:solidFill>
+                  <a:srgbClr val="000000"/>
+                </a:solidFill>
+                <a:effectLst/>
+                <a:latin typeface="Arial"/>
+                <a:ea typeface="Arial"/>
+                <a:cs typeface="Arial"/>
+                <a:sym typeface="Arial"/>
+              </a:rPr>
+              <a:t>akbita</a:t>
+            </a:r>
+            <a:r>
+              <a:rPr lang="en-US" sz="1100" b="0" i="0" u="none" strike="noStrike" cap="none" dirty="0">
+                <a:solidFill>
+                  <a:srgbClr val="000000"/>
+                </a:solidFill>
+                <a:effectLst/>
+                <a:latin typeface="Arial"/>
+                <a:ea typeface="Arial"/>
+                <a:cs typeface="Arial"/>
+                <a:sym typeface="Arial"/>
+              </a:rPr>
+              <a:t> </a:t>
+            </a:r>
+            <a:r>
+              <a:rPr lang="en-US" sz="1100" b="0" i="0" u="none" strike="noStrike" cap="none" dirty="0" err="1">
+                <a:solidFill>
+                  <a:srgbClr val="000000"/>
+                </a:solidFill>
+                <a:effectLst/>
+                <a:latin typeface="Arial"/>
+                <a:ea typeface="Arial"/>
+                <a:cs typeface="Arial"/>
+                <a:sym typeface="Arial"/>
+              </a:rPr>
+              <a:t>deforestasi</a:t>
+            </a:r>
+            <a:r>
+              <a:rPr lang="en-US" sz="1100" b="0" i="0" u="none" strike="noStrike" cap="none" dirty="0">
+                <a:solidFill>
+                  <a:srgbClr val="000000"/>
+                </a:solidFill>
+                <a:effectLst/>
+                <a:latin typeface="Arial"/>
+                <a:ea typeface="Arial"/>
+                <a:cs typeface="Arial"/>
+                <a:sym typeface="Arial"/>
+              </a:rPr>
+              <a:t> </a:t>
+            </a:r>
+            <a:r>
+              <a:rPr lang="en-US" sz="1100" b="0" i="0" u="none" strike="noStrike" cap="none" dirty="0" err="1">
+                <a:solidFill>
+                  <a:srgbClr val="000000"/>
+                </a:solidFill>
+                <a:effectLst/>
+                <a:latin typeface="Arial"/>
+                <a:ea typeface="Arial"/>
+                <a:cs typeface="Arial"/>
+                <a:sym typeface="Arial"/>
+              </a:rPr>
+              <a:t>atau</a:t>
+            </a:r>
+            <a:r>
+              <a:rPr lang="en-US" sz="1100" b="0" i="0" u="none" strike="noStrike" cap="none" dirty="0">
+                <a:solidFill>
+                  <a:srgbClr val="000000"/>
+                </a:solidFill>
+                <a:effectLst/>
+                <a:latin typeface="Arial"/>
+                <a:ea typeface="Arial"/>
+                <a:cs typeface="Arial"/>
+                <a:sym typeface="Arial"/>
+              </a:rPr>
+              <a:t> </a:t>
+            </a:r>
+            <a:r>
+              <a:rPr lang="en-US" sz="1100" b="0" i="0" u="none" strike="noStrike" cap="none" dirty="0" err="1">
+                <a:solidFill>
+                  <a:srgbClr val="000000"/>
+                </a:solidFill>
+                <a:effectLst/>
+                <a:latin typeface="Arial"/>
+                <a:ea typeface="Arial"/>
+                <a:cs typeface="Arial"/>
+                <a:sym typeface="Arial"/>
+              </a:rPr>
+              <a:t>perbuhan</a:t>
+            </a:r>
+            <a:r>
+              <a:rPr lang="en-US" sz="1100" b="0" i="0" u="none" strike="noStrike" cap="none" dirty="0">
+                <a:solidFill>
+                  <a:srgbClr val="000000"/>
+                </a:solidFill>
+                <a:effectLst/>
+                <a:latin typeface="Arial"/>
+                <a:ea typeface="Arial"/>
+                <a:cs typeface="Arial"/>
+                <a:sym typeface="Arial"/>
+              </a:rPr>
+              <a:t> </a:t>
+            </a:r>
+            <a:r>
+              <a:rPr lang="en-US" sz="1100" b="0" i="0" u="none" strike="noStrike" cap="none" dirty="0" err="1">
+                <a:solidFill>
+                  <a:srgbClr val="000000"/>
+                </a:solidFill>
+                <a:effectLst/>
+                <a:latin typeface="Arial"/>
+                <a:ea typeface="Arial"/>
+                <a:cs typeface="Arial"/>
+                <a:sym typeface="Arial"/>
+              </a:rPr>
+              <a:t>fungsi</a:t>
+            </a:r>
+            <a:r>
+              <a:rPr lang="en-US" sz="1100" b="0" i="0" u="none" strike="noStrike" cap="none" dirty="0">
+                <a:solidFill>
+                  <a:srgbClr val="000000"/>
+                </a:solidFill>
+                <a:effectLst/>
+                <a:latin typeface="Arial"/>
+                <a:ea typeface="Arial"/>
+                <a:cs typeface="Arial"/>
+                <a:sym typeface="Arial"/>
+              </a:rPr>
+              <a:t> </a:t>
+            </a:r>
+            <a:r>
+              <a:rPr lang="en-US" sz="1100" b="0" i="0" u="none" strike="noStrike" cap="none" dirty="0" err="1">
+                <a:solidFill>
+                  <a:srgbClr val="000000"/>
+                </a:solidFill>
+                <a:effectLst/>
+                <a:latin typeface="Arial"/>
+                <a:ea typeface="Arial"/>
+                <a:cs typeface="Arial"/>
+                <a:sym typeface="Arial"/>
+              </a:rPr>
+              <a:t>lahan</a:t>
+            </a:r>
+            <a:r>
+              <a:rPr lang="en-US" sz="1100" b="0" i="0" u="none" strike="noStrike" cap="none" dirty="0">
+                <a:solidFill>
+                  <a:srgbClr val="000000"/>
+                </a:solidFill>
+                <a:effectLst/>
+                <a:latin typeface="Arial"/>
+                <a:ea typeface="Arial"/>
+                <a:cs typeface="Arial"/>
+                <a:sym typeface="Arial"/>
+              </a:rPr>
+              <a:t> </a:t>
+            </a:r>
+            <a:r>
+              <a:rPr lang="en-US" sz="1100" b="0" i="0" u="none" strike="noStrike" cap="none" dirty="0" err="1">
+                <a:solidFill>
+                  <a:srgbClr val="000000"/>
+                </a:solidFill>
+                <a:effectLst/>
+                <a:latin typeface="Arial"/>
+                <a:ea typeface="Arial"/>
+                <a:cs typeface="Arial"/>
+                <a:sym typeface="Arial"/>
+              </a:rPr>
+              <a:t>hutan</a:t>
+            </a:r>
+            <a:r>
+              <a:rPr lang="en-US" sz="1100" b="0" i="0" u="none" strike="noStrike" cap="none" dirty="0">
+                <a:solidFill>
+                  <a:srgbClr val="000000"/>
+                </a:solidFill>
+                <a:effectLst/>
+                <a:latin typeface="Arial"/>
+                <a:ea typeface="Arial"/>
+                <a:cs typeface="Arial"/>
+                <a:sym typeface="Arial"/>
+              </a:rPr>
+              <a:t> </a:t>
+            </a:r>
+            <a:r>
+              <a:rPr lang="en-US" sz="1100" b="0" i="0" u="none" strike="noStrike" cap="none" dirty="0" err="1">
+                <a:solidFill>
+                  <a:srgbClr val="000000"/>
+                </a:solidFill>
+                <a:effectLst/>
+                <a:latin typeface="Arial"/>
+                <a:ea typeface="Arial"/>
+                <a:cs typeface="Arial"/>
+                <a:sym typeface="Arial"/>
+              </a:rPr>
+              <a:t>menjadi</a:t>
+            </a:r>
+            <a:r>
+              <a:rPr lang="en-US" sz="1100" b="0" i="0" u="none" strike="noStrike" cap="none" dirty="0">
+                <a:solidFill>
+                  <a:srgbClr val="000000"/>
+                </a:solidFill>
+                <a:effectLst/>
+                <a:latin typeface="Arial"/>
+                <a:ea typeface="Arial"/>
+                <a:cs typeface="Arial"/>
+                <a:sym typeface="Arial"/>
+              </a:rPr>
+              <a:t> </a:t>
+            </a:r>
+            <a:r>
+              <a:rPr lang="en-US" sz="1100" b="0" i="0" u="none" strike="noStrike" cap="none" dirty="0" err="1">
+                <a:solidFill>
+                  <a:srgbClr val="000000"/>
+                </a:solidFill>
+                <a:effectLst/>
+                <a:latin typeface="Arial"/>
+                <a:ea typeface="Arial"/>
+                <a:cs typeface="Arial"/>
+                <a:sym typeface="Arial"/>
+              </a:rPr>
+              <a:t>hal</a:t>
+            </a:r>
+            <a:r>
+              <a:rPr lang="en-US" sz="1100" b="0" i="0" u="none" strike="noStrike" cap="none" dirty="0">
+                <a:solidFill>
+                  <a:srgbClr val="000000"/>
+                </a:solidFill>
+                <a:effectLst/>
+                <a:latin typeface="Arial"/>
+                <a:ea typeface="Arial"/>
+                <a:cs typeface="Arial"/>
+                <a:sym typeface="Arial"/>
+              </a:rPr>
+              <a:t> lain </a:t>
+            </a:r>
+            <a:r>
+              <a:rPr lang="en-US" sz="1100" b="0" i="0" u="none" strike="noStrike" cap="none" dirty="0" err="1">
+                <a:solidFill>
+                  <a:srgbClr val="000000"/>
+                </a:solidFill>
+                <a:effectLst/>
+                <a:latin typeface="Arial"/>
+                <a:ea typeface="Arial"/>
+                <a:cs typeface="Arial"/>
+                <a:sym typeface="Arial"/>
+              </a:rPr>
+              <a:t>seperti</a:t>
+            </a:r>
+            <a:r>
+              <a:rPr lang="en-US" sz="1100" b="0" i="0" u="none" strike="noStrike" cap="none" dirty="0">
+                <a:solidFill>
+                  <a:srgbClr val="000000"/>
+                </a:solidFill>
+                <a:effectLst/>
+                <a:latin typeface="Arial"/>
+                <a:ea typeface="Arial"/>
+                <a:cs typeface="Arial"/>
+                <a:sym typeface="Arial"/>
+              </a:rPr>
+              <a:t> </a:t>
+            </a:r>
+            <a:r>
+              <a:rPr lang="en-US" sz="1100" b="0" i="0" u="none" strike="noStrike" cap="none" dirty="0" err="1">
+                <a:solidFill>
+                  <a:srgbClr val="000000"/>
+                </a:solidFill>
+                <a:effectLst/>
+                <a:latin typeface="Arial"/>
+                <a:ea typeface="Arial"/>
+                <a:cs typeface="Arial"/>
+                <a:sym typeface="Arial"/>
+              </a:rPr>
+              <a:t>perumahan</a:t>
+            </a:r>
+            <a:r>
+              <a:rPr lang="en-US" sz="1100" b="0" i="0" u="none" strike="noStrike" cap="none" dirty="0">
+                <a:solidFill>
+                  <a:srgbClr val="000000"/>
+                </a:solidFill>
+                <a:effectLst/>
+                <a:latin typeface="Arial"/>
+                <a:ea typeface="Arial"/>
+                <a:cs typeface="Arial"/>
+                <a:sym typeface="Arial"/>
+              </a:rPr>
+              <a:t> dan </a:t>
+            </a:r>
+            <a:r>
+              <a:rPr lang="en-US" sz="1100" b="0" i="0" u="none" strike="noStrike" cap="none" dirty="0" err="1">
+                <a:solidFill>
+                  <a:srgbClr val="000000"/>
+                </a:solidFill>
+                <a:effectLst/>
+                <a:latin typeface="Arial"/>
+                <a:ea typeface="Arial"/>
+                <a:cs typeface="Arial"/>
+                <a:sym typeface="Arial"/>
+              </a:rPr>
+              <a:t>perkebunan</a:t>
+            </a:r>
+            <a:r>
+              <a:rPr lang="en-US" sz="1100" b="0" i="0" u="none" strike="noStrike" cap="none" dirty="0">
+                <a:solidFill>
+                  <a:srgbClr val="000000"/>
+                </a:solidFill>
+                <a:effectLst/>
+                <a:latin typeface="Arial"/>
+                <a:ea typeface="Arial"/>
+                <a:cs typeface="Arial"/>
+                <a:sym typeface="Arial"/>
+              </a:rPr>
+              <a:t>.</a:t>
+            </a:r>
+          </a:p>
+          <a:p>
+            <a:pPr marL="171450" marR="0" lvl="0" indent="-171450" algn="l" defTabSz="914400" rtl="0" eaLnBrk="1" fontAlgn="auto" latinLnBrk="0" hangingPunct="1">
+              <a:lnSpc>
+                <a:spcPct val="100000"/>
+              </a:lnSpc>
+              <a:spcBef>
+                <a:spcPts val="0"/>
+              </a:spcBef>
+              <a:spcAft>
+                <a:spcPts val="0"/>
+              </a:spcAft>
+              <a:buClr>
+                <a:srgbClr val="000000"/>
+              </a:buClr>
+              <a:buSzPts val="1400"/>
+              <a:tabLst/>
+              <a:defRPr/>
+            </a:pPr>
+            <a:r>
+              <a:rPr lang="en-US" sz="1100" b="0" i="0" u="none" strike="noStrike" cap="none" dirty="0" err="1">
+                <a:solidFill>
+                  <a:srgbClr val="000000"/>
+                </a:solidFill>
+                <a:effectLst/>
+                <a:latin typeface="Arial"/>
+                <a:ea typeface="Arial"/>
+                <a:cs typeface="Arial"/>
+                <a:sym typeface="Arial"/>
+              </a:rPr>
+              <a:t>Menurut</a:t>
+            </a:r>
+            <a:r>
+              <a:rPr lang="en-US" sz="1100" b="0" i="0" u="none" strike="noStrike" cap="none" dirty="0">
+                <a:solidFill>
+                  <a:srgbClr val="000000"/>
+                </a:solidFill>
+                <a:effectLst/>
+                <a:latin typeface="Arial"/>
+                <a:ea typeface="Arial"/>
+                <a:cs typeface="Arial"/>
+                <a:sym typeface="Arial"/>
+              </a:rPr>
+              <a:t> data FWI, pada </a:t>
+            </a:r>
+            <a:r>
+              <a:rPr lang="en-US" sz="1100" b="0" i="0" u="none" strike="noStrike" cap="none" dirty="0" err="1">
+                <a:solidFill>
+                  <a:srgbClr val="000000"/>
+                </a:solidFill>
+                <a:effectLst/>
+                <a:latin typeface="Arial"/>
+                <a:ea typeface="Arial"/>
+                <a:cs typeface="Arial"/>
+                <a:sym typeface="Arial"/>
+              </a:rPr>
+              <a:t>rentang</a:t>
+            </a:r>
+            <a:r>
+              <a:rPr lang="en-US" sz="1100" b="0" i="0" u="none" strike="noStrike" cap="none" dirty="0">
+                <a:solidFill>
+                  <a:srgbClr val="000000"/>
+                </a:solidFill>
+                <a:effectLst/>
+                <a:latin typeface="Arial"/>
+                <a:ea typeface="Arial"/>
+                <a:cs typeface="Arial"/>
+                <a:sym typeface="Arial"/>
+              </a:rPr>
+              <a:t> </a:t>
+            </a:r>
+            <a:r>
+              <a:rPr lang="en-US" sz="1100" b="0" i="0" u="none" strike="noStrike" cap="none" dirty="0" err="1">
+                <a:solidFill>
+                  <a:srgbClr val="000000"/>
+                </a:solidFill>
+                <a:effectLst/>
+                <a:latin typeface="Arial"/>
+                <a:ea typeface="Arial"/>
+                <a:cs typeface="Arial"/>
+                <a:sym typeface="Arial"/>
+              </a:rPr>
+              <a:t>tahun</a:t>
+            </a:r>
+            <a:r>
+              <a:rPr lang="en-US" sz="1100" b="0" i="0" u="none" strike="noStrike" cap="none" dirty="0">
+                <a:solidFill>
+                  <a:srgbClr val="000000"/>
+                </a:solidFill>
+                <a:effectLst/>
+                <a:latin typeface="Arial"/>
+                <a:ea typeface="Arial"/>
+                <a:cs typeface="Arial"/>
+                <a:sym typeface="Arial"/>
+              </a:rPr>
+              <a:t> 2009 – 2013, Indonesia </a:t>
+            </a:r>
+            <a:r>
+              <a:rPr lang="en-US" sz="1100" b="0" i="0" u="none" strike="noStrike" cap="none" dirty="0" err="1">
+                <a:solidFill>
+                  <a:srgbClr val="000000"/>
+                </a:solidFill>
+                <a:effectLst/>
+                <a:latin typeface="Arial"/>
+                <a:ea typeface="Arial"/>
+                <a:cs typeface="Arial"/>
+                <a:sym typeface="Arial"/>
+              </a:rPr>
               <a:t>kehilangan</a:t>
             </a:r>
             <a:r>
-              <a:rPr lang="en-US" dirty="0"/>
+              <a:rPr lang="en-US" sz="1100" b="0" i="0" u="none" strike="noStrike" cap="none" dirty="0">
+                <a:solidFill>
+                  <a:srgbClr val="000000"/>
+                </a:solidFill>
+                <a:effectLst/>
+                <a:latin typeface="Arial"/>
+                <a:ea typeface="Arial"/>
+                <a:cs typeface="Arial"/>
+                <a:sym typeface="Arial"/>
+              </a:rPr>
               <a:t> </a:t>
             </a:r>
             <a:r>
-              <a:rPr lang="en-US" dirty="0" err="1"/>
+              <a:rPr lang="en-US" sz="1100" b="0" i="0" u="none" strike="noStrike" cap="none" dirty="0" err="1">
+                <a:solidFill>
+                  <a:srgbClr val="000000"/>
+                </a:solidFill>
+                <a:effectLst/>
+                <a:latin typeface="Arial"/>
+                <a:ea typeface="Arial"/>
+                <a:cs typeface="Arial"/>
+                <a:sym typeface="Arial"/>
+              </a:rPr>
               <a:t>hutan</a:t>
             </a:r>
             <a:r>
-              <a:rPr lang="en-US" dirty="0"/>
+              <a:rPr lang="en-US" sz="1100" b="0" i="0" u="none" strike="noStrike" cap="none" dirty="0">
+                <a:solidFill>
+                  <a:srgbClr val="000000"/>
+                </a:solidFill>
+                <a:effectLst/>
+                <a:latin typeface="Arial"/>
+                <a:ea typeface="Arial"/>
+                <a:cs typeface="Arial"/>
+                <a:sym typeface="Arial"/>
+              </a:rPr>
+              <a:t> dan </a:t>
+            </a:r>
+            <a:r>
+              <a:rPr lang="en-US" sz="1100" b="0" i="0" u="none" strike="noStrike" cap="none" dirty="0" err="1">
+                <a:solidFill>
+                  <a:srgbClr val="000000"/>
+                </a:solidFill>
+                <a:effectLst/>
+                <a:latin typeface="Arial"/>
+                <a:ea typeface="Arial"/>
+                <a:cs typeface="Arial"/>
+                <a:sym typeface="Arial"/>
+              </a:rPr>
+              <a:t>lahan</a:t>
+            </a:r>
+            <a:r>
+              <a:rPr lang="en-US" sz="1100" b="0" i="0" u="none" strike="noStrike" cap="none" dirty="0">
+                <a:solidFill>
+                  <a:srgbClr val="000000"/>
+                </a:solidFill>
+                <a:effectLst/>
+                <a:latin typeface="Arial"/>
+                <a:ea typeface="Arial"/>
+                <a:cs typeface="Arial"/>
+                <a:sym typeface="Arial"/>
+              </a:rPr>
               <a:t> </a:t>
             </a:r>
             <a:r>
-              <a:rPr lang="en-US" dirty="0" err="1"/>
+              <a:rPr lang="en-US" sz="1100" b="0" i="0" u="none" strike="noStrike" cap="none" dirty="0" err="1">
+                <a:solidFill>
+                  <a:srgbClr val="000000"/>
+                </a:solidFill>
+                <a:effectLst/>
+                <a:latin typeface="Arial"/>
+                <a:ea typeface="Arial"/>
+                <a:cs typeface="Arial"/>
+                <a:sym typeface="Arial"/>
+              </a:rPr>
+              <a:t>akibat</a:t>
+            </a:r>
+            <a:r>
+              <a:rPr lang="en-US" sz="1100" b="0" i="0" u="none" strike="noStrike" cap="none" dirty="0">
+                <a:solidFill>
+                  <a:srgbClr val="000000"/>
+                </a:solidFill>
+                <a:effectLst/>
+                <a:latin typeface="Arial"/>
+                <a:ea typeface="Arial"/>
+                <a:cs typeface="Arial"/>
+                <a:sym typeface="Arial"/>
+              </a:rPr>
+              <a:t> </a:t>
+            </a:r>
+            <a:r>
+              <a:rPr lang="en-US" sz="1100" b="0" i="0" u="none" strike="noStrike" cap="none" dirty="0" err="1">
+                <a:solidFill>
+                  <a:srgbClr val="000000"/>
+                </a:solidFill>
+                <a:effectLst/>
+                <a:latin typeface="Arial"/>
+                <a:ea typeface="Arial"/>
+                <a:cs typeface="Arial"/>
+                <a:sym typeface="Arial"/>
+              </a:rPr>
+              <a:t>deforesatsi</a:t>
+            </a:r>
+            <a:r>
+              <a:rPr lang="en-US" sz="1100" b="0" i="0" u="none" strike="noStrike" cap="none" dirty="0">
+                <a:solidFill>
+                  <a:srgbClr val="000000"/>
+                </a:solidFill>
+                <a:effectLst/>
+                <a:latin typeface="Arial"/>
+                <a:ea typeface="Arial"/>
+                <a:cs typeface="Arial"/>
+                <a:sym typeface="Arial"/>
+              </a:rPr>
+              <a:t> </a:t>
+            </a:r>
+            <a:r>
+              <a:rPr lang="en-US" sz="1100" b="0" i="0" u="none" strike="noStrike" cap="none" dirty="0" err="1">
+                <a:solidFill>
+                  <a:srgbClr val="000000"/>
+                </a:solidFill>
+                <a:effectLst/>
+                <a:latin typeface="Arial"/>
+                <a:ea typeface="Arial"/>
+                <a:cs typeface="Arial"/>
+                <a:sym typeface="Arial"/>
+              </a:rPr>
               <a:t>seluas</a:t>
             </a:r>
             <a:r>
-              <a:rPr lang="en-US" dirty="0"/>
+              <a:rPr lang="en-US" sz="1100" b="0" i="0" u="none" strike="noStrike" cap="none" dirty="0">
+                <a:solidFill>
+                  <a:srgbClr val="000000"/>
+                </a:solidFill>
+                <a:effectLst/>
+                <a:latin typeface="Arial"/>
+                <a:ea typeface="Arial"/>
+                <a:cs typeface="Arial"/>
+                <a:sym typeface="Arial"/>
+              </a:rPr>
+              <a:t> 1.13 </a:t>
+            </a:r>
+            <a:r>
+              <a:rPr lang="en-US" sz="1100" b="0" i="0" u="none" strike="noStrike" cap="none" dirty="0" err="1">
+                <a:solidFill>
+                  <a:srgbClr val="000000"/>
+                </a:solidFill>
+                <a:effectLst/>
+                <a:latin typeface="Arial"/>
+                <a:ea typeface="Arial"/>
+                <a:cs typeface="Arial"/>
+                <a:sym typeface="Arial"/>
+              </a:rPr>
+              <a:t>juta</a:t>
+            </a:r>
+            <a:r>
+              <a:rPr lang="en-US" sz="1100" b="0" i="0" u="none" strike="noStrike" cap="none" dirty="0">
+                <a:solidFill>
+                  <a:srgbClr val="000000"/>
+                </a:solidFill>
+                <a:effectLst/>
+                <a:latin typeface="Arial"/>
+                <a:ea typeface="Arial"/>
+                <a:cs typeface="Arial"/>
+                <a:sym typeface="Arial"/>
+              </a:rPr>
+              <a:t> </a:t>
+            </a:r>
+            <a:r>
+              <a:rPr lang="en-US" sz="1100" b="0" i="0" u="none" strike="noStrike" cap="none" dirty="0" err="1">
+                <a:solidFill>
+                  <a:srgbClr val="000000"/>
+                </a:solidFill>
+                <a:effectLst/>
+                <a:latin typeface="Arial"/>
+                <a:ea typeface="Arial"/>
+                <a:cs typeface="Arial"/>
+                <a:sym typeface="Arial"/>
+              </a:rPr>
+              <a:t>hektar</a:t>
+            </a:r>
+            <a:r>
+              <a:rPr lang="en-US" sz="1100" b="0" i="0" u="none" strike="noStrike" cap="none" dirty="0">
+                <a:solidFill>
+                  <a:srgbClr val="000000"/>
+                </a:solidFill>
+                <a:effectLst/>
+                <a:latin typeface="Arial"/>
+                <a:ea typeface="Arial"/>
+                <a:cs typeface="Arial"/>
+                <a:sym typeface="Arial"/>
+              </a:rPr>
+              <a:t> </a:t>
+            </a:r>
+            <a:r>
+              <a:rPr lang="en-US" sz="1100" b="0" i="0" u="none" strike="noStrike" cap="none" dirty="0" err="1">
+                <a:solidFill>
+                  <a:srgbClr val="000000"/>
+                </a:solidFill>
+                <a:effectLst/>
+                <a:latin typeface="Arial"/>
+                <a:ea typeface="Arial"/>
+                <a:cs typeface="Arial"/>
+                <a:sym typeface="Arial"/>
+              </a:rPr>
+              <a:t>setiap</a:t>
+            </a:r>
+            <a:r>
+              <a:rPr lang="en-US" sz="1100" b="0" i="0" u="none" strike="noStrike" cap="none" dirty="0">
+                <a:solidFill>
+                  <a:srgbClr val="000000"/>
+                </a:solidFill>
+                <a:effectLst/>
+                <a:latin typeface="Arial"/>
+                <a:ea typeface="Arial"/>
+                <a:cs typeface="Arial"/>
+                <a:sym typeface="Arial"/>
+              </a:rPr>
+              <a:t> </a:t>
+            </a:r>
+            <a:r>
+              <a:rPr lang="en-US" sz="1100" b="0" i="0" u="none" strike="noStrike" cap="none" dirty="0" err="1">
+                <a:solidFill>
+                  <a:srgbClr val="000000"/>
+                </a:solidFill>
+                <a:effectLst/>
+                <a:latin typeface="Arial"/>
+                <a:ea typeface="Arial"/>
+                <a:cs typeface="Arial"/>
+                <a:sym typeface="Arial"/>
+              </a:rPr>
+              <a:t>tahunnya</a:t>
+            </a:r>
+            <a:r>
+              <a:rPr lang="en-US" sz="1100" b="0" i="0" u="none" strike="noStrike" cap="none" dirty="0">
+                <a:solidFill>
+                  <a:srgbClr val="000000"/>
+                </a:solidFill>
+                <a:effectLst/>
+                <a:latin typeface="Arial"/>
+                <a:ea typeface="Arial"/>
+                <a:cs typeface="Arial"/>
+                <a:sym typeface="Arial"/>
+              </a:rPr>
+              <a:t>. </a:t>
+            </a:r>
+            <a:r>
+              <a:rPr lang="en-US" sz="1100" b="0" i="0" u="none" strike="noStrike" cap="none" dirty="0" err="1">
+                <a:solidFill>
+                  <a:srgbClr val="000000"/>
+                </a:solidFill>
+                <a:effectLst/>
+                <a:latin typeface="Arial"/>
+                <a:ea typeface="Arial"/>
+                <a:cs typeface="Arial"/>
+                <a:sym typeface="Arial"/>
+              </a:rPr>
+              <a:t>Atau</a:t>
+            </a:r>
+            <a:r>
+              <a:rPr lang="en-US" sz="1100" b="0" i="0" u="none" strike="noStrike" cap="none" dirty="0">
+                <a:solidFill>
+                  <a:srgbClr val="000000"/>
+                </a:solidFill>
+                <a:effectLst/>
+                <a:latin typeface="Arial"/>
+                <a:ea typeface="Arial"/>
+                <a:cs typeface="Arial"/>
+                <a:sym typeface="Arial"/>
+              </a:rPr>
+              <a:t> </a:t>
+            </a:r>
+            <a:r>
+              <a:rPr lang="en-US" sz="1100" b="0" i="0" u="none" strike="noStrike" cap="none" dirty="0" err="1">
+                <a:solidFill>
+                  <a:srgbClr val="000000"/>
+                </a:solidFill>
+                <a:effectLst/>
+                <a:latin typeface="Arial"/>
+                <a:ea typeface="Arial"/>
+                <a:cs typeface="Arial"/>
+                <a:sym typeface="Arial"/>
+              </a:rPr>
+              <a:t>dengan</a:t>
+            </a:r>
+            <a:r>
+              <a:rPr lang="en-US" sz="1100" b="0" i="0" u="none" strike="noStrike" cap="none" dirty="0">
+                <a:solidFill>
+                  <a:srgbClr val="000000"/>
+                </a:solidFill>
+                <a:effectLst/>
+                <a:latin typeface="Arial"/>
+                <a:ea typeface="Arial"/>
+                <a:cs typeface="Arial"/>
+                <a:sym typeface="Arial"/>
+              </a:rPr>
+              <a:t> kata lain Indonesia </a:t>
+            </a:r>
+            <a:r>
+              <a:rPr lang="en-US" sz="1100" b="0" i="0" u="none" strike="noStrike" cap="none" dirty="0" err="1">
+                <a:solidFill>
+                  <a:srgbClr val="000000"/>
+                </a:solidFill>
+                <a:effectLst/>
+                <a:latin typeface="Arial"/>
+                <a:ea typeface="Arial"/>
+                <a:cs typeface="Arial"/>
+                <a:sym typeface="Arial"/>
+              </a:rPr>
+              <a:t>kehilangan</a:t>
+            </a:r>
+            <a:r>
+              <a:rPr lang="en-US" sz="1100" b="0" i="0" u="none" strike="noStrike" cap="none" dirty="0">
+                <a:solidFill>
+                  <a:srgbClr val="000000"/>
+                </a:solidFill>
+                <a:effectLst/>
+                <a:latin typeface="Arial"/>
+                <a:ea typeface="Arial"/>
+                <a:cs typeface="Arial"/>
+                <a:sym typeface="Arial"/>
+              </a:rPr>
+              <a:t> </a:t>
+            </a:r>
+            <a:r>
+              <a:rPr lang="en-US" sz="1100" b="0" i="0" u="none" strike="noStrike" cap="none" dirty="0" err="1">
+                <a:solidFill>
+                  <a:srgbClr val="000000"/>
+                </a:solidFill>
+                <a:effectLst/>
+                <a:latin typeface="Arial"/>
+                <a:ea typeface="Arial"/>
+                <a:cs typeface="Arial"/>
+                <a:sym typeface="Arial"/>
+              </a:rPr>
+              <a:t>hutan</a:t>
+            </a:r>
+            <a:r>
+              <a:rPr lang="en-US" sz="1100" b="0" i="0" u="none" strike="noStrike" cap="none" dirty="0">
+                <a:solidFill>
+                  <a:srgbClr val="000000"/>
+                </a:solidFill>
+                <a:effectLst/>
+                <a:latin typeface="Arial"/>
+                <a:ea typeface="Arial"/>
+                <a:cs typeface="Arial"/>
+                <a:sym typeface="Arial"/>
+              </a:rPr>
+              <a:t> dan </a:t>
+            </a:r>
+            <a:r>
+              <a:rPr lang="en-US" sz="1100" b="0" i="0" u="none" strike="noStrike" cap="none" dirty="0" err="1">
+                <a:solidFill>
+                  <a:srgbClr val="000000"/>
+                </a:solidFill>
+                <a:effectLst/>
+                <a:latin typeface="Arial"/>
+                <a:ea typeface="Arial"/>
+                <a:cs typeface="Arial"/>
+                <a:sym typeface="Arial"/>
+              </a:rPr>
+              <a:t>lahan</a:t>
+            </a:r>
+            <a:r>
+              <a:rPr lang="en-US" sz="1100" b="0" i="0" u="none" strike="noStrike" cap="none" dirty="0">
+                <a:solidFill>
+                  <a:srgbClr val="000000"/>
+                </a:solidFill>
+                <a:effectLst/>
+                <a:latin typeface="Arial"/>
+                <a:ea typeface="Arial"/>
+                <a:cs typeface="Arial"/>
+                <a:sym typeface="Arial"/>
+              </a:rPr>
+              <a:t> </a:t>
+            </a:r>
+            <a:r>
+              <a:rPr lang="en-US" sz="1100" b="0" i="0" u="none" strike="noStrike" cap="none" dirty="0" err="1">
+                <a:solidFill>
+                  <a:srgbClr val="000000"/>
+                </a:solidFill>
+                <a:effectLst/>
+                <a:latin typeface="Arial"/>
+                <a:ea typeface="Arial"/>
+                <a:cs typeface="Arial"/>
+                <a:sym typeface="Arial"/>
+              </a:rPr>
+              <a:t>seluas</a:t>
+            </a:r>
+            <a:r>
+              <a:rPr lang="en-US" sz="1100" b="0" i="0" u="none" strike="noStrike" cap="none" dirty="0">
+                <a:solidFill>
+                  <a:srgbClr val="000000"/>
+                </a:solidFill>
+                <a:effectLst/>
+                <a:latin typeface="Arial"/>
+                <a:ea typeface="Arial"/>
+                <a:cs typeface="Arial"/>
+                <a:sym typeface="Arial"/>
+              </a:rPr>
               <a:t> 3 </a:t>
             </a:r>
             <a:r>
-              <a:rPr lang="en-US" dirty="0" err="1"/>
+              <a:rPr lang="en-US" sz="1100" b="0" i="0" u="none" strike="noStrike" cap="none" dirty="0" err="1">
+                <a:solidFill>
+                  <a:srgbClr val="000000"/>
+                </a:solidFill>
+                <a:effectLst/>
+                <a:latin typeface="Arial"/>
+                <a:ea typeface="Arial"/>
+                <a:cs typeface="Arial"/>
+                <a:sym typeface="Arial"/>
+              </a:rPr>
               <a:t>lapangan</a:t>
             </a:r>
             <a:r>
-              <a:rPr lang="en-US" dirty="0"/>
+              <a:rPr lang="en-US" sz="1100" b="0" i="0" u="none" strike="noStrike" cap="none" dirty="0">
+                <a:solidFill>
+                  <a:srgbClr val="000000"/>
+                </a:solidFill>
+                <a:effectLst/>
+                <a:latin typeface="Arial"/>
+                <a:ea typeface="Arial"/>
+                <a:cs typeface="Arial"/>
+                <a:sym typeface="Arial"/>
+              </a:rPr>
+              <a:t> </a:t>
+            </a:r>
+            <a:r>
+              <a:rPr lang="en-US" sz="1100" b="0" i="0" u="none" strike="noStrike" cap="none" dirty="0" err="1">
+                <a:solidFill>
+                  <a:srgbClr val="000000"/>
+                </a:solidFill>
+                <a:effectLst/>
+                <a:latin typeface="Arial"/>
+                <a:ea typeface="Arial"/>
+                <a:cs typeface="Arial"/>
+                <a:sym typeface="Arial"/>
+              </a:rPr>
+              <a:t>sepak</a:t>
+            </a:r>
+            <a:r>
+              <a:rPr lang="en-US" sz="1100" b="0" i="0" u="none" strike="noStrike" cap="none" dirty="0">
+                <a:solidFill>
+                  <a:srgbClr val="000000"/>
+                </a:solidFill>
+                <a:effectLst/>
+                <a:latin typeface="Arial"/>
+                <a:ea typeface="Arial"/>
+                <a:cs typeface="Arial"/>
+                <a:sym typeface="Arial"/>
+              </a:rPr>
               <a:t> bola </a:t>
             </a:r>
             <a:r>
-              <a:rPr lang="en-US" dirty="0" err="1"/>
+              <a:rPr lang="en-US" sz="1100" b="0" i="0" u="none" strike="noStrike" cap="none" dirty="0" err="1">
+                <a:solidFill>
+                  <a:srgbClr val="000000"/>
+                </a:solidFill>
+                <a:effectLst/>
+                <a:latin typeface="Arial"/>
+                <a:ea typeface="Arial"/>
+                <a:cs typeface="Arial"/>
+                <a:sym typeface="Arial"/>
+              </a:rPr>
               <a:t>setiap</a:t>
             </a:r>
             <a:r>
-              <a:rPr lang="en-US" dirty="0"/>
+              <a:rPr lang="en-US" sz="1100" b="0" i="0" u="none" strike="noStrike" cap="none" dirty="0">
+                <a:solidFill>
+                  <a:srgbClr val="000000"/>
+                </a:solidFill>
+                <a:effectLst/>
+                <a:latin typeface="Arial"/>
+                <a:ea typeface="Arial"/>
+                <a:cs typeface="Arial"/>
+                <a:sym typeface="Arial"/>
+              </a:rPr>
               <a:t> </a:t>
             </a:r>
             <a:r>
-              <a:rPr lang="en-US" dirty="0" err="1"/>
-              <a:t>menit</a:t>
-            </a:r>
-            <a:endParaRPr dirty="0"/>
+              <a:rPr lang="en-US" sz="1100" b="0" i="0" u="none" strike="noStrike" cap="none" dirty="0" err="1">
+                <a:solidFill>
+                  <a:srgbClr val="000000"/>
+                </a:solidFill>
+                <a:effectLst/>
+                <a:latin typeface="Arial"/>
+                <a:ea typeface="Arial"/>
+                <a:cs typeface="Arial"/>
+                <a:sym typeface="Arial"/>
+              </a:rPr>
+              <a:t>jamnya</a:t>
+            </a:r>
+            <a:r>
+              <a:rPr lang="en-US" sz="1100" b="0" i="0" u="none" strike="noStrike" cap="none" dirty="0">
+                <a:solidFill>
+                  <a:srgbClr val="000000"/>
+                </a:solidFill>
+                <a:effectLst/>
+                <a:latin typeface="Arial"/>
+                <a:ea typeface="Arial"/>
+                <a:cs typeface="Arial"/>
+                <a:sym typeface="Arial"/>
+              </a:rPr>
+              <a:t>.</a:t>
+            </a:r>
+          </a:p>
+          <a:p>
+            <a:pPr marL="171450" marR="0" lvl="0" indent="-171450" algn="l" defTabSz="914400" rtl="0" eaLnBrk="1" fontAlgn="auto" latinLnBrk="0" hangingPunct="1">
+              <a:lnSpc>
+                <a:spcPct val="100000"/>
+              </a:lnSpc>
+              <a:spcBef>
+                <a:spcPts val="0"/>
+              </a:spcBef>
+              <a:spcAft>
+                <a:spcPts val="0"/>
+              </a:spcAft>
+              <a:buClr>
+                <a:srgbClr val="000000"/>
+              </a:buClr>
+              <a:buSzPts val="1400"/>
+              <a:buFont typeface="Arial"/>
+              <a:buChar char="●"/>
+              <a:tabLst/>
+              <a:defRPr/>
+            </a:pPr>
+            <a:r>
+              <a:rPr lang="en-US" sz="1100" b="0" i="0" u="none" strike="noStrike" cap="none" dirty="0">
+                <a:solidFill>
+                  <a:srgbClr val="000000"/>
+                </a:solidFill>
+                <a:effectLst/>
+                <a:latin typeface="Arial"/>
+                <a:ea typeface="Arial"/>
+                <a:cs typeface="Arial"/>
+                <a:sym typeface="Arial"/>
+              </a:rPr>
+              <a:t>Hal </a:t>
+            </a:r>
+            <a:r>
+              <a:rPr lang="en-US" sz="1100" b="0" i="0" u="none" strike="noStrike" cap="none" dirty="0" err="1">
+                <a:solidFill>
+                  <a:srgbClr val="000000"/>
+                </a:solidFill>
+                <a:effectLst/>
+                <a:latin typeface="Arial"/>
+                <a:ea typeface="Arial"/>
+                <a:cs typeface="Arial"/>
+                <a:sym typeface="Arial"/>
+              </a:rPr>
+              <a:t>ini</a:t>
+            </a:r>
+            <a:r>
+              <a:rPr lang="en-US" sz="1100" b="0" i="0" u="none" strike="noStrike" cap="none" dirty="0">
+                <a:solidFill>
+                  <a:srgbClr val="000000"/>
+                </a:solidFill>
+                <a:effectLst/>
+                <a:latin typeface="Arial"/>
+                <a:ea typeface="Arial"/>
+                <a:cs typeface="Arial"/>
+                <a:sym typeface="Arial"/>
+              </a:rPr>
+              <a:t> </a:t>
+            </a:r>
+            <a:r>
+              <a:rPr lang="en-US" sz="1100" b="0" i="0" u="none" strike="noStrike" cap="none" dirty="0" err="1">
+                <a:solidFill>
+                  <a:srgbClr val="000000"/>
+                </a:solidFill>
+                <a:effectLst/>
+                <a:latin typeface="Arial"/>
+                <a:ea typeface="Arial"/>
+                <a:cs typeface="Arial"/>
+                <a:sym typeface="Arial"/>
+              </a:rPr>
+              <a:t>tentunya</a:t>
+            </a:r>
+            <a:r>
+              <a:rPr lang="en-US" sz="1100" b="0" i="0" u="none" strike="noStrike" cap="none" dirty="0">
+                <a:solidFill>
+                  <a:srgbClr val="000000"/>
+                </a:solidFill>
+                <a:effectLst/>
+                <a:latin typeface="Arial"/>
+                <a:ea typeface="Arial"/>
+                <a:cs typeface="Arial"/>
+                <a:sym typeface="Arial"/>
+              </a:rPr>
+              <a:t> </a:t>
+            </a:r>
+            <a:r>
+              <a:rPr lang="en-US" sz="1100" b="0" i="0" u="none" strike="noStrike" cap="none" dirty="0" err="1">
+                <a:solidFill>
+                  <a:srgbClr val="000000"/>
+                </a:solidFill>
+                <a:effectLst/>
+                <a:latin typeface="Arial"/>
+                <a:ea typeface="Arial"/>
+                <a:cs typeface="Arial"/>
+                <a:sym typeface="Arial"/>
+              </a:rPr>
+              <a:t>menimbulkan</a:t>
+            </a:r>
+            <a:r>
+              <a:rPr lang="en-US" sz="1100" b="0" i="0" u="none" strike="noStrike" cap="none" dirty="0">
+                <a:solidFill>
+                  <a:srgbClr val="000000"/>
+                </a:solidFill>
+                <a:effectLst/>
+                <a:latin typeface="Arial"/>
+                <a:ea typeface="Arial"/>
+                <a:cs typeface="Arial"/>
+                <a:sym typeface="Arial"/>
+              </a:rPr>
+              <a:t> </a:t>
+            </a:r>
+            <a:r>
+              <a:rPr lang="en-US" sz="1100" b="0" i="0" u="none" strike="noStrike" cap="none" dirty="0" err="1">
+                <a:solidFill>
+                  <a:srgbClr val="000000"/>
+                </a:solidFill>
+                <a:effectLst/>
+                <a:latin typeface="Arial"/>
+                <a:ea typeface="Arial"/>
+                <a:cs typeface="Arial"/>
+                <a:sym typeface="Arial"/>
+              </a:rPr>
+              <a:t>dampak</a:t>
+            </a:r>
+            <a:r>
+              <a:rPr lang="en-US" sz="1100" b="0" i="0" u="none" strike="noStrike" cap="none" dirty="0">
+                <a:solidFill>
+                  <a:srgbClr val="000000"/>
+                </a:solidFill>
+                <a:effectLst/>
+                <a:latin typeface="Arial"/>
+                <a:ea typeface="Arial"/>
+                <a:cs typeface="Arial"/>
+                <a:sym typeface="Arial"/>
+              </a:rPr>
+              <a:t> negative </a:t>
+            </a:r>
+            <a:r>
+              <a:rPr lang="en-US" sz="1100" b="0" i="0" u="none" strike="noStrike" cap="none" dirty="0" err="1">
+                <a:solidFill>
+                  <a:srgbClr val="000000"/>
+                </a:solidFill>
+                <a:effectLst/>
+                <a:latin typeface="Arial"/>
+                <a:ea typeface="Arial"/>
+                <a:cs typeface="Arial"/>
+                <a:sym typeface="Arial"/>
+              </a:rPr>
+              <a:t>terhadap</a:t>
+            </a:r>
+            <a:r>
+              <a:rPr lang="en-US" sz="1100" b="0" i="0" u="none" strike="noStrike" cap="none" dirty="0">
+                <a:solidFill>
+                  <a:srgbClr val="000000"/>
+                </a:solidFill>
+                <a:effectLst/>
+                <a:latin typeface="Arial"/>
+                <a:ea typeface="Arial"/>
+                <a:cs typeface="Arial"/>
+                <a:sym typeface="Arial"/>
+              </a:rPr>
+              <a:t> </a:t>
+            </a:r>
+            <a:r>
+              <a:rPr lang="en-US" sz="1100" b="0" i="0" u="none" strike="noStrike" cap="none" dirty="0" err="1">
+                <a:solidFill>
+                  <a:srgbClr val="000000"/>
+                </a:solidFill>
+                <a:effectLst/>
+                <a:latin typeface="Arial"/>
+                <a:ea typeface="Arial"/>
+                <a:cs typeface="Arial"/>
+                <a:sym typeface="Arial"/>
+              </a:rPr>
+              <a:t>lingkingan</a:t>
+            </a:r>
+            <a:r>
+              <a:rPr lang="en-US" sz="1100" b="0" i="0" u="none" strike="noStrike" cap="none" dirty="0">
+                <a:solidFill>
+                  <a:srgbClr val="000000"/>
+                </a:solidFill>
+                <a:effectLst/>
+                <a:latin typeface="Arial"/>
+                <a:ea typeface="Arial"/>
+                <a:cs typeface="Arial"/>
+                <a:sym typeface="Arial"/>
+              </a:rPr>
+              <a:t>. </a:t>
+            </a:r>
+            <a:r>
+              <a:rPr lang="en-US" sz="1100" b="0" i="0" u="none" strike="noStrike" cap="none" dirty="0" err="1">
+                <a:solidFill>
+                  <a:srgbClr val="000000"/>
+                </a:solidFill>
+                <a:effectLst/>
+                <a:latin typeface="Arial"/>
+                <a:ea typeface="Arial"/>
+                <a:cs typeface="Arial"/>
+                <a:sym typeface="Arial"/>
+              </a:rPr>
+              <a:t>Mengingat</a:t>
+            </a:r>
+            <a:r>
+              <a:rPr lang="en-US" sz="1100" b="0" i="0" u="none" strike="noStrike" cap="none" dirty="0">
+                <a:solidFill>
+                  <a:srgbClr val="000000"/>
+                </a:solidFill>
+                <a:effectLst/>
+                <a:latin typeface="Arial"/>
+                <a:ea typeface="Arial"/>
+                <a:cs typeface="Arial"/>
+                <a:sym typeface="Arial"/>
+              </a:rPr>
+              <a:t> </a:t>
+            </a:r>
+            <a:r>
+              <a:rPr lang="en-US" sz="1100" b="0" i="0" u="none" strike="noStrike" cap="none" dirty="0" err="1">
+                <a:solidFill>
+                  <a:srgbClr val="000000"/>
+                </a:solidFill>
+                <a:effectLst/>
+                <a:latin typeface="Arial"/>
+                <a:ea typeface="Arial"/>
+                <a:cs typeface="Arial"/>
+                <a:sym typeface="Arial"/>
+              </a:rPr>
+              <a:t>pentingnya</a:t>
+            </a:r>
+            <a:r>
+              <a:rPr lang="en-US" sz="1100" b="0" i="0" u="none" strike="noStrike" cap="none" dirty="0">
+                <a:solidFill>
+                  <a:srgbClr val="000000"/>
+                </a:solidFill>
+                <a:effectLst/>
+                <a:latin typeface="Arial"/>
+                <a:ea typeface="Arial"/>
+                <a:cs typeface="Arial"/>
+                <a:sym typeface="Arial"/>
+              </a:rPr>
+              <a:t> </a:t>
+            </a:r>
+            <a:r>
+              <a:rPr lang="en-US" sz="1100" b="0" i="0" u="none" strike="noStrike" cap="none" dirty="0" err="1">
+                <a:solidFill>
+                  <a:srgbClr val="000000"/>
+                </a:solidFill>
+                <a:effectLst/>
+                <a:latin typeface="Arial"/>
+                <a:ea typeface="Arial"/>
+                <a:cs typeface="Arial"/>
+                <a:sym typeface="Arial"/>
+              </a:rPr>
+              <a:t>fungsi</a:t>
+            </a:r>
+            <a:r>
+              <a:rPr lang="en-US" sz="1100" b="0" i="0" u="none" strike="noStrike" cap="none" dirty="0">
+                <a:solidFill>
+                  <a:srgbClr val="000000"/>
+                </a:solidFill>
+                <a:effectLst/>
+                <a:latin typeface="Arial"/>
+                <a:ea typeface="Arial"/>
+                <a:cs typeface="Arial"/>
+                <a:sym typeface="Arial"/>
+              </a:rPr>
+              <a:t> </a:t>
+            </a:r>
+            <a:r>
+              <a:rPr lang="en-US" sz="1100" b="0" i="0" u="none" strike="noStrike" cap="none" dirty="0" err="1">
+                <a:solidFill>
+                  <a:srgbClr val="000000"/>
+                </a:solidFill>
+                <a:effectLst/>
+                <a:latin typeface="Arial"/>
+                <a:ea typeface="Arial"/>
+                <a:cs typeface="Arial"/>
+                <a:sym typeface="Arial"/>
+              </a:rPr>
+              <a:t>lahan</a:t>
+            </a:r>
+            <a:r>
+              <a:rPr lang="en-US" sz="1100" b="0" i="0" u="none" strike="noStrike" cap="none" dirty="0">
+                <a:solidFill>
+                  <a:srgbClr val="000000"/>
+                </a:solidFill>
+                <a:effectLst/>
+                <a:latin typeface="Arial"/>
+                <a:ea typeface="Arial"/>
+                <a:cs typeface="Arial"/>
+                <a:sym typeface="Arial"/>
+              </a:rPr>
+              <a:t> </a:t>
+            </a:r>
+            <a:r>
+              <a:rPr lang="en-US" sz="1100" b="0" i="0" u="none" strike="noStrike" cap="none" dirty="0" err="1">
+                <a:solidFill>
+                  <a:srgbClr val="000000"/>
+                </a:solidFill>
+                <a:effectLst/>
+                <a:latin typeface="Arial"/>
+                <a:ea typeface="Arial"/>
+                <a:cs typeface="Arial"/>
+                <a:sym typeface="Arial"/>
+              </a:rPr>
+              <a:t>gambut</a:t>
+            </a:r>
+            <a:r>
+              <a:rPr lang="en-US" sz="1100" b="0" i="0" u="none" strike="noStrike" cap="none" dirty="0">
+                <a:solidFill>
+                  <a:srgbClr val="000000"/>
+                </a:solidFill>
+                <a:effectLst/>
+                <a:latin typeface="Arial"/>
+                <a:ea typeface="Arial"/>
+                <a:cs typeface="Arial"/>
+                <a:sym typeface="Arial"/>
+              </a:rPr>
+              <a:t> </a:t>
+            </a:r>
+            <a:r>
+              <a:rPr lang="en-US" sz="1100" b="0" i="0" u="none" strike="noStrike" cap="none" dirty="0" err="1">
+                <a:solidFill>
+                  <a:srgbClr val="000000"/>
+                </a:solidFill>
+                <a:effectLst/>
+                <a:latin typeface="Arial"/>
+                <a:ea typeface="Arial"/>
+                <a:cs typeface="Arial"/>
+                <a:sym typeface="Arial"/>
+              </a:rPr>
+              <a:t>bagi</a:t>
+            </a:r>
+            <a:r>
+              <a:rPr lang="en-US" sz="1100" b="0" i="0" u="none" strike="noStrike" cap="none" dirty="0">
+                <a:solidFill>
+                  <a:srgbClr val="000000"/>
+                </a:solidFill>
+                <a:effectLst/>
+                <a:latin typeface="Arial"/>
+                <a:ea typeface="Arial"/>
+                <a:cs typeface="Arial"/>
+                <a:sym typeface="Arial"/>
+              </a:rPr>
+              <a:t> </a:t>
+            </a:r>
+            <a:r>
+              <a:rPr lang="en-US" sz="1100" b="0" i="0" u="none" strike="noStrike" cap="none" dirty="0" err="1">
+                <a:solidFill>
+                  <a:srgbClr val="000000"/>
+                </a:solidFill>
+                <a:effectLst/>
+                <a:latin typeface="Arial"/>
+                <a:ea typeface="Arial"/>
+                <a:cs typeface="Arial"/>
+                <a:sym typeface="Arial"/>
+              </a:rPr>
+              <a:t>ekosistem</a:t>
+            </a:r>
+            <a:r>
+              <a:rPr lang="en-US" sz="1100" b="0" i="0" u="none" strike="noStrike" cap="none" dirty="0">
+                <a:solidFill>
+                  <a:srgbClr val="000000"/>
+                </a:solidFill>
+                <a:effectLst/>
+                <a:latin typeface="Arial"/>
+                <a:ea typeface="Arial"/>
+                <a:cs typeface="Arial"/>
+                <a:sym typeface="Arial"/>
+              </a:rPr>
+              <a:t> </a:t>
+            </a:r>
+            <a:r>
+              <a:rPr lang="en-US" sz="1100" b="0" i="0" u="none" strike="noStrike" cap="none" dirty="0" err="1">
+                <a:solidFill>
+                  <a:srgbClr val="000000"/>
+                </a:solidFill>
+                <a:effectLst/>
+                <a:latin typeface="Arial"/>
+                <a:ea typeface="Arial"/>
+                <a:cs typeface="Arial"/>
+                <a:sym typeface="Arial"/>
+              </a:rPr>
+              <a:t>meliputi</a:t>
+            </a:r>
+            <a:r>
+              <a:rPr lang="en-US" sz="1100" b="0" i="0" u="none" strike="noStrike" cap="none" dirty="0">
+                <a:solidFill>
+                  <a:srgbClr val="000000"/>
+                </a:solidFill>
+                <a:effectLst/>
+                <a:latin typeface="Arial"/>
+                <a:ea typeface="Arial"/>
+                <a:cs typeface="Arial"/>
+                <a:sym typeface="Arial"/>
+              </a:rPr>
+              <a:t> </a:t>
+            </a:r>
+            <a:r>
+              <a:rPr lang="id-ID" sz="1100" b="0" i="0" u="none" strike="noStrike" cap="none" dirty="0">
+                <a:solidFill>
+                  <a:srgbClr val="000000"/>
+                </a:solidFill>
+                <a:effectLst/>
+                <a:latin typeface="Arial"/>
+                <a:ea typeface="Arial"/>
+                <a:cs typeface="Arial"/>
+                <a:sym typeface="Arial"/>
+              </a:rPr>
+              <a:t>serapan air hujan, pencegah banjir dan penjamin pasokan air sepanjang tahun</a:t>
+            </a:r>
+            <a:r>
+              <a:rPr lang="en-US" sz="1100" b="0" i="0" u="none" strike="noStrike" cap="none" dirty="0">
+                <a:solidFill>
+                  <a:srgbClr val="000000"/>
+                </a:solidFill>
+                <a:effectLst/>
+                <a:latin typeface="Arial"/>
+                <a:ea typeface="Arial"/>
+                <a:cs typeface="Arial"/>
+                <a:sym typeface="Arial"/>
+              </a:rPr>
+              <a:t>.</a:t>
+            </a:r>
+            <a:endParaRPr lang="id-ID" sz="1100" b="0" i="0" u="none" strike="noStrike" cap="none" dirty="0">
+              <a:solidFill>
+                <a:srgbClr val="000000"/>
+              </a:solidFill>
+              <a:effectLst/>
+              <a:latin typeface="Arial"/>
+              <a:ea typeface="Arial"/>
+              <a:cs typeface="Arial"/>
+              <a:sym typeface="Arial"/>
+            </a:endParaRPr>
+          </a:p>
+          <a:p>
+            <a:pPr marL="171450" marR="0" lvl="0" indent="-171450" algn="l" defTabSz="914400" rtl="0" eaLnBrk="1" fontAlgn="auto" latinLnBrk="0" hangingPunct="1">
+              <a:lnSpc>
+                <a:spcPct val="100000"/>
+              </a:lnSpc>
+              <a:spcBef>
+                <a:spcPts val="0"/>
+              </a:spcBef>
+              <a:spcAft>
+                <a:spcPts val="0"/>
+              </a:spcAft>
+              <a:buClr>
+                <a:srgbClr val="000000"/>
+              </a:buClr>
+              <a:buSzPts val="1400"/>
+              <a:tabLst/>
+              <a:defRPr/>
+            </a:pPr>
+            <a:endParaRPr lang="id-ID" sz="1100" b="0" i="0" u="none" strike="noStrike" cap="none" dirty="0">
+              <a:solidFill>
+                <a:srgbClr val="000000"/>
+              </a:solidFill>
+              <a:effectLst/>
+              <a:latin typeface="Arial"/>
+              <a:ea typeface="Arial"/>
+              <a:cs typeface="Arial"/>
+              <a:sym typeface="Arial"/>
+            </a:endParaRPr>
           </a:p>
         </p:txBody>
       </p:sp>
@@ -5560,14 +11422,1079 @@
           </a:bodyPr>
           <a:lstStyle/>
           <a:p>
-            <a:pPr marL="0" lvl="0" indent="0" algn="l" rtl="0">
+            <a:pPr marL="171450" marR="0" lvl="0" indent="-171450" algn="l" defTabSz="914400" rtl="0" eaLnBrk="1" fontAlgn="auto" latinLnBrk="0" hangingPunct="1">
+              <a:lnSpc>
+                <a:spcPct val="100000"/>
+              </a:lnSpc>
               <a:spcBef>
                 <a:spcPts val="0"/>
               </a:spcBef>
               <a:spcAft>
                 <a:spcPts val="0"/>
               </a:spcAft>
-              <a:buNone/>
+              <a:buClr>
+                <a:srgbClr val="000000"/>
+              </a:buClr>
+              <a:buSzPts val="1400"/>
+              <a:buFont typeface="Arial"/>
+              <a:buChar char="●"/>
+              <a:tabLst/>
+              <a:defRPr/>
+            </a:pPr>
+            <a:r>
+              <a:rPr lang="en-US" sz="1100" b="0" i="0" u="none" strike="noStrike" cap="none" dirty="0">
+                <a:solidFill>
+                  <a:srgbClr val="000000"/>
+                </a:solidFill>
+                <a:effectLst/>
+                <a:latin typeface="Arial"/>
+                <a:ea typeface="Arial"/>
+                <a:cs typeface="Arial"/>
+                <a:sym typeface="Arial"/>
+              </a:rPr>
+              <a:t>Salah </a:t>
+            </a:r>
+            <a:r>
+              <a:rPr lang="en-US" sz="1100" b="0" i="0" u="none" strike="noStrike" cap="none" dirty="0" err="1">
+                <a:solidFill>
+                  <a:srgbClr val="000000"/>
+                </a:solidFill>
+                <a:effectLst/>
+                <a:latin typeface="Arial"/>
+                <a:ea typeface="Arial"/>
+                <a:cs typeface="Arial"/>
+                <a:sym typeface="Arial"/>
+              </a:rPr>
+              <a:t>satu</a:t>
+            </a:r>
+            <a:r>
+              <a:rPr lang="en-US" sz="1100" b="0" i="0" u="none" strike="noStrike" cap="none" dirty="0">
+                <a:solidFill>
+                  <a:srgbClr val="000000"/>
+                </a:solidFill>
+                <a:effectLst/>
+                <a:latin typeface="Arial"/>
+                <a:ea typeface="Arial"/>
+                <a:cs typeface="Arial"/>
+                <a:sym typeface="Arial"/>
+              </a:rPr>
+              <a:t> </a:t>
+            </a:r>
+            <a:r>
+              <a:rPr lang="en-US" sz="1100" b="0" i="0" u="none" strike="noStrike" cap="none" dirty="0" err="1">
+                <a:solidFill>
+                  <a:srgbClr val="000000"/>
+                </a:solidFill>
+                <a:effectLst/>
+                <a:latin typeface="Arial"/>
+                <a:ea typeface="Arial"/>
+                <a:cs typeface="Arial"/>
+                <a:sym typeface="Arial"/>
+              </a:rPr>
+              <a:t>penyebab</a:t>
+            </a:r>
+            <a:r>
+              <a:rPr lang="en-US" sz="1100" b="0" i="0" u="none" strike="noStrike" cap="none" dirty="0">
+                <a:solidFill>
+                  <a:srgbClr val="000000"/>
+                </a:solidFill>
+                <a:effectLst/>
+                <a:latin typeface="Arial"/>
+                <a:ea typeface="Arial"/>
+                <a:cs typeface="Arial"/>
+                <a:sym typeface="Arial"/>
+              </a:rPr>
+              <a:t> </a:t>
+            </a:r>
+            <a:r>
+              <a:rPr lang="en-US" sz="1100" b="0" i="0" u="none" strike="noStrike" cap="none" dirty="0" err="1">
+                <a:solidFill>
+                  <a:srgbClr val="000000"/>
+                </a:solidFill>
+                <a:effectLst/>
+                <a:latin typeface="Arial"/>
+                <a:ea typeface="Arial"/>
+                <a:cs typeface="Arial"/>
+                <a:sym typeface="Arial"/>
+              </a:rPr>
+              <a:t>terjadinya</a:t>
+            </a:r>
+            <a:r>
+              <a:rPr lang="en-US" sz="1100" b="0" i="0" u="none" strike="noStrike" cap="none" dirty="0">
+                <a:solidFill>
+                  <a:srgbClr val="000000"/>
+                </a:solidFill>
+                <a:effectLst/>
+                <a:latin typeface="Arial"/>
+                <a:ea typeface="Arial"/>
+                <a:cs typeface="Arial"/>
+                <a:sym typeface="Arial"/>
+              </a:rPr>
+              <a:t> </a:t>
+            </a:r>
+            <a:r>
+              <a:rPr lang="en-US" sz="1100" b="0" i="0" u="none" strike="noStrike" cap="none" dirty="0" err="1">
+                <a:solidFill>
+                  <a:srgbClr val="000000"/>
+                </a:solidFill>
+                <a:effectLst/>
+                <a:latin typeface="Arial"/>
+                <a:ea typeface="Arial"/>
+                <a:cs typeface="Arial"/>
+                <a:sym typeface="Arial"/>
+              </a:rPr>
+              <a:t>deforestasi</a:t>
+            </a:r>
+            <a:r>
+              <a:rPr lang="en-US" sz="1100" b="0" i="0" u="none" strike="noStrike" cap="none" dirty="0">
+                <a:solidFill>
+                  <a:srgbClr val="000000"/>
+                </a:solidFill>
+                <a:effectLst/>
+                <a:latin typeface="Arial"/>
+                <a:ea typeface="Arial"/>
+                <a:cs typeface="Arial"/>
+                <a:sym typeface="Arial"/>
+              </a:rPr>
+              <a:t> </a:t>
+            </a:r>
+            <a:r>
+              <a:rPr lang="en-US" sz="1100" b="0" i="0" u="none" strike="noStrike" cap="none" dirty="0" err="1">
+                <a:solidFill>
+                  <a:srgbClr val="000000"/>
+                </a:solidFill>
+                <a:effectLst/>
+                <a:latin typeface="Arial"/>
+                <a:ea typeface="Arial"/>
+                <a:cs typeface="Arial"/>
+                <a:sym typeface="Arial"/>
+              </a:rPr>
+              <a:t>hutan</a:t>
+            </a:r>
+            <a:r>
+              <a:rPr lang="en-US" sz="1100" b="0" i="0" u="none" strike="noStrike" cap="none" dirty="0">
+                <a:solidFill>
+                  <a:srgbClr val="000000"/>
+                </a:solidFill>
+                <a:effectLst/>
+                <a:latin typeface="Arial"/>
+                <a:ea typeface="Arial"/>
+                <a:cs typeface="Arial"/>
+                <a:sym typeface="Arial"/>
+              </a:rPr>
+              <a:t> dan </a:t>
+            </a:r>
+            <a:r>
+              <a:rPr lang="en-US" sz="1100" b="0" i="0" u="none" strike="noStrike" cap="none" dirty="0" err="1">
+                <a:solidFill>
+                  <a:srgbClr val="000000"/>
+                </a:solidFill>
+                <a:effectLst/>
+                <a:latin typeface="Arial"/>
+                <a:ea typeface="Arial"/>
+                <a:cs typeface="Arial"/>
+                <a:sym typeface="Arial"/>
+              </a:rPr>
+              <a:t>lahan</a:t>
+            </a:r>
+            <a:r>
+              <a:rPr lang="en-US" sz="1100" b="0" i="0" u="none" strike="noStrike" cap="none" dirty="0">
+                <a:solidFill>
+                  <a:srgbClr val="000000"/>
+                </a:solidFill>
+                <a:effectLst/>
+                <a:latin typeface="Arial"/>
+                <a:ea typeface="Arial"/>
+                <a:cs typeface="Arial"/>
+                <a:sym typeface="Arial"/>
+              </a:rPr>
+              <a:t> </a:t>
+            </a:r>
+            <a:r>
+              <a:rPr lang="en-US" sz="1100" b="0" i="0" u="none" strike="noStrike" cap="none" dirty="0" err="1">
+                <a:solidFill>
+                  <a:srgbClr val="000000"/>
+                </a:solidFill>
+                <a:effectLst/>
+                <a:latin typeface="Arial"/>
+                <a:ea typeface="Arial"/>
+                <a:cs typeface="Arial"/>
+                <a:sym typeface="Arial"/>
+              </a:rPr>
+              <a:t>adalah</a:t>
+            </a:r>
+            <a:r>
+              <a:rPr lang="en-US" sz="1100" b="0" i="0" u="none" strike="noStrike" cap="none" dirty="0">
+                <a:solidFill>
+                  <a:srgbClr val="000000"/>
+                </a:solidFill>
+                <a:effectLst/>
+                <a:latin typeface="Arial"/>
+                <a:ea typeface="Arial"/>
+                <a:cs typeface="Arial"/>
+                <a:sym typeface="Arial"/>
+              </a:rPr>
+              <a:t> </a:t>
+            </a:r>
+            <a:r>
+              <a:rPr lang="en-US" sz="1100" b="0" i="0" u="none" strike="noStrike" cap="none" dirty="0" err="1">
+                <a:solidFill>
+                  <a:srgbClr val="000000"/>
+                </a:solidFill>
+                <a:effectLst/>
+                <a:latin typeface="Arial"/>
+                <a:ea typeface="Arial"/>
+                <a:cs typeface="Arial"/>
+                <a:sym typeface="Arial"/>
+              </a:rPr>
+              <a:t>kebakaran</a:t>
+            </a:r>
+            <a:r>
+              <a:rPr lang="en-US" sz="1100" b="0" i="0" u="none" strike="noStrike" cap="none" dirty="0">
+                <a:solidFill>
+                  <a:srgbClr val="000000"/>
+                </a:solidFill>
+                <a:effectLst/>
+                <a:latin typeface="Arial"/>
+                <a:ea typeface="Arial"/>
+                <a:cs typeface="Arial"/>
+                <a:sym typeface="Arial"/>
+              </a:rPr>
+              <a:t>, </a:t>
+            </a:r>
+            <a:r>
+              <a:rPr lang="en-US" sz="1100" b="0" i="0" u="none" strike="noStrike" cap="none" dirty="0" err="1">
+                <a:solidFill>
+                  <a:srgbClr val="000000"/>
+                </a:solidFill>
+                <a:effectLst/>
+                <a:latin typeface="Arial"/>
+                <a:ea typeface="Arial"/>
+                <a:cs typeface="Arial"/>
+                <a:sym typeface="Arial"/>
+              </a:rPr>
+              <a:t>atau</a:t>
+            </a:r>
+            <a:r>
+              <a:rPr lang="en-US" sz="1100" b="0" i="0" u="none" strike="noStrike" cap="none" dirty="0">
+                <a:solidFill>
+                  <a:srgbClr val="000000"/>
+                </a:solidFill>
+                <a:effectLst/>
+                <a:latin typeface="Arial"/>
+                <a:ea typeface="Arial"/>
+                <a:cs typeface="Arial"/>
+                <a:sym typeface="Arial"/>
+              </a:rPr>
+              <a:t> </a:t>
+            </a:r>
+            <a:r>
+              <a:rPr lang="en-US" sz="1100" b="0" i="0" u="none" strike="noStrike" cap="none" dirty="0" err="1">
+                <a:solidFill>
+                  <a:srgbClr val="000000"/>
+                </a:solidFill>
+                <a:effectLst/>
+                <a:latin typeface="Arial"/>
+                <a:ea typeface="Arial"/>
+                <a:cs typeface="Arial"/>
+                <a:sym typeface="Arial"/>
+              </a:rPr>
+              <a:t>biasa</a:t>
+            </a:r>
+            <a:r>
+              <a:rPr lang="en-US" sz="1100" b="0" i="0" u="none" strike="noStrike" cap="none" dirty="0">
+                <a:solidFill>
+                  <a:srgbClr val="000000"/>
+                </a:solidFill>
+                <a:effectLst/>
+                <a:latin typeface="Arial"/>
+                <a:ea typeface="Arial"/>
+                <a:cs typeface="Arial"/>
+                <a:sym typeface="Arial"/>
+              </a:rPr>
+              <a:t> </a:t>
+            </a:r>
+            <a:r>
+              <a:rPr lang="en-US" sz="1100" b="0" i="0" u="none" strike="noStrike" cap="none" dirty="0" err="1">
+                <a:solidFill>
+                  <a:srgbClr val="000000"/>
+                </a:solidFill>
+                <a:effectLst/>
+                <a:latin typeface="Arial"/>
+                <a:ea typeface="Arial"/>
+                <a:cs typeface="Arial"/>
+                <a:sym typeface="Arial"/>
+              </a:rPr>
+              <a:t>disebut</a:t>
+            </a:r>
+            <a:r>
+              <a:rPr lang="en-US" sz="1100" b="0" i="0" u="none" strike="noStrike" cap="none" dirty="0">
+                <a:solidFill>
+                  <a:srgbClr val="000000"/>
+                </a:solidFill>
+                <a:effectLst/>
+                <a:latin typeface="Arial"/>
+                <a:ea typeface="Arial"/>
+                <a:cs typeface="Arial"/>
+                <a:sym typeface="Arial"/>
+              </a:rPr>
+              <a:t> </a:t>
+            </a:r>
+            <a:r>
+              <a:rPr lang="en-US" sz="1100" b="0" i="0" u="none" strike="noStrike" cap="none" dirty="0" err="1">
+                <a:solidFill>
+                  <a:srgbClr val="000000"/>
+                </a:solidFill>
+                <a:effectLst/>
+                <a:latin typeface="Arial"/>
+                <a:ea typeface="Arial"/>
+                <a:cs typeface="Arial"/>
+                <a:sym typeface="Arial"/>
+              </a:rPr>
+              <a:t>karhutla</a:t>
+            </a:r>
+            <a:r>
+              <a:rPr lang="en-US" sz="1100" b="0" i="0" u="none" strike="noStrike" cap="none" dirty="0">
+                <a:solidFill>
+                  <a:srgbClr val="000000"/>
+                </a:solidFill>
+                <a:effectLst/>
+                <a:latin typeface="Arial"/>
+                <a:ea typeface="Arial"/>
+                <a:cs typeface="Arial"/>
+                <a:sym typeface="Arial"/>
+              </a:rPr>
+              <a:t>. </a:t>
+            </a:r>
+            <a:r>
+              <a:rPr lang="en-US" sz="1100" b="0" i="0" u="none" strike="noStrike" cap="none" dirty="0" err="1">
+                <a:solidFill>
+                  <a:srgbClr val="000000"/>
+                </a:solidFill>
+                <a:effectLst/>
+                <a:latin typeface="Arial"/>
+                <a:ea typeface="Arial"/>
+                <a:cs typeface="Arial"/>
+                <a:sym typeface="Arial"/>
+              </a:rPr>
+              <a:t>Hampir</a:t>
+            </a:r>
+            <a:r>
+              <a:rPr lang="en-US" sz="1100" b="0" i="0" u="none" strike="noStrike" cap="none" dirty="0">
+                <a:solidFill>
+                  <a:srgbClr val="000000"/>
+                </a:solidFill>
+                <a:effectLst/>
+                <a:latin typeface="Arial"/>
+                <a:ea typeface="Arial"/>
+                <a:cs typeface="Arial"/>
+                <a:sym typeface="Arial"/>
+              </a:rPr>
+              <a:t> </a:t>
+            </a:r>
+            <a:r>
+              <a:rPr lang="en-US" sz="1100" b="0" i="0" u="none" strike="noStrike" cap="none" dirty="0" err="1">
+                <a:solidFill>
+                  <a:srgbClr val="000000"/>
+                </a:solidFill>
+                <a:effectLst/>
+                <a:latin typeface="Arial"/>
+                <a:ea typeface="Arial"/>
+                <a:cs typeface="Arial"/>
+                <a:sym typeface="Arial"/>
+              </a:rPr>
+              <a:t>seluruh</a:t>
+            </a:r>
+            <a:r>
+              <a:rPr lang="en-US" sz="1100" b="0" i="0" u="none" strike="noStrike" cap="none" dirty="0">
+                <a:solidFill>
+                  <a:srgbClr val="000000"/>
+                </a:solidFill>
+                <a:effectLst/>
+                <a:latin typeface="Arial"/>
+                <a:ea typeface="Arial"/>
+                <a:cs typeface="Arial"/>
+                <a:sym typeface="Arial"/>
+              </a:rPr>
+              <a:t> </a:t>
+            </a:r>
+            <a:r>
+              <a:rPr lang="en-US" sz="1100" b="0" i="0" u="none" strike="noStrike" cap="none" dirty="0" err="1">
+                <a:solidFill>
+                  <a:srgbClr val="000000"/>
+                </a:solidFill>
+                <a:effectLst/>
+                <a:latin typeface="Arial"/>
+                <a:ea typeface="Arial"/>
+                <a:cs typeface="Arial"/>
+                <a:sym typeface="Arial"/>
+              </a:rPr>
+              <a:t>kebakaran</a:t>
+            </a:r>
+            <a:r>
+              <a:rPr lang="en-US" sz="1100" b="0" i="0" u="none" strike="noStrike" cap="none" dirty="0">
+                <a:solidFill>
+                  <a:srgbClr val="000000"/>
+                </a:solidFill>
+                <a:effectLst/>
+                <a:latin typeface="Arial"/>
+                <a:ea typeface="Arial"/>
+                <a:cs typeface="Arial"/>
+                <a:sym typeface="Arial"/>
+              </a:rPr>
+              <a:t> </a:t>
+            </a:r>
+            <a:r>
+              <a:rPr lang="en-US" sz="1100" b="0" i="0" u="none" strike="noStrike" cap="none" dirty="0" err="1">
+                <a:solidFill>
+                  <a:srgbClr val="000000"/>
+                </a:solidFill>
+                <a:effectLst/>
+                <a:latin typeface="Arial"/>
+                <a:ea typeface="Arial"/>
+                <a:cs typeface="Arial"/>
+                <a:sym typeface="Arial"/>
+              </a:rPr>
+              <a:t>hutan</a:t>
+            </a:r>
+            <a:r>
+              <a:rPr lang="en-US" sz="1100" b="0" i="0" u="none" strike="noStrike" cap="none" dirty="0">
+                <a:solidFill>
+                  <a:srgbClr val="000000"/>
+                </a:solidFill>
+                <a:effectLst/>
+                <a:latin typeface="Arial"/>
+                <a:ea typeface="Arial"/>
+                <a:cs typeface="Arial"/>
+                <a:sym typeface="Arial"/>
+              </a:rPr>
+              <a:t> dan </a:t>
+            </a:r>
+            <a:r>
+              <a:rPr lang="en-US" sz="1100" b="0" i="0" u="none" strike="noStrike" cap="none" dirty="0" err="1">
+                <a:solidFill>
+                  <a:srgbClr val="000000"/>
+                </a:solidFill>
+                <a:effectLst/>
+                <a:latin typeface="Arial"/>
+                <a:ea typeface="Arial"/>
+                <a:cs typeface="Arial"/>
+                <a:sym typeface="Arial"/>
+              </a:rPr>
+              <a:t>lahan</a:t>
+            </a:r>
+            <a:r>
+              <a:rPr lang="en-US" sz="1100" b="0" i="0" u="none" strike="noStrike" cap="none" dirty="0">
+                <a:solidFill>
+                  <a:srgbClr val="000000"/>
+                </a:solidFill>
+                <a:effectLst/>
+                <a:latin typeface="Arial"/>
+                <a:ea typeface="Arial"/>
+                <a:cs typeface="Arial"/>
+                <a:sym typeface="Arial"/>
+              </a:rPr>
+              <a:t> </a:t>
+            </a:r>
+            <a:r>
+              <a:rPr lang="en-US" sz="1100" b="0" i="0" u="none" strike="noStrike" cap="none" dirty="0" err="1">
+                <a:solidFill>
+                  <a:srgbClr val="000000"/>
+                </a:solidFill>
+                <a:effectLst/>
+                <a:latin typeface="Arial"/>
+                <a:ea typeface="Arial"/>
+                <a:cs typeface="Arial"/>
+                <a:sym typeface="Arial"/>
+              </a:rPr>
+              <a:t>terjadi</a:t>
+            </a:r>
+            <a:r>
+              <a:rPr lang="en-US" sz="1100" b="0" i="0" u="none" strike="noStrike" cap="none" dirty="0">
+                <a:solidFill>
+                  <a:srgbClr val="000000"/>
+                </a:solidFill>
+                <a:effectLst/>
+                <a:latin typeface="Arial"/>
+                <a:ea typeface="Arial"/>
+                <a:cs typeface="Arial"/>
+                <a:sym typeface="Arial"/>
+              </a:rPr>
+              <a:t> </a:t>
+            </a:r>
+            <a:r>
+              <a:rPr lang="en-US" sz="1100" b="0" i="0" u="none" strike="noStrike" cap="none" dirty="0" err="1">
+                <a:solidFill>
+                  <a:srgbClr val="000000"/>
+                </a:solidFill>
+                <a:effectLst/>
+                <a:latin typeface="Arial"/>
+                <a:ea typeface="Arial"/>
+                <a:cs typeface="Arial"/>
+                <a:sym typeface="Arial"/>
+              </a:rPr>
+              <a:t>akibat</a:t>
+            </a:r>
+            <a:r>
+              <a:rPr lang="en-US" sz="1100" b="0" i="0" u="none" strike="noStrike" cap="none" dirty="0">
+                <a:solidFill>
+                  <a:srgbClr val="000000"/>
+                </a:solidFill>
+                <a:effectLst/>
+                <a:latin typeface="Arial"/>
+                <a:ea typeface="Arial"/>
+                <a:cs typeface="Arial"/>
+                <a:sym typeface="Arial"/>
+              </a:rPr>
+              <a:t> </a:t>
+            </a:r>
+            <a:r>
+              <a:rPr lang="en-US" sz="1100" b="0" i="0" u="none" strike="noStrike" cap="none" dirty="0" err="1">
+                <a:solidFill>
+                  <a:srgbClr val="000000"/>
+                </a:solidFill>
+                <a:effectLst/>
+                <a:latin typeface="Arial"/>
+                <a:ea typeface="Arial"/>
+                <a:cs typeface="Arial"/>
+                <a:sym typeface="Arial"/>
+              </a:rPr>
+              <a:t>aktivitas</a:t>
+            </a:r>
+            <a:r>
+              <a:rPr lang="en-US" sz="1100" b="0" i="0" u="none" strike="noStrike" cap="none" dirty="0">
+                <a:solidFill>
+                  <a:srgbClr val="000000"/>
+                </a:solidFill>
+                <a:effectLst/>
+                <a:latin typeface="Arial"/>
+                <a:ea typeface="Arial"/>
+                <a:cs typeface="Arial"/>
+                <a:sym typeface="Arial"/>
+              </a:rPr>
+              <a:t> </a:t>
+            </a:r>
+            <a:r>
+              <a:rPr lang="en-US" sz="1100" b="0" i="0" u="none" strike="noStrike" cap="none" dirty="0" err="1">
+                <a:solidFill>
+                  <a:srgbClr val="000000"/>
+                </a:solidFill>
+                <a:effectLst/>
+                <a:latin typeface="Arial"/>
+                <a:ea typeface="Arial"/>
+                <a:cs typeface="Arial"/>
+                <a:sym typeface="Arial"/>
+              </a:rPr>
+              <a:t>manusia</a:t>
+            </a:r>
+            <a:r>
+              <a:rPr lang="en-US" sz="1100" b="0" i="0" u="none" strike="noStrike" cap="none" dirty="0">
+                <a:solidFill>
+                  <a:srgbClr val="000000"/>
+                </a:solidFill>
+                <a:effectLst/>
+                <a:latin typeface="Arial"/>
+                <a:ea typeface="Arial"/>
+                <a:cs typeface="Arial"/>
+                <a:sym typeface="Arial"/>
+              </a:rPr>
+              <a:t> yang </a:t>
+            </a:r>
+            <a:r>
+              <a:rPr lang="en-US" sz="1100" b="0" i="0" u="none" strike="noStrike" cap="none" dirty="0" err="1">
+                <a:solidFill>
+                  <a:srgbClr val="000000"/>
+                </a:solidFill>
+                <a:effectLst/>
+                <a:latin typeface="Arial"/>
+                <a:ea typeface="Arial"/>
+                <a:cs typeface="Arial"/>
+                <a:sym typeface="Arial"/>
+              </a:rPr>
+              <a:t>dengan</a:t>
+            </a:r>
+            <a:r>
+              <a:rPr lang="en-US" sz="1100" b="0" i="0" u="none" strike="noStrike" cap="none" dirty="0">
+                <a:solidFill>
+                  <a:srgbClr val="000000"/>
+                </a:solidFill>
+                <a:effectLst/>
+                <a:latin typeface="Arial"/>
+                <a:ea typeface="Arial"/>
+                <a:cs typeface="Arial"/>
+                <a:sym typeface="Arial"/>
+              </a:rPr>
+              <a:t> </a:t>
+            </a:r>
+            <a:r>
+              <a:rPr lang="en-US" sz="1100" b="0" i="0" u="none" strike="noStrike" cap="none" dirty="0" err="1">
+                <a:solidFill>
+                  <a:srgbClr val="000000"/>
+                </a:solidFill>
+                <a:effectLst/>
+                <a:latin typeface="Arial"/>
+                <a:ea typeface="Arial"/>
+                <a:cs typeface="Arial"/>
+                <a:sym typeface="Arial"/>
+              </a:rPr>
+              <a:t>sengaja</a:t>
+            </a:r>
+            <a:r>
+              <a:rPr lang="en-US" sz="1100" b="0" i="0" u="none" strike="noStrike" cap="none" dirty="0">
+                <a:solidFill>
+                  <a:srgbClr val="000000"/>
+                </a:solidFill>
+                <a:effectLst/>
+                <a:latin typeface="Arial"/>
+                <a:ea typeface="Arial"/>
+                <a:cs typeface="Arial"/>
+                <a:sym typeface="Arial"/>
+              </a:rPr>
+              <a:t> </a:t>
+            </a:r>
+            <a:r>
+              <a:rPr lang="en-US" sz="1100" b="0" i="0" u="none" strike="noStrike" cap="none" dirty="0" err="1">
+                <a:solidFill>
+                  <a:srgbClr val="000000"/>
+                </a:solidFill>
+                <a:effectLst/>
+                <a:latin typeface="Arial"/>
+                <a:ea typeface="Arial"/>
+                <a:cs typeface="Arial"/>
+                <a:sym typeface="Arial"/>
+              </a:rPr>
+              <a:t>membakar</a:t>
+            </a:r>
+            <a:r>
+              <a:rPr lang="en-US" sz="1100" b="0" i="0" u="none" strike="noStrike" cap="none" dirty="0">
+                <a:solidFill>
+                  <a:srgbClr val="000000"/>
+                </a:solidFill>
+                <a:effectLst/>
+                <a:latin typeface="Arial"/>
+                <a:ea typeface="Arial"/>
+                <a:cs typeface="Arial"/>
+                <a:sym typeface="Arial"/>
+              </a:rPr>
+              <a:t> </a:t>
+            </a:r>
+            <a:r>
+              <a:rPr lang="en-US" sz="1100" b="0" i="0" u="none" strike="noStrike" cap="none" dirty="0" err="1">
+                <a:solidFill>
+                  <a:srgbClr val="000000"/>
+                </a:solidFill>
+                <a:effectLst/>
+                <a:latin typeface="Arial"/>
+                <a:ea typeface="Arial"/>
+                <a:cs typeface="Arial"/>
+                <a:sym typeface="Arial"/>
+              </a:rPr>
+              <a:t>vegetasi</a:t>
+            </a:r>
+            <a:r>
+              <a:rPr lang="en-US" sz="1100" b="0" i="0" u="none" strike="noStrike" cap="none" dirty="0">
+                <a:solidFill>
+                  <a:srgbClr val="000000"/>
+                </a:solidFill>
+                <a:effectLst/>
+                <a:latin typeface="Arial"/>
+                <a:ea typeface="Arial"/>
+                <a:cs typeface="Arial"/>
+                <a:sym typeface="Arial"/>
+              </a:rPr>
+              <a:t> di </a:t>
+            </a:r>
+            <a:r>
+              <a:rPr lang="en-US" sz="1100" b="0" i="0" u="none" strike="noStrike" cap="none" dirty="0" err="1">
+                <a:solidFill>
+                  <a:srgbClr val="000000"/>
+                </a:solidFill>
+                <a:effectLst/>
+                <a:latin typeface="Arial"/>
+                <a:ea typeface="Arial"/>
+                <a:cs typeface="Arial"/>
+                <a:sym typeface="Arial"/>
+              </a:rPr>
+              <a:t>hutan</a:t>
+            </a:r>
+            <a:r>
+              <a:rPr lang="en-US" sz="1100" b="0" i="0" u="none" strike="noStrike" cap="none" dirty="0">
+                <a:solidFill>
+                  <a:srgbClr val="000000"/>
+                </a:solidFill>
+                <a:effectLst/>
+                <a:latin typeface="Arial"/>
+                <a:ea typeface="Arial"/>
+                <a:cs typeface="Arial"/>
+                <a:sym typeface="Arial"/>
+              </a:rPr>
+              <a:t>.</a:t>
+            </a:r>
+          </a:p>
+          <a:p>
+            <a:pPr marL="171450" marR="0" lvl="0" indent="-171450" algn="l" defTabSz="914400" rtl="0" eaLnBrk="1" fontAlgn="auto" latinLnBrk="0" hangingPunct="1">
+              <a:lnSpc>
+                <a:spcPct val="100000"/>
+              </a:lnSpc>
+              <a:spcBef>
+                <a:spcPts val="0"/>
+              </a:spcBef>
+              <a:spcAft>
+                <a:spcPts val="0"/>
+              </a:spcAft>
+              <a:buClr>
+                <a:srgbClr val="000000"/>
+              </a:buClr>
+              <a:buSzPts val="1400"/>
+              <a:buFont typeface="Arial"/>
+              <a:buChar char="●"/>
+              <a:tabLst/>
+              <a:defRPr/>
+            </a:pPr>
+            <a:r>
+              <a:rPr lang="en-US" sz="1100" b="0" i="0" u="none" strike="noStrike" cap="none" dirty="0" err="1">
+                <a:solidFill>
+                  <a:srgbClr val="000000"/>
+                </a:solidFill>
+                <a:effectLst/>
+                <a:latin typeface="Arial"/>
+                <a:ea typeface="Arial"/>
+                <a:cs typeface="Arial"/>
+                <a:sym typeface="Arial"/>
+              </a:rPr>
+              <a:t>Tentunya</a:t>
+            </a:r>
+            <a:r>
+              <a:rPr lang="en-US" sz="1100" b="0" i="0" u="none" strike="noStrike" cap="none" dirty="0">
+                <a:solidFill>
+                  <a:srgbClr val="000000"/>
+                </a:solidFill>
+                <a:effectLst/>
+                <a:latin typeface="Arial"/>
+                <a:ea typeface="Arial"/>
+                <a:cs typeface="Arial"/>
+                <a:sym typeface="Arial"/>
+              </a:rPr>
+              <a:t> </a:t>
+            </a:r>
+            <a:r>
+              <a:rPr lang="en-US" sz="1100" b="0" i="0" u="none" strike="noStrike" cap="none" dirty="0" err="1">
+                <a:solidFill>
+                  <a:srgbClr val="000000"/>
+                </a:solidFill>
+                <a:effectLst/>
+                <a:latin typeface="Arial"/>
+                <a:ea typeface="Arial"/>
+                <a:cs typeface="Arial"/>
+                <a:sym typeface="Arial"/>
+              </a:rPr>
+              <a:t>dari</a:t>
+            </a:r>
+            <a:r>
+              <a:rPr lang="en-US" sz="1100" b="0" i="0" u="none" strike="noStrike" cap="none" dirty="0">
+                <a:solidFill>
+                  <a:srgbClr val="000000"/>
+                </a:solidFill>
+                <a:effectLst/>
+                <a:latin typeface="Arial"/>
+                <a:ea typeface="Arial"/>
+                <a:cs typeface="Arial"/>
+                <a:sym typeface="Arial"/>
+              </a:rPr>
+              <a:t> </a:t>
+            </a:r>
+            <a:r>
+              <a:rPr lang="en-US" sz="1100" b="0" i="0" u="none" strike="noStrike" cap="none" dirty="0" err="1">
+                <a:solidFill>
+                  <a:srgbClr val="000000"/>
+                </a:solidFill>
+                <a:effectLst/>
+                <a:latin typeface="Arial"/>
+                <a:ea typeface="Arial"/>
+                <a:cs typeface="Arial"/>
+                <a:sym typeface="Arial"/>
+              </a:rPr>
+              <a:t>fakta</a:t>
+            </a:r>
+            <a:r>
+              <a:rPr lang="en-US" sz="1100" b="0" i="0" u="none" strike="noStrike" cap="none" dirty="0">
+                <a:solidFill>
+                  <a:srgbClr val="000000"/>
+                </a:solidFill>
+                <a:effectLst/>
+                <a:latin typeface="Arial"/>
+                <a:ea typeface="Arial"/>
+                <a:cs typeface="Arial"/>
+                <a:sym typeface="Arial"/>
+              </a:rPr>
+              <a:t> </a:t>
+            </a:r>
+            <a:r>
+              <a:rPr lang="en-US" sz="1100" b="0" i="0" u="none" strike="noStrike" cap="none" dirty="0" err="1">
+                <a:solidFill>
+                  <a:srgbClr val="000000"/>
+                </a:solidFill>
+                <a:effectLst/>
+                <a:latin typeface="Arial"/>
+                <a:ea typeface="Arial"/>
+                <a:cs typeface="Arial"/>
+                <a:sym typeface="Arial"/>
+              </a:rPr>
+              <a:t>ini</a:t>
+            </a:r>
+            <a:r>
+              <a:rPr lang="en-US" sz="1100" b="0" i="0" u="none" strike="noStrike" cap="none" dirty="0">
+                <a:solidFill>
+                  <a:srgbClr val="000000"/>
+                </a:solidFill>
+                <a:effectLst/>
+                <a:latin typeface="Arial"/>
+                <a:ea typeface="Arial"/>
+                <a:cs typeface="Arial"/>
+                <a:sym typeface="Arial"/>
+              </a:rPr>
+              <a:t> </a:t>
+            </a:r>
+            <a:r>
+              <a:rPr lang="en-US" sz="1100" b="0" i="0" u="none" strike="noStrike" cap="none" dirty="0" err="1">
+                <a:solidFill>
+                  <a:srgbClr val="000000"/>
+                </a:solidFill>
+                <a:effectLst/>
+                <a:latin typeface="Arial"/>
+                <a:ea typeface="Arial"/>
+                <a:cs typeface="Arial"/>
+                <a:sym typeface="Arial"/>
+              </a:rPr>
+              <a:t>dapat</a:t>
+            </a:r>
+            <a:r>
+              <a:rPr lang="en-US" sz="1100" b="0" i="0" u="none" strike="noStrike" cap="none" dirty="0">
+                <a:solidFill>
+                  <a:srgbClr val="000000"/>
+                </a:solidFill>
+                <a:effectLst/>
+                <a:latin typeface="Arial"/>
+                <a:ea typeface="Arial"/>
+                <a:cs typeface="Arial"/>
+                <a:sym typeface="Arial"/>
+              </a:rPr>
+              <a:t> </a:t>
+            </a:r>
+            <a:r>
+              <a:rPr lang="en-US" sz="1100" b="0" i="0" u="none" strike="noStrike" cap="none" dirty="0" err="1">
+                <a:solidFill>
+                  <a:srgbClr val="000000"/>
+                </a:solidFill>
+                <a:effectLst/>
+                <a:latin typeface="Arial"/>
+                <a:ea typeface="Arial"/>
+                <a:cs typeface="Arial"/>
+                <a:sym typeface="Arial"/>
+              </a:rPr>
+              <a:t>ditarik</a:t>
+            </a:r>
+            <a:r>
+              <a:rPr lang="en-US" sz="1100" b="0" i="0" u="none" strike="noStrike" cap="none" dirty="0">
+                <a:solidFill>
+                  <a:srgbClr val="000000"/>
+                </a:solidFill>
+                <a:effectLst/>
+                <a:latin typeface="Arial"/>
+                <a:ea typeface="Arial"/>
+                <a:cs typeface="Arial"/>
+                <a:sym typeface="Arial"/>
+              </a:rPr>
+              <a:t> </a:t>
+            </a:r>
+            <a:r>
+              <a:rPr lang="en-US" sz="1100" b="0" i="0" u="none" strike="noStrike" cap="none" dirty="0" err="1">
+                <a:solidFill>
+                  <a:srgbClr val="000000"/>
+                </a:solidFill>
+                <a:effectLst/>
+                <a:latin typeface="Arial"/>
+                <a:ea typeface="Arial"/>
+                <a:cs typeface="Arial"/>
+                <a:sym typeface="Arial"/>
+              </a:rPr>
+              <a:t>benang</a:t>
+            </a:r>
+            <a:r>
+              <a:rPr lang="en-US" sz="1100" b="0" i="0" u="none" strike="noStrike" cap="none" dirty="0">
+                <a:solidFill>
+                  <a:srgbClr val="000000"/>
+                </a:solidFill>
+                <a:effectLst/>
+                <a:latin typeface="Arial"/>
+                <a:ea typeface="Arial"/>
+                <a:cs typeface="Arial"/>
+                <a:sym typeface="Arial"/>
+              </a:rPr>
+              <a:t> </a:t>
+            </a:r>
+            <a:r>
+              <a:rPr lang="en-US" sz="1100" b="0" i="0" u="none" strike="noStrike" cap="none" dirty="0" err="1">
+                <a:solidFill>
+                  <a:srgbClr val="000000"/>
+                </a:solidFill>
+                <a:effectLst/>
+                <a:latin typeface="Arial"/>
+                <a:ea typeface="Arial"/>
+                <a:cs typeface="Arial"/>
+                <a:sym typeface="Arial"/>
+              </a:rPr>
+              <a:t>merah</a:t>
+            </a:r>
+            <a:r>
+              <a:rPr lang="en-US" sz="1100" b="0" i="0" u="none" strike="noStrike" cap="none" dirty="0">
+                <a:solidFill>
+                  <a:srgbClr val="000000"/>
+                </a:solidFill>
+                <a:effectLst/>
+                <a:latin typeface="Arial"/>
+                <a:ea typeface="Arial"/>
+                <a:cs typeface="Arial"/>
+                <a:sym typeface="Arial"/>
+              </a:rPr>
+              <a:t> </a:t>
+            </a:r>
+            <a:r>
+              <a:rPr lang="en-US" sz="1100" b="0" i="0" u="none" strike="noStrike" cap="none" dirty="0" err="1">
+                <a:solidFill>
+                  <a:srgbClr val="000000"/>
+                </a:solidFill>
+                <a:effectLst/>
+                <a:latin typeface="Arial"/>
+                <a:ea typeface="Arial"/>
+                <a:cs typeface="Arial"/>
+                <a:sym typeface="Arial"/>
+              </a:rPr>
+              <a:t>keterkaitan</a:t>
+            </a:r>
+            <a:r>
+              <a:rPr lang="en-US" sz="1100" b="0" i="0" u="none" strike="noStrike" cap="none" dirty="0">
+                <a:solidFill>
+                  <a:srgbClr val="000000"/>
+                </a:solidFill>
+                <a:effectLst/>
+                <a:latin typeface="Arial"/>
+                <a:ea typeface="Arial"/>
+                <a:cs typeface="Arial"/>
+                <a:sym typeface="Arial"/>
+              </a:rPr>
+              <a:t> </a:t>
+            </a:r>
+            <a:r>
+              <a:rPr lang="en-US" sz="1100" b="0" i="0" u="none" strike="noStrike" cap="none" dirty="0" err="1">
+                <a:solidFill>
+                  <a:srgbClr val="000000"/>
+                </a:solidFill>
+                <a:effectLst/>
+                <a:latin typeface="Arial"/>
+                <a:ea typeface="Arial"/>
+                <a:cs typeface="Arial"/>
+                <a:sym typeface="Arial"/>
+              </a:rPr>
+              <a:t>deforestasi</a:t>
+            </a:r>
+            <a:r>
+              <a:rPr lang="en-US" sz="1100" b="0" i="0" u="none" strike="noStrike" cap="none" dirty="0">
+                <a:solidFill>
+                  <a:srgbClr val="000000"/>
+                </a:solidFill>
+                <a:effectLst/>
+                <a:latin typeface="Arial"/>
+                <a:ea typeface="Arial"/>
+                <a:cs typeface="Arial"/>
+                <a:sym typeface="Arial"/>
+              </a:rPr>
+              <a:t> </a:t>
+            </a:r>
+            <a:r>
+              <a:rPr lang="en-US" sz="1100" b="0" i="0" u="none" strike="noStrike" cap="none" dirty="0" err="1">
+                <a:solidFill>
+                  <a:srgbClr val="000000"/>
+                </a:solidFill>
+                <a:effectLst/>
+                <a:latin typeface="Arial"/>
+                <a:ea typeface="Arial"/>
+                <a:cs typeface="Arial"/>
+                <a:sym typeface="Arial"/>
+              </a:rPr>
+              <a:t>dengen</a:t>
+            </a:r>
+            <a:r>
+              <a:rPr lang="en-US" sz="1100" b="0" i="0" u="none" strike="noStrike" cap="none" dirty="0">
+                <a:solidFill>
+                  <a:srgbClr val="000000"/>
+                </a:solidFill>
+                <a:effectLst/>
+                <a:latin typeface="Arial"/>
+                <a:ea typeface="Arial"/>
+                <a:cs typeface="Arial"/>
+                <a:sym typeface="Arial"/>
+              </a:rPr>
+              <a:t> </a:t>
+            </a:r>
+            <a:r>
+              <a:rPr lang="en-US" sz="1100" b="0" i="0" u="none" strike="noStrike" cap="none" dirty="0" err="1">
+                <a:solidFill>
+                  <a:srgbClr val="000000"/>
+                </a:solidFill>
+                <a:effectLst/>
+                <a:latin typeface="Arial"/>
+                <a:ea typeface="Arial"/>
+                <a:cs typeface="Arial"/>
+                <a:sym typeface="Arial"/>
+              </a:rPr>
+              <a:t>kebakaran</a:t>
+            </a:r>
+            <a:r>
+              <a:rPr lang="en-US" sz="1100" b="0" i="0" u="none" strike="noStrike" cap="none" dirty="0">
+                <a:solidFill>
+                  <a:srgbClr val="000000"/>
+                </a:solidFill>
+                <a:effectLst/>
+                <a:latin typeface="Arial"/>
+                <a:ea typeface="Arial"/>
+                <a:cs typeface="Arial"/>
+                <a:sym typeface="Arial"/>
+              </a:rPr>
+              <a:t> </a:t>
+            </a:r>
+            <a:r>
+              <a:rPr lang="en-US" sz="1100" b="0" i="0" u="none" strike="noStrike" cap="none" dirty="0" err="1">
+                <a:solidFill>
+                  <a:srgbClr val="000000"/>
+                </a:solidFill>
+                <a:effectLst/>
+                <a:latin typeface="Arial"/>
+                <a:ea typeface="Arial"/>
+                <a:cs typeface="Arial"/>
+                <a:sym typeface="Arial"/>
+              </a:rPr>
+              <a:t>hutan</a:t>
+            </a:r>
+            <a:endParaRPr lang="id-ID" sz="1100" b="0" i="0" u="none" strike="noStrike" cap="none" dirty="0">
+              <a:solidFill>
+                <a:srgbClr val="000000"/>
+              </a:solidFill>
+              <a:effectLst/>
+              <a:latin typeface="Arial"/>
+              <a:ea typeface="Arial"/>
+              <a:cs typeface="Arial"/>
+              <a:sym typeface="Arial"/>
+            </a:endParaRPr>
+          </a:p>
+          <a:p>
+            <a:pPr marL="171450" lvl="0" indent="-171450" algn="l" rtl="0">
+              <a:spcBef>
+                <a:spcPts val="0"/>
+              </a:spcBef>
+              <a:spcAft>
+                <a:spcPts val="0"/>
+              </a:spcAft>
             </a:pPr>
             <a:endParaRPr dirty="0"/>
           </a:p>
@@ -5635,53 +12562,685 @@
           <a:bodyPr/>
           <a:lstStyle/>
           <a:p>
+            <a:pPr lvl="0"/>
+            <a:r>
+              <a:rPr lang="en-US" sz="1100" b="0" i="0" u="none" strike="noStrike" cap="none" dirty="0" err="1">
+                <a:solidFill>
+                  <a:srgbClr val="000000"/>
+                </a:solidFill>
+                <a:effectLst/>
+                <a:latin typeface="Arial"/>
+                <a:ea typeface="Arial"/>
+                <a:cs typeface="Arial"/>
+                <a:sym typeface="Arial"/>
+              </a:rPr>
+              <a:t>Penelitian</a:t>
+            </a:r>
+            <a:r>
+              <a:rPr lang="en-US" sz="1100" b="0" i="0" u="none" strike="noStrike" cap="none" dirty="0">
+                <a:solidFill>
+                  <a:srgbClr val="000000"/>
+                </a:solidFill>
+                <a:effectLst/>
+                <a:latin typeface="Arial"/>
+                <a:ea typeface="Arial"/>
+                <a:cs typeface="Arial"/>
+                <a:sym typeface="Arial"/>
+              </a:rPr>
+              <a:t> </a:t>
+            </a:r>
+            <a:r>
+              <a:rPr lang="en-US" sz="1100" b="0" i="0" u="none" strike="noStrike" cap="none" dirty="0" err="1">
+                <a:solidFill>
+                  <a:srgbClr val="000000"/>
+                </a:solidFill>
+                <a:effectLst/>
+                <a:latin typeface="Arial"/>
+                <a:ea typeface="Arial"/>
+                <a:cs typeface="Arial"/>
+                <a:sym typeface="Arial"/>
+              </a:rPr>
+              <a:t>sebelumnya</a:t>
+            </a:r>
+            <a:r>
+              <a:rPr lang="en-US" sz="1100" b="0" i="0" u="none" strike="noStrike" cap="none" dirty="0">
+                <a:solidFill>
+                  <a:srgbClr val="000000"/>
+                </a:solidFill>
+                <a:effectLst/>
+                <a:latin typeface="Arial"/>
+                <a:ea typeface="Arial"/>
+                <a:cs typeface="Arial"/>
+                <a:sym typeface="Arial"/>
+              </a:rPr>
+              <a:t> </a:t>
+            </a:r>
+            <a:r>
+              <a:rPr lang="en-US" sz="1100" b="0" i="0" u="none" strike="noStrike" cap="none" dirty="0" err="1">
+                <a:solidFill>
+                  <a:srgbClr val="000000"/>
+                </a:solidFill>
+                <a:effectLst/>
+                <a:latin typeface="Arial"/>
+                <a:ea typeface="Arial"/>
+                <a:cs typeface="Arial"/>
+                <a:sym typeface="Arial"/>
+              </a:rPr>
+              <a:t>telah</a:t>
+            </a:r>
+            <a:r>
+              <a:rPr lang="en-US" sz="1100" b="0" i="0" u="none" strike="noStrike" cap="none" dirty="0">
+                <a:solidFill>
+                  <a:srgbClr val="000000"/>
+                </a:solidFill>
+                <a:effectLst/>
+                <a:latin typeface="Arial"/>
+                <a:ea typeface="Arial"/>
+                <a:cs typeface="Arial"/>
+                <a:sym typeface="Arial"/>
+              </a:rPr>
+              <a:t> </a:t>
+            </a:r>
+            <a:r>
+              <a:rPr lang="en-US" sz="1100" b="0" i="0" u="none" strike="noStrike" cap="none" dirty="0" err="1">
+                <a:solidFill>
+                  <a:srgbClr val="000000"/>
+                </a:solidFill>
+                <a:effectLst/>
+                <a:latin typeface="Arial"/>
+                <a:ea typeface="Arial"/>
+                <a:cs typeface="Arial"/>
+                <a:sym typeface="Arial"/>
+              </a:rPr>
+              <a:t>berhasil</a:t>
+            </a:r>
+            <a:r>
+              <a:rPr lang="en-US" sz="1100" b="0" i="0" u="none" strike="noStrike" cap="none" dirty="0">
+                <a:solidFill>
+                  <a:srgbClr val="000000"/>
+                </a:solidFill>
+                <a:effectLst/>
+                <a:latin typeface="Arial"/>
+                <a:ea typeface="Arial"/>
+                <a:cs typeface="Arial"/>
+                <a:sym typeface="Arial"/>
+              </a:rPr>
+              <a:t> </a:t>
+            </a:r>
+            <a:r>
+              <a:rPr lang="en-US" sz="1100" b="0" i="0" u="none" strike="noStrike" cap="none" dirty="0" err="1">
+                <a:solidFill>
+                  <a:srgbClr val="000000"/>
+                </a:solidFill>
+                <a:effectLst/>
+                <a:latin typeface="Arial"/>
+                <a:ea typeface="Arial"/>
+                <a:cs typeface="Arial"/>
+                <a:sym typeface="Arial"/>
+              </a:rPr>
+              <a:t>melakukan</a:t>
+            </a:r>
+            <a:r>
+              <a:rPr lang="en-US" sz="1100" b="0" i="0" u="none" strike="noStrike" cap="none" dirty="0">
+                <a:solidFill>
+                  <a:srgbClr val="000000"/>
+                </a:solidFill>
+                <a:effectLst/>
+                <a:latin typeface="Arial"/>
+                <a:ea typeface="Arial"/>
+                <a:cs typeface="Arial"/>
+                <a:sym typeface="Arial"/>
+              </a:rPr>
+              <a:t> proses </a:t>
+            </a:r>
+            <a:r>
+              <a:rPr lang="en-US" sz="1100" b="0" i="0" u="none" strike="noStrike" cap="none" dirty="0" err="1">
+                <a:solidFill>
+                  <a:srgbClr val="000000"/>
+                </a:solidFill>
+                <a:effectLst/>
+                <a:latin typeface="Arial"/>
+                <a:ea typeface="Arial"/>
+                <a:cs typeface="Arial"/>
+                <a:sym typeface="Arial"/>
+              </a:rPr>
+              <a:t>estimasi</a:t>
+            </a:r>
+            <a:r>
+              <a:rPr lang="en-US" sz="1100" b="0" i="0" u="none" strike="noStrike" cap="none" dirty="0">
+                <a:solidFill>
+                  <a:srgbClr val="000000"/>
+                </a:solidFill>
+                <a:effectLst/>
+                <a:latin typeface="Arial"/>
+                <a:ea typeface="Arial"/>
+                <a:cs typeface="Arial"/>
+                <a:sym typeface="Arial"/>
+              </a:rPr>
+              <a:t> </a:t>
+            </a:r>
+            <a:r>
+              <a:rPr lang="en-US" sz="1100" b="0" i="0" u="none" strike="noStrike" cap="none" dirty="0" err="1">
+                <a:solidFill>
+                  <a:srgbClr val="000000"/>
+                </a:solidFill>
+                <a:effectLst/>
+                <a:latin typeface="Arial"/>
+                <a:ea typeface="Arial"/>
+                <a:cs typeface="Arial"/>
+                <a:sym typeface="Arial"/>
+              </a:rPr>
+              <a:t>deforestasi</a:t>
+            </a:r>
+            <a:r>
+              <a:rPr lang="en-US" sz="1100" b="0" i="0" u="none" strike="noStrike" cap="none" dirty="0">
+                <a:solidFill>
+                  <a:srgbClr val="000000"/>
+                </a:solidFill>
+                <a:effectLst/>
+                <a:latin typeface="Arial"/>
+                <a:ea typeface="Arial"/>
+                <a:cs typeface="Arial"/>
+                <a:sym typeface="Arial"/>
+              </a:rPr>
+              <a:t> </a:t>
+            </a:r>
+            <a:r>
+              <a:rPr lang="en-US" sz="1100" b="0" i="0" u="none" strike="noStrike" cap="none" dirty="0" err="1">
+                <a:solidFill>
+                  <a:srgbClr val="000000"/>
+                </a:solidFill>
+                <a:effectLst/>
+                <a:latin typeface="Arial"/>
+                <a:ea typeface="Arial"/>
+                <a:cs typeface="Arial"/>
+                <a:sym typeface="Arial"/>
+              </a:rPr>
+              <a:t>lahan</a:t>
+            </a:r>
+            <a:r>
+              <a:rPr lang="en-US" sz="1100" b="0" i="0" u="none" strike="noStrike" cap="none" dirty="0">
+                <a:solidFill>
+                  <a:srgbClr val="000000"/>
+                </a:solidFill>
+                <a:effectLst/>
+                <a:latin typeface="Arial"/>
+                <a:ea typeface="Arial"/>
+                <a:cs typeface="Arial"/>
+                <a:sym typeface="Arial"/>
+              </a:rPr>
+              <a:t> </a:t>
+            </a:r>
+            <a:r>
+              <a:rPr lang="en-US" sz="1100" b="0" i="0" u="none" strike="noStrike" cap="none" dirty="0" err="1">
+                <a:solidFill>
+                  <a:srgbClr val="000000"/>
+                </a:solidFill>
+                <a:effectLst/>
+                <a:latin typeface="Arial"/>
+                <a:ea typeface="Arial"/>
+                <a:cs typeface="Arial"/>
+                <a:sym typeface="Arial"/>
+              </a:rPr>
+              <a:t>gambut</a:t>
+            </a:r>
+            <a:r>
+              <a:rPr lang="en-US" sz="1100" b="0" i="0" u="none" strike="noStrike" cap="none" dirty="0">
+                <a:solidFill>
+                  <a:srgbClr val="000000"/>
+                </a:solidFill>
+                <a:effectLst/>
+                <a:latin typeface="Arial"/>
+                <a:ea typeface="Arial"/>
+                <a:cs typeface="Arial"/>
+                <a:sym typeface="Arial"/>
+              </a:rPr>
+              <a:t> </a:t>
+            </a:r>
+            <a:r>
+              <a:rPr lang="en-US" sz="1100" b="0" i="0" u="none" strike="noStrike" cap="none" dirty="0" err="1">
+                <a:solidFill>
+                  <a:srgbClr val="000000"/>
+                </a:solidFill>
+                <a:effectLst/>
+                <a:latin typeface="Arial"/>
+                <a:ea typeface="Arial"/>
+                <a:cs typeface="Arial"/>
+                <a:sym typeface="Arial"/>
+              </a:rPr>
+              <a:t>serta</a:t>
+            </a:r>
+            <a:r>
+              <a:rPr lang="en-US" sz="1100" b="0" i="0" u="none" strike="noStrike" cap="none" dirty="0">
+                <a:solidFill>
+                  <a:srgbClr val="000000"/>
+                </a:solidFill>
+                <a:effectLst/>
+                <a:latin typeface="Arial"/>
+                <a:ea typeface="Arial"/>
+                <a:cs typeface="Arial"/>
+                <a:sym typeface="Arial"/>
+              </a:rPr>
+              <a:t> </a:t>
+            </a:r>
+            <a:r>
+              <a:rPr lang="en-US" sz="1100" b="0" i="0" u="none" strike="noStrike" cap="none" dirty="0" err="1">
+                <a:solidFill>
+                  <a:srgbClr val="000000"/>
+                </a:solidFill>
+                <a:effectLst/>
+                <a:latin typeface="Arial"/>
+                <a:ea typeface="Arial"/>
+                <a:cs typeface="Arial"/>
+                <a:sym typeface="Arial"/>
+              </a:rPr>
+              <a:t>keterkaitannya</a:t>
+            </a:r>
+            <a:r>
+              <a:rPr lang="en-US" sz="1100" b="0" i="0" u="none" strike="noStrike" cap="none" dirty="0">
+                <a:solidFill>
+                  <a:srgbClr val="000000"/>
+                </a:solidFill>
+                <a:effectLst/>
+                <a:latin typeface="Arial"/>
+                <a:ea typeface="Arial"/>
+                <a:cs typeface="Arial"/>
+                <a:sym typeface="Arial"/>
+              </a:rPr>
+              <a:t> </a:t>
+            </a:r>
+            <a:r>
+              <a:rPr lang="en-US" sz="1100" b="0" i="0" u="none" strike="noStrike" cap="none" dirty="0" err="1">
+                <a:solidFill>
+                  <a:srgbClr val="000000"/>
+                </a:solidFill>
+                <a:effectLst/>
+                <a:latin typeface="Arial"/>
+                <a:ea typeface="Arial"/>
+                <a:cs typeface="Arial"/>
+                <a:sym typeface="Arial"/>
+              </a:rPr>
+              <a:t>terhadap</a:t>
+            </a:r>
+            <a:r>
+              <a:rPr lang="en-US" sz="1100" b="0" i="0" u="none" strike="noStrike" cap="none" dirty="0">
+                <a:solidFill>
+                  <a:srgbClr val="000000"/>
+                </a:solidFill>
+                <a:effectLst/>
+                <a:latin typeface="Arial"/>
+                <a:ea typeface="Arial"/>
+                <a:cs typeface="Arial"/>
+                <a:sym typeface="Arial"/>
+              </a:rPr>
+              <a:t> </a:t>
+            </a:r>
+            <a:r>
+              <a:rPr lang="en-US" sz="1100" b="0" i="0" u="none" strike="noStrike" cap="none" dirty="0" err="1">
+                <a:solidFill>
+                  <a:srgbClr val="000000"/>
+                </a:solidFill>
+                <a:effectLst/>
+                <a:latin typeface="Arial"/>
+                <a:ea typeface="Arial"/>
+                <a:cs typeface="Arial"/>
+                <a:sym typeface="Arial"/>
+              </a:rPr>
+              <a:t>kebakaran</a:t>
+            </a:r>
+            <a:r>
+              <a:rPr lang="en-US" sz="1100" b="0" i="0" u="none" strike="noStrike" cap="none" dirty="0">
+                <a:solidFill>
+                  <a:srgbClr val="000000"/>
+                </a:solidFill>
+                <a:effectLst/>
+                <a:latin typeface="Arial"/>
+                <a:ea typeface="Arial"/>
+                <a:cs typeface="Arial"/>
+                <a:sym typeface="Arial"/>
+              </a:rPr>
+              <a:t> </a:t>
+            </a:r>
+            <a:r>
+              <a:rPr lang="en-US" sz="1100" b="0" i="0" u="none" strike="noStrike" cap="none" dirty="0" err="1">
+                <a:solidFill>
+                  <a:srgbClr val="000000"/>
+                </a:solidFill>
+                <a:effectLst/>
+                <a:latin typeface="Arial"/>
+                <a:ea typeface="Arial"/>
+                <a:cs typeface="Arial"/>
+                <a:sym typeface="Arial"/>
+              </a:rPr>
+              <a:t>hutan</a:t>
+            </a:r>
+            <a:r>
+              <a:rPr lang="en-US" sz="1100" b="0" i="0" u="none" strike="noStrike" cap="none" dirty="0">
+                <a:solidFill>
+                  <a:srgbClr val="000000"/>
+                </a:solidFill>
+                <a:effectLst/>
+                <a:latin typeface="Arial"/>
+                <a:ea typeface="Arial"/>
+                <a:cs typeface="Arial"/>
+                <a:sym typeface="Arial"/>
+              </a:rPr>
+              <a:t> yang </a:t>
+            </a:r>
+            <a:r>
+              <a:rPr lang="en-US" sz="1100" b="0" i="0" u="none" strike="noStrike" cap="none" dirty="0" err="1">
+                <a:solidFill>
+                  <a:srgbClr val="000000"/>
+                </a:solidFill>
+                <a:effectLst/>
+                <a:latin typeface="Arial"/>
+                <a:ea typeface="Arial"/>
+                <a:cs typeface="Arial"/>
+                <a:sym typeface="Arial"/>
+              </a:rPr>
+              <a:t>terjadi</a:t>
+            </a:r>
+            <a:r>
+              <a:rPr lang="en-US" sz="1100" b="0" i="0" u="none" strike="noStrike" cap="none" dirty="0">
+                <a:solidFill>
+                  <a:srgbClr val="000000"/>
+                </a:solidFill>
+                <a:effectLst/>
+                <a:latin typeface="Arial"/>
+                <a:ea typeface="Arial"/>
+                <a:cs typeface="Arial"/>
+                <a:sym typeface="Arial"/>
+              </a:rPr>
+              <a:t>.</a:t>
+            </a:r>
+            <a:endParaRPr lang="id-ID" sz="1100" b="0" i="0" u="none" strike="noStrike" cap="none" dirty="0">
+              <a:solidFill>
+                <a:srgbClr val="000000"/>
+              </a:solidFill>
+              <a:effectLst/>
+              <a:latin typeface="Arial"/>
+              <a:ea typeface="Arial"/>
+              <a:cs typeface="Arial"/>
+              <a:sym typeface="Arial"/>
+            </a:endParaRPr>
+          </a:p>
+          <a:p>
+            <a:pPr lvl="0"/>
+            <a:r>
+              <a:rPr lang="en-US" sz="1100" b="0" i="0" u="none" strike="noStrike" cap="none" dirty="0" err="1">
+                <a:solidFill>
+                  <a:srgbClr val="000000"/>
+                </a:solidFill>
+                <a:effectLst/>
+                <a:latin typeface="Arial"/>
+                <a:ea typeface="Arial"/>
+                <a:cs typeface="Arial"/>
+                <a:sym typeface="Arial"/>
+              </a:rPr>
+              <a:t>Namun</a:t>
+            </a:r>
+            <a:r>
+              <a:rPr lang="en-US" sz="1100" b="0" i="0" u="none" strike="noStrike" cap="none" dirty="0">
+                <a:solidFill>
+                  <a:srgbClr val="000000"/>
+                </a:solidFill>
+                <a:effectLst/>
+                <a:latin typeface="Arial"/>
+                <a:ea typeface="Arial"/>
+                <a:cs typeface="Arial"/>
+                <a:sym typeface="Arial"/>
+              </a:rPr>
+              <a:t> </a:t>
+            </a:r>
+            <a:r>
+              <a:rPr lang="en-US" sz="1100" b="0" i="0" u="none" strike="noStrike" cap="none" dirty="0" err="1">
+                <a:solidFill>
+                  <a:srgbClr val="000000"/>
+                </a:solidFill>
+                <a:effectLst/>
+                <a:latin typeface="Arial"/>
+                <a:ea typeface="Arial"/>
+                <a:cs typeface="Arial"/>
+                <a:sym typeface="Arial"/>
+              </a:rPr>
+              <a:t>perhitungan</a:t>
+            </a:r>
+            <a:r>
+              <a:rPr lang="en-US" sz="1100" b="0" i="0" u="none" strike="noStrike" cap="none" dirty="0">
+                <a:solidFill>
+                  <a:srgbClr val="000000"/>
+                </a:solidFill>
+                <a:effectLst/>
+                <a:latin typeface="Arial"/>
+                <a:ea typeface="Arial"/>
+                <a:cs typeface="Arial"/>
+                <a:sym typeface="Arial"/>
+              </a:rPr>
+              <a:t> yang </a:t>
+            </a:r>
+            <a:r>
+              <a:rPr lang="en-US" sz="1100" b="0" i="0" u="none" strike="noStrike" cap="none" dirty="0" err="1">
+                <a:solidFill>
+                  <a:srgbClr val="000000"/>
+                </a:solidFill>
+                <a:effectLst/>
+                <a:latin typeface="Arial"/>
+                <a:ea typeface="Arial"/>
+                <a:cs typeface="Arial"/>
+                <a:sym typeface="Arial"/>
+              </a:rPr>
+              <a:t>dilakukan</a:t>
+            </a:r>
+            <a:r>
+              <a:rPr lang="en-US" sz="1100" b="0" i="0" u="none" strike="noStrike" cap="none" dirty="0">
+                <a:solidFill>
+                  <a:srgbClr val="000000"/>
+                </a:solidFill>
+                <a:effectLst/>
+                <a:latin typeface="Arial"/>
+                <a:ea typeface="Arial"/>
+                <a:cs typeface="Arial"/>
+                <a:sym typeface="Arial"/>
+              </a:rPr>
+              <a:t> </a:t>
+            </a:r>
+            <a:r>
+              <a:rPr lang="en-US" sz="1100" b="0" i="0" u="none" strike="noStrike" cap="none" dirty="0" err="1">
+                <a:solidFill>
+                  <a:srgbClr val="000000"/>
+                </a:solidFill>
+                <a:effectLst/>
+                <a:latin typeface="Arial"/>
+                <a:ea typeface="Arial"/>
+                <a:cs typeface="Arial"/>
+                <a:sym typeface="Arial"/>
+              </a:rPr>
+              <a:t>masih</a:t>
+            </a:r>
+            <a:r>
+              <a:rPr lang="en-US" sz="1100" b="0" i="0" u="none" strike="noStrike" cap="none" dirty="0">
+                <a:solidFill>
+                  <a:srgbClr val="000000"/>
+                </a:solidFill>
+                <a:effectLst/>
+                <a:latin typeface="Arial"/>
+                <a:ea typeface="Arial"/>
+                <a:cs typeface="Arial"/>
+                <a:sym typeface="Arial"/>
+              </a:rPr>
+              <a:t> manual dan </a:t>
+            </a:r>
+            <a:r>
+              <a:rPr lang="en-US" sz="1100" b="0" i="0" u="none" strike="noStrike" cap="none" dirty="0" err="1">
+                <a:solidFill>
+                  <a:srgbClr val="000000"/>
+                </a:solidFill>
+                <a:effectLst/>
+                <a:latin typeface="Arial"/>
+                <a:ea typeface="Arial"/>
+                <a:cs typeface="Arial"/>
+                <a:sym typeface="Arial"/>
+              </a:rPr>
+              <a:t>melibatkan</a:t>
+            </a:r>
+            <a:r>
+              <a:rPr lang="en-US" sz="1100" b="0" i="0" u="none" strike="noStrike" cap="none" dirty="0">
+                <a:solidFill>
+                  <a:srgbClr val="000000"/>
+                </a:solidFill>
+                <a:effectLst/>
+                <a:latin typeface="Arial"/>
+                <a:ea typeface="Arial"/>
+                <a:cs typeface="Arial"/>
+                <a:sym typeface="Arial"/>
+              </a:rPr>
+              <a:t> data </a:t>
+            </a:r>
+            <a:r>
+              <a:rPr lang="en-US" sz="1100" b="0" i="0" u="none" strike="noStrike" cap="none" dirty="0" err="1">
+                <a:solidFill>
+                  <a:srgbClr val="000000"/>
+                </a:solidFill>
+                <a:effectLst/>
+                <a:latin typeface="Arial"/>
+                <a:ea typeface="Arial"/>
+                <a:cs typeface="Arial"/>
+                <a:sym typeface="Arial"/>
+              </a:rPr>
+              <a:t>citra</a:t>
+            </a:r>
+            <a:r>
+              <a:rPr lang="en-US" sz="1100" b="0" i="0" u="none" strike="noStrike" cap="none" dirty="0">
+                <a:solidFill>
+                  <a:srgbClr val="000000"/>
+                </a:solidFill>
+                <a:effectLst/>
+                <a:latin typeface="Arial"/>
+                <a:ea typeface="Arial"/>
+                <a:cs typeface="Arial"/>
+                <a:sym typeface="Arial"/>
+              </a:rPr>
+              <a:t> yang </a:t>
+            </a:r>
+            <a:r>
+              <a:rPr lang="en-US" sz="1100" b="0" i="0" u="none" strike="noStrike" cap="none" dirty="0" err="1">
+                <a:solidFill>
+                  <a:srgbClr val="000000"/>
+                </a:solidFill>
+                <a:effectLst/>
+                <a:latin typeface="Arial"/>
+                <a:ea typeface="Arial"/>
+                <a:cs typeface="Arial"/>
+                <a:sym typeface="Arial"/>
+              </a:rPr>
+              <a:t>besar</a:t>
+            </a:r>
+            <a:r>
+              <a:rPr lang="en-US" sz="1100" b="0" i="0" u="none" strike="noStrike" cap="none" dirty="0">
+                <a:solidFill>
+                  <a:srgbClr val="000000"/>
+                </a:solidFill>
+                <a:effectLst/>
+                <a:latin typeface="Arial"/>
+                <a:ea typeface="Arial"/>
+                <a:cs typeface="Arial"/>
+                <a:sym typeface="Arial"/>
+              </a:rPr>
+              <a:t> </a:t>
+            </a:r>
+            <a:r>
+              <a:rPr lang="en-US" sz="1100" b="0" i="0" u="none" strike="noStrike" cap="none" dirty="0" err="1">
+                <a:solidFill>
+                  <a:srgbClr val="000000"/>
+                </a:solidFill>
+                <a:effectLst/>
+                <a:latin typeface="Arial"/>
+                <a:ea typeface="Arial"/>
+                <a:cs typeface="Arial"/>
+                <a:sym typeface="Arial"/>
+              </a:rPr>
+              <a:t>serta</a:t>
+            </a:r>
+            <a:r>
+              <a:rPr lang="en-US" sz="1100" b="0" i="0" u="none" strike="noStrike" cap="none" dirty="0">
+                <a:solidFill>
+                  <a:srgbClr val="000000"/>
+                </a:solidFill>
+                <a:effectLst/>
+                <a:latin typeface="Arial"/>
+                <a:ea typeface="Arial"/>
+                <a:cs typeface="Arial"/>
+                <a:sym typeface="Arial"/>
+              </a:rPr>
+              <a:t> </a:t>
+            </a:r>
+            <a:r>
+              <a:rPr lang="en-US" sz="1100" b="0" i="0" u="none" strike="noStrike" cap="none" dirty="0" err="1">
+                <a:solidFill>
+                  <a:srgbClr val="000000"/>
+                </a:solidFill>
+                <a:effectLst/>
+                <a:latin typeface="Arial"/>
+                <a:ea typeface="Arial"/>
+                <a:cs typeface="Arial"/>
+                <a:sym typeface="Arial"/>
+              </a:rPr>
+              <a:t>perhitungan</a:t>
+            </a:r>
+            <a:r>
+              <a:rPr lang="en-US" sz="1100" b="0" i="0" u="none" strike="noStrike" cap="none" dirty="0">
+                <a:solidFill>
+                  <a:srgbClr val="000000"/>
+                </a:solidFill>
+                <a:effectLst/>
+                <a:latin typeface="Arial"/>
+                <a:ea typeface="Arial"/>
+                <a:cs typeface="Arial"/>
+                <a:sym typeface="Arial"/>
+              </a:rPr>
+              <a:t> yang </a:t>
+            </a:r>
+            <a:r>
+              <a:rPr lang="en-US" sz="1100" b="0" i="0" u="none" strike="noStrike" cap="none" dirty="0" err="1">
+                <a:solidFill>
+                  <a:srgbClr val="000000"/>
+                </a:solidFill>
+                <a:effectLst/>
+                <a:latin typeface="Arial"/>
+                <a:ea typeface="Arial"/>
+                <a:cs typeface="Arial"/>
+                <a:sym typeface="Arial"/>
+              </a:rPr>
+              <a:t>kompleks</a:t>
+            </a:r>
+            <a:r>
+              <a:rPr lang="en-US" sz="1100" b="0" i="0" u="none" strike="noStrike" cap="none" dirty="0">
+                <a:solidFill>
+                  <a:srgbClr val="000000"/>
+                </a:solidFill>
+                <a:effectLst/>
+                <a:latin typeface="Arial"/>
+                <a:ea typeface="Arial"/>
+                <a:cs typeface="Arial"/>
+                <a:sym typeface="Arial"/>
+              </a:rPr>
+              <a:t>.</a:t>
+            </a:r>
+            <a:endParaRPr lang="id-ID" sz="1100" b="0" i="0" u="none" strike="noStrike" cap="none" dirty="0">
+              <a:solidFill>
+                <a:srgbClr val="000000"/>
+              </a:solidFill>
+              <a:effectLst/>
+              <a:latin typeface="Arial"/>
+              <a:ea typeface="Arial"/>
+              <a:cs typeface="Arial"/>
+              <a:sym typeface="Arial"/>
+            </a:endParaRPr>
+          </a:p>
+          <a:p>
             <a:pPr marL="139700" indent="0">
               <a:buNone/>
             </a:pPr>
-            <a:r>
-              <a:rPr lang="en-US" dirty="0" err="1"/>
-              <a:t>Jelasin</a:t>
-            </a:r>
-            <a:r>
-              <a:rPr lang="en-US" dirty="0"/>
-              <a:t> </a:t>
-            </a:r>
-            <a:r>
-              <a:rPr lang="en-US" dirty="0" err="1"/>
-              <a:t>masing</a:t>
-            </a:r>
-            <a:r>
-              <a:rPr lang="en-US" dirty="0"/>
-              <a:t> </a:t>
-            </a:r>
-            <a:r>
-              <a:rPr lang="en-US" dirty="0" err="1"/>
-              <a:t>masing</a:t>
-            </a:r>
-            <a:r>
-              <a:rPr lang="en-US" dirty="0"/>
-              <a:t> </a:t>
-            </a:r>
-            <a:r>
-              <a:rPr lang="en-US" dirty="0" err="1"/>
-              <a:t>citra</a:t>
-            </a:r>
-            <a:r>
-              <a:rPr lang="en-US" dirty="0"/>
-              <a:t> </a:t>
-            </a:r>
-            <a:r>
-              <a:rPr lang="en-US" dirty="0" err="1"/>
-              <a:t>tiap</a:t>
-            </a:r>
-            <a:r>
-              <a:rPr lang="en-US" dirty="0"/>
-              <a:t> </a:t>
-            </a:r>
-            <a:r>
-              <a:rPr lang="en-US" dirty="0" err="1"/>
-              <a:t>tahun</a:t>
-            </a:r>
             <a:endParaRPr lang="id-ID" dirty="0"/>
           </a:p>
         </p:txBody>
@@ -5782,16 +13341,417 @@
           </a:bodyPr>
           <a:lstStyle/>
           <a:p>
-            <a:pPr marL="0" lvl="0" indent="0" algn="l" rtl="0">
+            <a:pPr marL="171450" marR="0" lvl="0" indent="-171450" algn="l" defTabSz="914400" rtl="0" eaLnBrk="1" fontAlgn="auto" latinLnBrk="0" hangingPunct="1">
+              <a:lnSpc>
+                <a:spcPct val="100000"/>
+              </a:lnSpc>
               <a:spcBef>
                 <a:spcPts val="0"/>
               </a:spcBef>
               <a:spcAft>
                 <a:spcPts val="0"/>
               </a:spcAft>
-              <a:buNone/>
+              <a:buClr>
+                <a:srgbClr val="000000"/>
+              </a:buClr>
+              <a:buSzPts val="1400"/>
+              <a:buFont typeface="Arial"/>
+              <a:buChar char="●"/>
+              <a:tabLst/>
+              <a:defRPr/>
             </a:pPr>
-            <a:endParaRPr/>
+            <a:r>
+              <a:rPr lang="en-US" sz="1100" b="0" i="0" u="none" strike="noStrike" cap="none" dirty="0">
+                <a:solidFill>
+                  <a:srgbClr val="000000"/>
+                </a:solidFill>
+                <a:effectLst/>
+                <a:latin typeface="Arial"/>
+                <a:ea typeface="Arial"/>
+                <a:cs typeface="Arial"/>
+                <a:sym typeface="Arial"/>
+              </a:rPr>
+              <a:t>Oleh </a:t>
+            </a:r>
+            <a:r>
+              <a:rPr lang="en-US" sz="1100" b="0" i="0" u="none" strike="noStrike" cap="none" dirty="0" err="1">
+                <a:solidFill>
+                  <a:srgbClr val="000000"/>
+                </a:solidFill>
+                <a:effectLst/>
+                <a:latin typeface="Arial"/>
+                <a:ea typeface="Arial"/>
+                <a:cs typeface="Arial"/>
+                <a:sym typeface="Arial"/>
+              </a:rPr>
+              <a:t>karena</a:t>
+            </a:r>
+            <a:r>
+              <a:rPr lang="en-US" sz="1100" b="0" i="0" u="none" strike="noStrike" cap="none" dirty="0">
+                <a:solidFill>
+                  <a:srgbClr val="000000"/>
+                </a:solidFill>
+                <a:effectLst/>
+                <a:latin typeface="Arial"/>
+                <a:ea typeface="Arial"/>
+                <a:cs typeface="Arial"/>
+                <a:sym typeface="Arial"/>
+              </a:rPr>
+              <a:t> </a:t>
+            </a:r>
+            <a:r>
+              <a:rPr lang="en-US" sz="1100" b="0" i="0" u="none" strike="noStrike" cap="none" dirty="0" err="1">
+                <a:solidFill>
+                  <a:srgbClr val="000000"/>
+                </a:solidFill>
+                <a:effectLst/>
+                <a:latin typeface="Arial"/>
+                <a:ea typeface="Arial"/>
+                <a:cs typeface="Arial"/>
+                <a:sym typeface="Arial"/>
+              </a:rPr>
+              <a:t>itu</a:t>
+            </a:r>
+            <a:r>
+              <a:rPr lang="en-US" sz="1100" b="0" i="0" u="none" strike="noStrike" cap="none" dirty="0">
+                <a:solidFill>
+                  <a:srgbClr val="000000"/>
+                </a:solidFill>
+                <a:effectLst/>
+                <a:latin typeface="Arial"/>
+                <a:ea typeface="Arial"/>
+                <a:cs typeface="Arial"/>
+                <a:sym typeface="Arial"/>
+              </a:rPr>
+              <a:t>, </a:t>
+            </a:r>
+            <a:r>
+              <a:rPr lang="en-US" sz="1100" b="0" i="0" u="none" strike="noStrike" cap="none" dirty="0" err="1">
+                <a:solidFill>
+                  <a:srgbClr val="000000"/>
+                </a:solidFill>
+                <a:effectLst/>
+                <a:latin typeface="Arial"/>
+                <a:ea typeface="Arial"/>
+                <a:cs typeface="Arial"/>
+                <a:sym typeface="Arial"/>
+              </a:rPr>
+              <a:t>diperlukan</a:t>
+            </a:r>
+            <a:r>
+              <a:rPr lang="en-US" sz="1100" b="0" i="0" u="none" strike="noStrike" cap="none" dirty="0">
+                <a:solidFill>
+                  <a:srgbClr val="000000"/>
+                </a:solidFill>
+                <a:effectLst/>
+                <a:latin typeface="Arial"/>
+                <a:ea typeface="Arial"/>
+                <a:cs typeface="Arial"/>
+                <a:sym typeface="Arial"/>
+              </a:rPr>
+              <a:t> </a:t>
+            </a:r>
+            <a:r>
+              <a:rPr lang="en-US" sz="1100" b="0" i="0" u="none" strike="noStrike" cap="none" dirty="0" err="1">
+                <a:solidFill>
+                  <a:srgbClr val="000000"/>
+                </a:solidFill>
+                <a:effectLst/>
+                <a:latin typeface="Arial"/>
+                <a:ea typeface="Arial"/>
+                <a:cs typeface="Arial"/>
+                <a:sym typeface="Arial"/>
+              </a:rPr>
+              <a:t>sistem</a:t>
+            </a:r>
+            <a:r>
+              <a:rPr lang="en-US" sz="1100" b="0" i="0" u="none" strike="noStrike" cap="none" dirty="0">
+                <a:solidFill>
+                  <a:srgbClr val="000000"/>
+                </a:solidFill>
+                <a:effectLst/>
+                <a:latin typeface="Arial"/>
+                <a:ea typeface="Arial"/>
+                <a:cs typeface="Arial"/>
+                <a:sym typeface="Arial"/>
+              </a:rPr>
+              <a:t> yang </a:t>
+            </a:r>
+            <a:r>
+              <a:rPr lang="en-US" sz="1100" b="0" i="0" u="none" strike="noStrike" cap="none" dirty="0" err="1">
+                <a:solidFill>
+                  <a:srgbClr val="000000"/>
+                </a:solidFill>
+                <a:effectLst/>
+                <a:latin typeface="Arial"/>
+                <a:ea typeface="Arial"/>
+                <a:cs typeface="Arial"/>
+                <a:sym typeface="Arial"/>
+              </a:rPr>
+              <a:t>mengotomasi</a:t>
+            </a:r>
+            <a:r>
+              <a:rPr lang="en-US" sz="1100" b="0" i="0" u="none" strike="noStrike" cap="none" dirty="0">
+                <a:solidFill>
+                  <a:srgbClr val="000000"/>
+                </a:solidFill>
+                <a:effectLst/>
+                <a:latin typeface="Arial"/>
+                <a:ea typeface="Arial"/>
+                <a:cs typeface="Arial"/>
+                <a:sym typeface="Arial"/>
+              </a:rPr>
+              <a:t> proses </a:t>
+            </a:r>
+            <a:r>
+              <a:rPr lang="en-US" sz="1100" b="0" i="0" u="none" strike="noStrike" cap="none" dirty="0" err="1">
+                <a:solidFill>
+                  <a:srgbClr val="000000"/>
+                </a:solidFill>
+                <a:effectLst/>
+                <a:latin typeface="Arial"/>
+                <a:ea typeface="Arial"/>
+                <a:cs typeface="Arial"/>
+                <a:sym typeface="Arial"/>
+              </a:rPr>
+              <a:t>estimasi</a:t>
+            </a:r>
+            <a:r>
+              <a:rPr lang="en-US" sz="1100" b="0" i="0" u="none" strike="noStrike" cap="none" dirty="0">
+                <a:solidFill>
+                  <a:srgbClr val="000000"/>
+                </a:solidFill>
+                <a:effectLst/>
+                <a:latin typeface="Arial"/>
+                <a:ea typeface="Arial"/>
+                <a:cs typeface="Arial"/>
+                <a:sym typeface="Arial"/>
+              </a:rPr>
+              <a:t> </a:t>
+            </a:r>
+            <a:r>
+              <a:rPr lang="en-US" sz="1100" b="0" i="0" u="none" strike="noStrike" cap="none" dirty="0" err="1">
+                <a:solidFill>
+                  <a:srgbClr val="000000"/>
+                </a:solidFill>
+                <a:effectLst/>
+                <a:latin typeface="Arial"/>
+                <a:ea typeface="Arial"/>
+                <a:cs typeface="Arial"/>
+                <a:sym typeface="Arial"/>
+              </a:rPr>
+              <a:t>deforestasi</a:t>
+            </a:r>
+            <a:r>
+              <a:rPr lang="en-US" sz="1100" b="0" i="0" u="none" strike="noStrike" cap="none" dirty="0">
+                <a:solidFill>
+                  <a:srgbClr val="000000"/>
+                </a:solidFill>
+                <a:effectLst/>
+                <a:latin typeface="Arial"/>
+                <a:ea typeface="Arial"/>
+                <a:cs typeface="Arial"/>
+                <a:sym typeface="Arial"/>
+              </a:rPr>
+              <a:t> </a:t>
+            </a:r>
+            <a:r>
+              <a:rPr lang="en-US" sz="1100" b="0" i="0" u="none" strike="noStrike" cap="none" dirty="0" err="1">
+                <a:solidFill>
+                  <a:srgbClr val="000000"/>
+                </a:solidFill>
+                <a:effectLst/>
+                <a:latin typeface="Arial"/>
+                <a:ea typeface="Arial"/>
+                <a:cs typeface="Arial"/>
+                <a:sym typeface="Arial"/>
+              </a:rPr>
+              <a:t>lahan</a:t>
+            </a:r>
+            <a:r>
+              <a:rPr lang="en-US" sz="1100" b="0" i="0" u="none" strike="noStrike" cap="none" dirty="0">
+                <a:solidFill>
+                  <a:srgbClr val="000000"/>
+                </a:solidFill>
+                <a:effectLst/>
+                <a:latin typeface="Arial"/>
+                <a:ea typeface="Arial"/>
+                <a:cs typeface="Arial"/>
+                <a:sym typeface="Arial"/>
+              </a:rPr>
+              <a:t> </a:t>
+            </a:r>
+            <a:r>
+              <a:rPr lang="en-US" sz="1100" b="0" i="0" u="none" strike="noStrike" cap="none" dirty="0" err="1">
+                <a:solidFill>
+                  <a:srgbClr val="000000"/>
+                </a:solidFill>
+                <a:effectLst/>
+                <a:latin typeface="Arial"/>
+                <a:ea typeface="Arial"/>
+                <a:cs typeface="Arial"/>
+                <a:sym typeface="Arial"/>
+              </a:rPr>
+              <a:t>gambut</a:t>
+            </a:r>
+            <a:r>
+              <a:rPr lang="en-US" sz="1100" b="0" i="0" u="none" strike="noStrike" cap="none" dirty="0">
+                <a:solidFill>
+                  <a:srgbClr val="000000"/>
+                </a:solidFill>
+                <a:effectLst/>
+                <a:latin typeface="Arial"/>
+                <a:ea typeface="Arial"/>
+                <a:cs typeface="Arial"/>
+                <a:sym typeface="Arial"/>
+              </a:rPr>
+              <a:t> dan </a:t>
+            </a:r>
+            <a:r>
+              <a:rPr lang="en-US" sz="1100" b="0" i="0" u="none" strike="noStrike" cap="none" dirty="0" err="1">
+                <a:solidFill>
+                  <a:srgbClr val="000000"/>
+                </a:solidFill>
+                <a:effectLst/>
+                <a:latin typeface="Arial"/>
+                <a:ea typeface="Arial"/>
+                <a:cs typeface="Arial"/>
+                <a:sym typeface="Arial"/>
+              </a:rPr>
+              <a:t>keterkaitannya</a:t>
+            </a:r>
+            <a:r>
+              <a:rPr lang="en-US" sz="1100" b="0" i="0" u="none" strike="noStrike" cap="none" dirty="0">
+                <a:solidFill>
+                  <a:srgbClr val="000000"/>
+                </a:solidFill>
+                <a:effectLst/>
+                <a:latin typeface="Arial"/>
+                <a:ea typeface="Arial"/>
+                <a:cs typeface="Arial"/>
+                <a:sym typeface="Arial"/>
+              </a:rPr>
+              <a:t> </a:t>
+            </a:r>
+            <a:r>
+              <a:rPr lang="en-US" sz="1100" b="0" i="0" u="none" strike="noStrike" cap="none" dirty="0" err="1">
+                <a:solidFill>
+                  <a:srgbClr val="000000"/>
+                </a:solidFill>
+                <a:effectLst/>
+                <a:latin typeface="Arial"/>
+                <a:ea typeface="Arial"/>
+                <a:cs typeface="Arial"/>
+                <a:sym typeface="Arial"/>
+              </a:rPr>
+              <a:t>dengan</a:t>
+            </a:r>
+            <a:r>
+              <a:rPr lang="en-US" sz="1100" b="0" i="0" u="none" strike="noStrike" cap="none" dirty="0">
+                <a:solidFill>
+                  <a:srgbClr val="000000"/>
+                </a:solidFill>
+                <a:effectLst/>
+                <a:latin typeface="Arial"/>
+                <a:ea typeface="Arial"/>
+                <a:cs typeface="Arial"/>
+                <a:sym typeface="Arial"/>
+              </a:rPr>
+              <a:t> </a:t>
+            </a:r>
+            <a:r>
+              <a:rPr lang="en-US" sz="1100" b="0" i="0" u="none" strike="noStrike" cap="none" dirty="0" err="1">
+                <a:solidFill>
+                  <a:srgbClr val="000000"/>
+                </a:solidFill>
+                <a:effectLst/>
+                <a:latin typeface="Arial"/>
+                <a:ea typeface="Arial"/>
+                <a:cs typeface="Arial"/>
+                <a:sym typeface="Arial"/>
+              </a:rPr>
+              <a:t>kebakaran</a:t>
+            </a:r>
+            <a:r>
+              <a:rPr lang="en-US" sz="1100" b="0" i="0" u="none" strike="noStrike" cap="none" dirty="0">
+                <a:solidFill>
+                  <a:srgbClr val="000000"/>
+                </a:solidFill>
+                <a:effectLst/>
+                <a:latin typeface="Arial"/>
+                <a:ea typeface="Arial"/>
+                <a:cs typeface="Arial"/>
+                <a:sym typeface="Arial"/>
+              </a:rPr>
+              <a:t> yang </a:t>
+            </a:r>
+            <a:r>
+              <a:rPr lang="en-US" sz="1100" b="0" i="0" u="none" strike="noStrike" cap="none" dirty="0" err="1">
+                <a:solidFill>
+                  <a:srgbClr val="000000"/>
+                </a:solidFill>
+                <a:effectLst/>
+                <a:latin typeface="Arial"/>
+                <a:ea typeface="Arial"/>
+                <a:cs typeface="Arial"/>
+                <a:sym typeface="Arial"/>
+              </a:rPr>
+              <a:t>terjadi</a:t>
+            </a:r>
+            <a:r>
+              <a:rPr lang="en-US" sz="1100" b="0" i="0" u="none" strike="noStrike" cap="none" dirty="0">
+                <a:solidFill>
+                  <a:srgbClr val="000000"/>
+                </a:solidFill>
+                <a:effectLst/>
+                <a:latin typeface="Arial"/>
+                <a:ea typeface="Arial"/>
+                <a:cs typeface="Arial"/>
+                <a:sym typeface="Arial"/>
+              </a:rPr>
+              <a:t>.</a:t>
+            </a:r>
+            <a:endParaRPr lang="id-ID" sz="1100" b="0" i="0" u="none" strike="noStrike" cap="none" dirty="0">
+              <a:solidFill>
+                <a:srgbClr val="000000"/>
+              </a:solidFill>
+              <a:effectLst/>
+              <a:latin typeface="Arial"/>
+              <a:ea typeface="Arial"/>
+              <a:cs typeface="Arial"/>
+              <a:sym typeface="Arial"/>
+            </a:endParaRPr>
+          </a:p>
+          <a:p>
+            <a:pPr marL="171450" lvl="0" indent="-171450" algn="l" rtl="0">
+              <a:spcBef>
+                <a:spcPts val="0"/>
+              </a:spcBef>
+              <a:spcAft>
+                <a:spcPts val="0"/>
+              </a:spcAft>
+            </a:pPr>
+            <a:r>
+              <a:rPr lang="en-US" dirty="0" err="1"/>
+              <a:t>Apa</a:t>
+            </a:r>
+            <a:r>
+              <a:rPr lang="en-US" dirty="0"/>
+              <a:t> yang </a:t>
+            </a:r>
+            <a:r>
+              <a:rPr lang="en-US" dirty="0" err="1"/>
+              <a:t>gw</a:t>
+            </a:r>
+            <a:r>
+              <a:rPr lang="en-US" dirty="0"/>
+              <a:t> </a:t>
+            </a:r>
+            <a:r>
+              <a:rPr lang="en-US" dirty="0" err="1"/>
+              <a:t>lakuin</a:t>
+            </a:r>
+            <a:endParaRPr dirty="0"/>
           </a:p>
         </p:txBody>
       </p:sp>
@@ -5852,126 +13812,10 @@
           <a:bodyPr/>
           <a:lstStyle/>
           <a:p>
-            <a:pPr marL="552450" indent="-514350" algn="l">
+            <a:pPr marL="38100" indent="0" algn="l">
               <a:buFont typeface="+mj-lt"/>
-              <a:buAutoNum type="arabicPeriod"/>
+              <a:buNone/>
             </a:pPr>
-            <a:r>
-              <a:rPr lang="id-ID" i="0" dirty="0">
-                <a:solidFill>
-                  <a:schemeClr val="tx2">
-                    <a:lumMod val="25000"/>
-                  </a:schemeClr>
-                </a:solidFill>
-              </a:rPr>
-              <a:t>Penelitian ini mengimplementasi proses perhitungan estimasi deforestasi lahan gambut akibat kebakaran </a:t>
-            </a:r>
-            <a:r>
-              <a:rPr lang="en-US" i="0" dirty="0" err="1">
-                <a:solidFill>
-                  <a:schemeClr val="tx2">
-                    <a:lumMod val="25000"/>
-                  </a:schemeClr>
-                </a:solidFill>
-              </a:rPr>
-              <a:t>hutan</a:t>
-            </a:r>
-            <a:r>
-              <a:rPr lang="en-US" i="0" dirty="0">
-                <a:solidFill>
-                  <a:schemeClr val="tx2">
-                    <a:lumMod val="25000"/>
-                  </a:schemeClr>
-                </a:solidFill>
-              </a:rPr>
-              <a:t> dan </a:t>
-            </a:r>
-            <a:r>
-              <a:rPr lang="en-US" i="0" dirty="0" err="1">
-                <a:solidFill>
-                  <a:schemeClr val="tx2">
-                    <a:lumMod val="25000"/>
-                  </a:schemeClr>
-                </a:solidFill>
-              </a:rPr>
-              <a:t>lahan</a:t>
-            </a:r>
-            <a:r>
-              <a:rPr lang="en-US" i="0" dirty="0">
-                <a:solidFill>
-                  <a:schemeClr val="tx2">
-                    <a:lumMod val="25000"/>
-                  </a:schemeClr>
-                </a:solidFill>
-              </a:rPr>
-              <a:t> </a:t>
-            </a:r>
-            <a:r>
-              <a:rPr lang="id-ID" i="0" dirty="0">
-                <a:solidFill>
-                  <a:schemeClr val="tx2">
-                    <a:lumMod val="25000"/>
-                  </a:schemeClr>
-                </a:solidFill>
-              </a:rPr>
-              <a:t>berdasarkan penelitian Sofiana (2018</a:t>
-            </a:r>
-            <a:r>
-              <a:rPr lang="en-US" i="0" dirty="0">
-                <a:solidFill>
-                  <a:schemeClr val="tx2">
-                    <a:lumMod val="25000"/>
-                  </a:schemeClr>
-                </a:solidFill>
-              </a:rPr>
-              <a:t>).</a:t>
-            </a:r>
-          </a:p>
-          <a:p>
-            <a:pPr marL="552450" indent="-514350" algn="l">
-              <a:buFont typeface="+mj-lt"/>
-              <a:buAutoNum type="arabicPeriod"/>
-            </a:pPr>
-            <a:r>
-              <a:rPr lang="id-ID" i="0" dirty="0">
-                <a:solidFill>
-                  <a:schemeClr val="tx2">
-                    <a:lumMod val="25000"/>
-                  </a:schemeClr>
-                </a:solidFill>
-              </a:rPr>
-              <a:t>Citra yang digunakan untuk membangun sistem adalah Citra </a:t>
-            </a:r>
-            <a:r>
-              <a:rPr lang="id-ID" i="0" dirty="0" err="1">
-                <a:solidFill>
-                  <a:schemeClr val="tx2">
-                    <a:lumMod val="25000"/>
-                  </a:schemeClr>
-                </a:solidFill>
-              </a:rPr>
-              <a:t>Landsat</a:t>
-            </a:r>
-            <a:r>
-              <a:rPr lang="id-ID" i="0" dirty="0">
-                <a:solidFill>
-                  <a:schemeClr val="tx2">
-                    <a:lumMod val="25000"/>
-                  </a:schemeClr>
-                </a:solidFill>
-              </a:rPr>
-              <a:t> 8 di Provinsi Riau dan Jambi yang terdiri dari tiga periode waktu</a:t>
-            </a:r>
-            <a:r>
-              <a:rPr lang="en-US" i="0" dirty="0">
-                <a:solidFill>
-                  <a:schemeClr val="tx2">
-                    <a:lumMod val="25000"/>
-                  </a:schemeClr>
-                </a:solidFill>
-              </a:rPr>
-              <a:t>.</a:t>
-            </a:r>
             <a:endParaRPr lang="id-ID" i="0" dirty="0">
               <a:solidFill>
                 <a:schemeClr val="tx2">
@@ -11829,7 +19673,7 @@
             <a:avLst/>
           </a:prstGeom>
           <a:solidFill>
-            <a:srgbClr val="7ECEFD"/>
+            <a:srgbClr val="2185C5"/>
           </a:solidFill>
           <a:ln>
             <a:solidFill>
@@ -11861,7 +19705,7 @@
             <a:r>
               <a:rPr lang="en-US" sz="1800" dirty="0" err="1">
                 <a:solidFill>
-                  <a:schemeClr val="tx1"/>
+                  <a:schemeClr val="bg1"/>
                 </a:solidFill>
               </a:rPr>
               <a:t>Sistem</a:t>
@@ -11869,7 +19713,7 @@
             <a:r>
               <a:rPr lang="en-US" sz="1800" dirty="0">
                 <a:solidFill>
-                  <a:schemeClr val="tx1"/>
+                  <a:schemeClr val="bg1"/>
                 </a:solidFill>
               </a:rPr>
               <a:t> </a:t>
@@ -11877,7 +19721,7 @@
             <a:r>
               <a:rPr lang="en-US" sz="1800" dirty="0" err="1">
                 <a:solidFill>
-                  <a:schemeClr val="tx1"/>
+                  <a:schemeClr val="bg1"/>
                 </a:solidFill>
               </a:rPr>
               <a:t>mengimplmentasikan</a:t>
@@ -11885,7 +19729,7 @@
             <a:r>
               <a:rPr lang="en-US" sz="1800" dirty="0">
                 <a:solidFill>
-                  <a:schemeClr val="tx1"/>
+                  <a:schemeClr val="bg1"/>
                 </a:solidFill>
               </a:rPr>
               <a:t> </a:t>
@@ -11893,7 +19737,7 @@
             <a:r>
               <a:rPr lang="en-US" sz="1800" dirty="0" err="1">
                 <a:solidFill>
-                  <a:schemeClr val="tx1"/>
+                  <a:schemeClr val="bg1"/>
                 </a:solidFill>
               </a:rPr>
               <a:t>penelitian</a:t>
@@ -11901,7 +19745,7 @@
             <a:r>
               <a:rPr lang="en-US" sz="1800" dirty="0">
                 <a:solidFill>
-                  <a:schemeClr val="tx1"/>
+                  <a:schemeClr val="bg1"/>
                 </a:solidFill>
               </a:rPr>
               <a:t> </a:t>
@@ -11909,7 +19753,7 @@
             <a:r>
               <a:rPr lang="en-US" sz="1800" dirty="0" err="1">
                 <a:solidFill>
-                  <a:schemeClr val="tx1"/>
+                  <a:schemeClr val="bg1"/>
                 </a:solidFill>
               </a:rPr>
               <a:t>Sofiana</a:t>
@@ -11917,14 +19761,14 @@
             <a:r>
               <a:rPr lang="en-US" sz="1800" dirty="0">
                 <a:solidFill>
-                  <a:schemeClr val="tx1"/>
+                  <a:schemeClr val="bg1"/>
                 </a:solidFill>
               </a:rPr>
               <a:t> (2018)</a:t>
             </a:r>
             <a:endParaRPr lang="id-ID" sz="1800" dirty="0">
               <a:solidFill>
-                <a:schemeClr val="tx1"/>
+                <a:schemeClr val="bg1"/>
               </a:solidFill>
             </a:endParaRPr>
           </a:p>
@@ -11954,7 +19798,7 @@
             </a:avLst>
           </a:prstGeom>
           <a:solidFill>
-            <a:srgbClr val="7ECEFD"/>
+            <a:srgbClr val="2185C5"/>
           </a:solidFill>
           <a:ln>
             <a:solidFill>
@@ -11986,7 +19830,7 @@
             <a:r>
               <a:rPr lang="en-US" sz="1800" dirty="0">
                 <a:solidFill>
-                  <a:schemeClr val="tx1"/>
+                  <a:schemeClr val="bg1"/>
                 </a:solidFill>
               </a:rPr>
               <a:t>Citra </a:t>
@@ -11994,7 +19838,7 @@
             <a:r>
               <a:rPr lang="en-US" sz="1800" dirty="0" err="1">
                 <a:solidFill>
-                  <a:schemeClr val="tx1"/>
+                  <a:schemeClr val="bg1"/>
                 </a:solidFill>
               </a:rPr>
               <a:t>Lansat</a:t>
@@ -12002,7 +19846,7 @@
             <a:r>
               <a:rPr lang="en-US" sz="1800" dirty="0">
                 <a:solidFill>
-                  <a:schemeClr val="tx1"/>
+                  <a:schemeClr val="bg1"/>
                 </a:solidFill>
               </a:rPr>
               <a:t> 8 </a:t>
@@ -12010,15 +19854,15 @@
             <a:r>
               <a:rPr lang="en-US" sz="1800" dirty="0" err="1">
                 <a:solidFill>
-                  <a:schemeClr val="tx1"/>
-                </a:solidFill>
-              </a:rPr>
-              <a:t>Provisi</a:t>
+                  <a:schemeClr val="bg1"/>
+                </a:solidFill>
+              </a:rPr>
+              <a:t>Provinsi</a:t>
             </a:r>
             <a:r>
               <a:rPr lang="en-US" sz="1800" dirty="0">
                 <a:solidFill>
-                  <a:schemeClr val="tx1"/>
+                  <a:schemeClr val="bg1"/>
                 </a:solidFill>
               </a:rPr>
               <a:t> Riau </a:t>
@@ -12026,7 +19870,7 @@
             <a:r>
               <a:rPr lang="en-US" sz="1800" dirty="0" err="1">
                 <a:solidFill>
-                  <a:schemeClr val="tx1"/>
+                  <a:schemeClr val="bg1"/>
                 </a:solidFill>
               </a:rPr>
               <a:t>tiga</a:t>
@@ -12034,7 +19878,7 @@
             <a:r>
               <a:rPr lang="en-US" sz="1800" dirty="0">
                 <a:solidFill>
-                  <a:schemeClr val="tx1"/>
+                  <a:schemeClr val="bg1"/>
                 </a:solidFill>
               </a:rPr>
               <a:t> </a:t>
@@ -12042,14 +19886,14 @@
             <a:r>
               <a:rPr lang="en-US" sz="1800" dirty="0" err="1">
                 <a:solidFill>
-                  <a:schemeClr val="tx1"/>
+                  <a:schemeClr val="bg1"/>
                 </a:solidFill>
               </a:rPr>
               <a:t>periode</a:t>
             </a:r>
             <a:endParaRPr lang="id-ID" sz="1800" dirty="0">
               <a:solidFill>
-                <a:schemeClr val="tx1"/>
+                <a:schemeClr val="bg1"/>
               </a:solidFill>
             </a:endParaRPr>
           </a:p>
@@ -13336,7 +21180,7 @@
         <p:spPr>
           <a:xfrm>
             <a:off x="893700" y="4775311"/>
-            <a:ext cx="6971309" cy="1015663"/>
+            <a:ext cx="6971309" cy="1323439"/>
           </a:xfrm>
           <a:prstGeom prst="rect">
             <a:avLst/>
@@ -13523,6 +21367,39 @@
                 <a:latin typeface="Lato" panose="020B0604020202020204" charset="0"/>
               </a:rPr>
               <a:t>.</a:t>
+            </a:r>
+          </a:p>
+          <a:p>
+            <a:pPr algn="just"/>
+            <a:r>
+              <a:rPr lang="en-US" sz="2000" dirty="0">
+                <a:latin typeface="Lato" panose="020B0604020202020204" charset="0"/>
+              </a:rPr>
+              <a:t>Data </a:t>
+            </a:r>
+            <a:r>
+              <a:rPr lang="en-US" sz="2000" dirty="0" err="1">
+                <a:latin typeface="Lato" panose="020B0604020202020204" charset="0"/>
+              </a:rPr>
+              <a:t>bersumber</a:t>
+            </a:r>
+            <a:r>
+              <a:rPr lang="en-US" sz="2000" dirty="0">
+                <a:latin typeface="Lato" panose="020B0604020202020204" charset="0"/>
+              </a:rPr>
+              <a:t> </a:t>
+            </a:r>
+            <a:r>
+              <a:rPr lang="en-US" sz="2000" dirty="0" err="1">
+                <a:latin typeface="Lato" panose="020B0604020202020204" charset="0"/>
+              </a:rPr>
+              <a:t>dari</a:t>
+            </a:r>
+            <a:r>
+              <a:rPr lang="en-US" sz="2000" dirty="0">
+                <a:latin typeface="Lato" panose="020B0604020202020204" charset="0"/>
+              </a:rPr>
+              <a:t> LAPAN</a:t>
             </a:r>
             <a:endParaRPr lang="id-ID" sz="2000" dirty="0">
               <a:latin typeface="Lato" panose="020B0604020202020204" charset="0"/>
@@ -15736,7 +23613,7 @@
         <p:spPr>
           <a:xfrm>
             <a:off x="2472976" y="609600"/>
-            <a:ext cx="4262705" cy="584775"/>
+            <a:ext cx="4503156" cy="584775"/>
           </a:xfrm>
           <a:prstGeom prst="rect">
             <a:avLst/>
@@ -15765,7 +23642,34 @@
                 </a:solidFill>
                 <a:latin typeface="Lato" panose="020B0604020202020204" charset="0"/>
               </a:rPr>
-              <a:t> Data Landsat 8</a:t>
+              <a:t> Data </a:t>
+            </a:r>
+            <a:r>
+              <a:rPr lang="en-US" sz="3200" dirty="0" err="1">
+                <a:solidFill>
+                  <a:schemeClr val="tx1"/>
+                </a:solidFill>
+                <a:latin typeface="Lato" panose="020B0604020202020204" charset="0"/>
+              </a:rPr>
+              <a:t>Titik</a:t>
+            </a:r>
+            <a:r>
+              <a:rPr lang="en-US" sz="3200" dirty="0">
+                <a:solidFill>
+                  <a:schemeClr val="tx1"/>
+                </a:solidFill>
+                <a:latin typeface="Lato" panose="020B0604020202020204" charset="0"/>
+              </a:rPr>
+              <a:t> </a:t>
+            </a:r>
+            <a:r>
+              <a:rPr lang="en-US" sz="3200" dirty="0" err="1">
+                <a:solidFill>
+                  <a:schemeClr val="tx1"/>
+                </a:solidFill>
+                <a:latin typeface="Lato" panose="020B0604020202020204" charset="0"/>
+              </a:rPr>
+              <a:t>Panas</a:t>
             </a:r>
             <a:endParaRPr lang="id-ID" sz="3200" dirty="0">
               <a:solidFill>
@@ -15805,6 +23709,58 @@
           </a:prstGeom>
         </p:spPr>
       </p:pic>
+      <p:sp>
+        <p:nvSpPr>
+          <p:cNvPr id="2" name="TextBox 1">
+            <a:extLst>
+              <a:ext uri="{FF2B5EF4-FFF2-40B4-BE49-F238E27FC236}">
+                <a16:creationId xmlns:a16="http://schemas.microsoft.com/office/drawing/2014/main" id="{AC7D1CBE-48D7-4267-8930-2A737CA69FBF}"/>
+              </a:ext>
+            </a:extLst>
+          </p:cNvPr>
+          <p:cNvSpPr txBox="1"/>
+          <p:nvPr/>
+        </p:nvSpPr>
+        <p:spPr>
+          <a:xfrm>
+            <a:off x="893700" y="5796951"/>
+            <a:ext cx="4682692" cy="307777"/>
+          </a:xfrm>
+          <a:prstGeom prst="rect">
+            <a:avLst/>
+          </a:prstGeom>
+          <a:noFill/>
+        </p:spPr>
+        <p:txBody>
+          <a:bodyPr wrap="none" rtlCol="0">
+            <a:spAutoFit/>
+          </a:bodyPr>
+          <a:lstStyle/>
+          <a:p>
+            <a:r>
+              <a:rPr lang="en-US" dirty="0" err="1"/>
+              <a:t>Sumber</a:t>
+            </a:r>
+            <a:r>
+              <a:rPr lang="en-US" dirty="0"/>
+              <a:t> data Badan Nasional </a:t>
+            </a:r>
+            <a:r>
+              <a:rPr lang="en-US" dirty="0" err="1"/>
+              <a:t>Penanggulangan</a:t>
+            </a:r>
+            <a:r>
+              <a:rPr lang="en-US" dirty="0"/>
+              <a:t> </a:t>
+            </a:r>
+            <a:r>
+              <a:rPr lang="en-US" dirty="0" err="1"/>
+              <a:t>Bencana</a:t>
+            </a:r>
+            <a:endParaRPr lang="id-ID" dirty="0"/>
+          </a:p>
+        </p:txBody>
+      </p:sp>
     </p:spTree>
     <p:extLst>
       <p:ext uri="{BB962C8B-B14F-4D97-AF65-F5344CB8AC3E}">
@@ -16054,7 +24010,7 @@
           <a:lstStyle/>
           <a:p>
             <a:pPr algn="ctr"/>
-            <a:endParaRPr lang="id-ID"/>
+            <a:endParaRPr lang="id-ID" dirty="0"/>
           </a:p>
         </p:txBody>
       </p:sp>
@@ -17586,6 +25542,114 @@
           </a:fontRef>
         </p:style>
       </p:cxnSp>
+      <p:sp>
+        <p:nvSpPr>
+          <p:cNvPr id="2" name="TextBox 1">
+            <a:extLst>
+              <a:ext uri="{FF2B5EF4-FFF2-40B4-BE49-F238E27FC236}">
+                <a16:creationId xmlns:a16="http://schemas.microsoft.com/office/drawing/2014/main" id="{5ED81F5D-491A-44AA-96EB-95395E2122C7}"/>
+              </a:ext>
+            </a:extLst>
+          </p:cNvPr>
+          <p:cNvSpPr txBox="1"/>
+          <p:nvPr/>
+        </p:nvSpPr>
+        <p:spPr>
+          <a:xfrm>
+            <a:off x="2459791" y="3018632"/>
+            <a:ext cx="1492716" cy="369332"/>
+          </a:xfrm>
+          <a:prstGeom prst="rect">
+            <a:avLst/>
+          </a:prstGeom>
+          <a:noFill/>
+        </p:spPr>
+        <p:txBody>
+          <a:bodyPr wrap="none" rtlCol="0">
+            <a:spAutoFit/>
+          </a:bodyPr>
+          <a:lstStyle/>
+          <a:p>
+            <a:r>
+              <a:rPr lang="en-US" sz="1800" b="1" i="1" dirty="0"/>
+              <a:t>Speculation</a:t>
+            </a:r>
+            <a:endParaRPr lang="id-ID" sz="1800" b="1" i="1" dirty="0"/>
+          </a:p>
+        </p:txBody>
+      </p:sp>
+      <p:sp>
+        <p:nvSpPr>
+          <p:cNvPr id="25" name="TextBox 24">
+            <a:extLst>
+              <a:ext uri="{FF2B5EF4-FFF2-40B4-BE49-F238E27FC236}">
+                <a16:creationId xmlns:a16="http://schemas.microsoft.com/office/drawing/2014/main" id="{AF15BE4D-6B2B-4D17-B4C9-D9E4FA46205B}"/>
+              </a:ext>
+            </a:extLst>
+          </p:cNvPr>
+          <p:cNvSpPr txBox="1"/>
+          <p:nvPr/>
+        </p:nvSpPr>
+        <p:spPr>
+          <a:xfrm>
+            <a:off x="7064572" y="3047998"/>
+            <a:ext cx="1672253" cy="369332"/>
+          </a:xfrm>
+          <a:prstGeom prst="rect">
+            <a:avLst/>
+          </a:prstGeom>
+          <a:noFill/>
+        </p:spPr>
+        <p:txBody>
+          <a:bodyPr wrap="none" rtlCol="0">
+            <a:spAutoFit/>
+          </a:bodyPr>
+          <a:lstStyle/>
+          <a:p>
+            <a:r>
+              <a:rPr lang="en-US" sz="1800" b="1" i="1" dirty="0"/>
+              <a:t>Collaboration</a:t>
+            </a:r>
+            <a:endParaRPr lang="id-ID" sz="1800" b="1" i="1" dirty="0"/>
+          </a:p>
+        </p:txBody>
+      </p:sp>
+      <p:sp>
+        <p:nvSpPr>
+          <p:cNvPr id="32" name="TextBox 31">
+            <a:extLst>
+              <a:ext uri="{FF2B5EF4-FFF2-40B4-BE49-F238E27FC236}">
+                <a16:creationId xmlns:a16="http://schemas.microsoft.com/office/drawing/2014/main" id="{2285A330-1AC1-49F3-BFA9-24B08BEEC390}"/>
+              </a:ext>
+            </a:extLst>
+          </p:cNvPr>
+          <p:cNvSpPr txBox="1"/>
+          <p:nvPr/>
+        </p:nvSpPr>
+        <p:spPr>
+          <a:xfrm>
+            <a:off x="5813992" y="5383921"/>
+            <a:ext cx="1159292" cy="369332"/>
+          </a:xfrm>
+          <a:prstGeom prst="rect">
+            <a:avLst/>
+          </a:prstGeom>
+          <a:noFill/>
+        </p:spPr>
+        <p:txBody>
+          <a:bodyPr wrap="none" rtlCol="0">
+            <a:spAutoFit/>
+          </a:bodyPr>
+          <a:lstStyle/>
+          <a:p>
+            <a:r>
+              <a:rPr lang="en-US" sz="1800" b="1" i="1" dirty="0"/>
+              <a:t>Learning</a:t>
+            </a:r>
+            <a:endParaRPr lang="id-ID" sz="1800" b="1" i="1" dirty="0"/>
+          </a:p>
+        </p:txBody>
+      </p:sp>
     </p:spTree>
     <p:extLst>
       <p:ext uri="{BB962C8B-B14F-4D97-AF65-F5344CB8AC3E}">
@@ -31349,8 +39413,8 @@
         </p:nvSpPr>
         <p:spPr>
           <a:xfrm>
-            <a:off x="916025" y="968125"/>
-            <a:ext cx="5561100" cy="1546500"/>
+            <a:off x="1791450" y="2931388"/>
+            <a:ext cx="5561100" cy="995224"/>
           </a:xfrm>
           <a:prstGeom prst="rect">
             <a:avLst/>
@@ -31372,66 +39436,40 @@
               <a:buNone/>
             </a:pPr>
             <a:r>
-              <a:rPr lang="en" sz="6000" dirty="0">
-                <a:solidFill>
-                  <a:srgbClr val="7ECEFD"/>
-                </a:solidFill>
-              </a:rPr>
-              <a:t>Thanks!</a:t>
-            </a:r>
-            <a:endParaRPr sz="6000" dirty="0">
+              <a:rPr lang="id-ID" sz="6000" b="1" dirty="0">
+                <a:solidFill>
+                  <a:schemeClr val="bg1"/>
+                </a:solidFill>
+              </a:rPr>
+              <a:t>T</a:t>
+            </a:r>
+            <a:r>
+              <a:rPr lang="en-US" sz="6000" b="1" dirty="0" err="1">
+                <a:solidFill>
+                  <a:schemeClr val="bg1"/>
+                </a:solidFill>
+              </a:rPr>
+              <a:t>erima</a:t>
+            </a:r>
+            <a:r>
+              <a:rPr lang="en-US" sz="6000" b="1" dirty="0">
+                <a:solidFill>
+                  <a:schemeClr val="bg1"/>
+                </a:solidFill>
+              </a:rPr>
+              <a:t> Kasih</a:t>
+            </a:r>
+            <a:r>
+              <a:rPr lang="en" sz="6000" b="1" dirty="0">
+                <a:solidFill>
+                  <a:schemeClr val="bg1"/>
+                </a:solidFill>
+              </a:rPr>
+              <a:t>!</a:t>
+            </a:r>
+            <a:endParaRPr sz="6000" b="1" dirty="0">
               <a:solidFill>
-                <a:srgbClr val="7ECEFD"/>
-              </a:solidFill>
-            </a:endParaRPr>
-          </a:p>
-        </p:txBody>
-      </p:sp>
-      <p:sp>
-        <p:nvSpPr>
-          <p:cNvPr id="338" name="Google Shape;338;p35"/>
-          <p:cNvSpPr txBox="1">
-            <a:spLocks noGrp="1"/>
-          </p:cNvSpPr>
-          <p:nvPr>
-            <p:ph type="subTitle" idx="4294967295"/>
-          </p:nvPr>
-        </p:nvSpPr>
-        <p:spPr>
-          <a:xfrm>
-            <a:off x="916025" y="2338950"/>
-            <a:ext cx="5561100" cy="1046400"/>
-          </a:xfrm>
-          <a:prstGeom prst="rect">
-            <a:avLst/>
-          </a:prstGeom>
-        </p:spPr>
-        <p:txBody>
-          <a:bodyPr spcFirstLastPara="1" wrap="square" lIns="91425" tIns="91425" rIns="91425" bIns="91425" anchor="t" anchorCtr="0">
-            <a:noAutofit/>
-          </a:bodyPr>
-          <a:lstStyle/>
-          <a:p>
-            <a:pPr marL="0" lvl="0" indent="0" algn="l" rtl="0">
-              <a:spcBef>
-                <a:spcPts val="600"/>
-              </a:spcBef>
-              <a:spcAft>
-                <a:spcPts val="0"/>
-              </a:spcAft>
-              <a:buNone/>
-            </a:pPr>
-            <a:r>
-              <a:rPr lang="en" sz="4800" b="1" dirty="0">
-                <a:solidFill>
-                  <a:srgbClr val="FFFFFF"/>
-                </a:solidFill>
-              </a:rPr>
-              <a:t>Any questions?</a:t>
-            </a:r>
-            <a:endParaRPr sz="4800" b="1" dirty="0">
-              <a:solidFill>
-                <a:srgbClr val="FFFFFF"/>
+                <a:schemeClr val="bg1"/>
               </a:solidFill>
             </a:endParaRPr>
           </a:p>
@@ -31492,6 +39530,232 @@
   <p:cSld>
     <p:spTree>
       <p:nvGrpSpPr>
+        <p:cNvPr id="1" name="Shape 110"/>
+        <p:cNvGrpSpPr/>
+        <p:nvPr/>
+      </p:nvGrpSpPr>
+      <p:grpSpPr>
+        <a:xfrm>
+          <a:off x="0" y="0"/>
+          <a:ext cx="0" cy="0"/>
+          <a:chOff x="0" y="0"/>
+          <a:chExt cx="0" cy="0"/>
+        </a:xfrm>
+      </p:grpSpPr>
+      <p:sp>
+        <p:nvSpPr>
+          <p:cNvPr id="111" name="Google Shape;111;p15"/>
+          <p:cNvSpPr txBox="1">
+            <a:spLocks noGrp="1"/>
+          </p:cNvSpPr>
+          <p:nvPr>
+            <p:ph type="ctrTitle"/>
+          </p:nvPr>
+        </p:nvSpPr>
+        <p:spPr>
+          <a:xfrm>
+            <a:off x="685800" y="2111123"/>
+            <a:ext cx="7772400" cy="1546500"/>
+          </a:xfrm>
+          <a:prstGeom prst="rect">
+            <a:avLst/>
+          </a:prstGeom>
+        </p:spPr>
+        <p:txBody>
+          <a:bodyPr spcFirstLastPara="1" wrap="square" lIns="91425" tIns="91425" rIns="91425" bIns="91425" anchor="b" anchorCtr="0">
+            <a:noAutofit/>
+          </a:bodyPr>
+          <a:lstStyle/>
+          <a:p>
+            <a:pPr marL="0" lvl="0" indent="0" algn="ctr" rtl="0">
+              <a:spcBef>
+                <a:spcPts val="0"/>
+              </a:spcBef>
+              <a:spcAft>
+                <a:spcPts val="0"/>
+              </a:spcAft>
+              <a:buNone/>
+            </a:pPr>
+            <a:r>
+              <a:rPr lang="en-US" dirty="0"/>
+              <a:t>Prototype vs ASD</a:t>
+            </a:r>
+            <a:endParaRPr lang="id-ID" dirty="0"/>
+          </a:p>
+        </p:txBody>
+      </p:sp>
+      <p:sp>
+        <p:nvSpPr>
+          <p:cNvPr id="113" name="Google Shape;113;p15"/>
+          <p:cNvSpPr txBox="1">
+            <a:spLocks noGrp="1"/>
+          </p:cNvSpPr>
+          <p:nvPr>
+            <p:ph type="sldNum" idx="12"/>
+          </p:nvPr>
+        </p:nvSpPr>
+        <p:spPr>
+          <a:xfrm>
+            <a:off x="-125" y="6440375"/>
+            <a:ext cx="9144000" cy="417900"/>
+          </a:xfrm>
+          <a:prstGeom prst="rect">
+            <a:avLst/>
+          </a:prstGeom>
+        </p:spPr>
+        <p:txBody>
+          <a:bodyPr spcFirstLastPara="1" wrap="square" lIns="91425" tIns="91425" rIns="91425" bIns="91425" anchor="t" anchorCtr="0">
+            <a:noAutofit/>
+          </a:bodyPr>
+          <a:lstStyle/>
+          <a:p>
+            <a:pPr marL="0" lvl="0" indent="0" algn="ctr" rtl="0">
+              <a:spcBef>
+                <a:spcPts val="0"/>
+              </a:spcBef>
+              <a:spcAft>
+                <a:spcPts val="0"/>
+              </a:spcAft>
+              <a:buNone/>
+            </a:pPr>
+            <a:fld id="{00000000-1234-1234-1234-123412341234}" type="slidenum">
+              <a:rPr lang="en"/>
+              <a:t>24</a:t>
+            </a:fld>
+            <a:endParaRPr/>
+          </a:p>
+        </p:txBody>
+      </p:sp>
+    </p:spTree>
+    <p:extLst>
+      <p:ext uri="{BB962C8B-B14F-4D97-AF65-F5344CB8AC3E}">
+        <p14:creationId xmlns:p14="http://schemas.microsoft.com/office/powerpoint/2010/main" val="4170722289"/>
+      </p:ext>
+    </p:extLst>
+  </p:cSld>
+  <p:clrMapOvr>
+    <a:masterClrMapping/>
+  </p:clrMapOvr>
+</p:sld>
+</file>
+
+<file path=ppt/slides/slide25.xml><?xml version="1.0" encoding="utf-8"?>
+<p:sld xmlns:a="http://schemas.openxmlformats.org/drawingml/2006/main" xmlns:r="http://schemas.openxmlformats.org/officeDocument/2006/relationships" xmlns:p="http://schemas.openxmlformats.org/presentationml/2006/main">
+  <p:cSld>
+    <p:spTree>
+      <p:nvGrpSpPr>
+        <p:cNvPr id="1" name=""/>
+        <p:cNvGrpSpPr/>
+        <p:nvPr/>
+      </p:nvGrpSpPr>
+      <p:grpSpPr>
+        <a:xfrm>
+          <a:off x="0" y="0"/>
+          <a:ext cx="0" cy="0"/>
+          <a:chOff x="0" y="0"/>
+          <a:chExt cx="0" cy="0"/>
+        </a:xfrm>
+      </p:grpSpPr>
+      <p:sp>
+        <p:nvSpPr>
+          <p:cNvPr id="4" name="Slide Number Placeholder 3">
+            <a:extLst>
+              <a:ext uri="{FF2B5EF4-FFF2-40B4-BE49-F238E27FC236}">
+                <a16:creationId xmlns:a16="http://schemas.microsoft.com/office/drawing/2014/main" id="{4BEED103-BA1E-4218-A2CC-C49023FC109B}"/>
+              </a:ext>
+            </a:extLst>
+          </p:cNvPr>
+          <p:cNvSpPr>
+            <a:spLocks noGrp="1"/>
+          </p:cNvSpPr>
+          <p:nvPr>
+            <p:ph type="sldNum" idx="12"/>
+          </p:nvPr>
+        </p:nvSpPr>
+        <p:spPr/>
+        <p:txBody>
+          <a:bodyPr/>
+          <a:lstStyle/>
+          <a:p>
+            <a:pPr marL="0" lvl="0" indent="0" algn="ctr" rtl="0">
+              <a:spcBef>
+                <a:spcPts val="0"/>
+              </a:spcBef>
+              <a:spcAft>
+                <a:spcPts val="0"/>
+              </a:spcAft>
+              <a:buNone/>
+            </a:pPr>
+            <a:fld id="{00000000-1234-1234-1234-123412341234}" type="slidenum">
+              <a:rPr lang="en" smtClean="0"/>
+              <a:t>25</a:t>
+            </a:fld>
+            <a:endParaRPr lang="en"/>
+          </a:p>
+        </p:txBody>
+      </p:sp>
+      <p:sp>
+        <p:nvSpPr>
+          <p:cNvPr id="5" name="TextBox 4">
+            <a:extLst>
+              <a:ext uri="{FF2B5EF4-FFF2-40B4-BE49-F238E27FC236}">
+                <a16:creationId xmlns:a16="http://schemas.microsoft.com/office/drawing/2014/main" id="{5EC7560F-A352-4127-A48B-3384B9AF064B}"/>
+              </a:ext>
+            </a:extLst>
+          </p:cNvPr>
+          <p:cNvSpPr txBox="1"/>
+          <p:nvPr/>
+        </p:nvSpPr>
+        <p:spPr>
+          <a:xfrm>
+            <a:off x="822960" y="502920"/>
+            <a:ext cx="7966710" cy="307777"/>
+          </a:xfrm>
+          <a:prstGeom prst="rect">
+            <a:avLst/>
+          </a:prstGeom>
+          <a:noFill/>
+        </p:spPr>
+        <p:txBody>
+          <a:bodyPr wrap="square" rtlCol="0">
+            <a:spAutoFit/>
+          </a:bodyPr>
+          <a:lstStyle/>
+          <a:p>
+            <a:r>
+              <a:rPr lang="en-US" dirty="0"/>
+              <a:t>f(</a:t>
+            </a:r>
+            <a:r>
+              <a:rPr lang="en-US" dirty="0" err="1"/>
+              <a:t>x,y</a:t>
+            </a:r>
+            <a:r>
+              <a:rPr lang="en-US" dirty="0"/>
+              <a:t>)</a:t>
+            </a:r>
+            <a:endParaRPr lang="id-ID" dirty="0"/>
+          </a:p>
+        </p:txBody>
+      </p:sp>
+    </p:spTree>
+    <p:extLst>
+      <p:ext uri="{BB962C8B-B14F-4D97-AF65-F5344CB8AC3E}">
+        <p14:creationId xmlns:p14="http://schemas.microsoft.com/office/powerpoint/2010/main" val="4145322387"/>
+      </p:ext>
+    </p:extLst>
+  </p:cSld>
+  <p:clrMapOvr>
+    <a:masterClrMapping/>
+  </p:clrMapOvr>
+</p:sld>
+</file>
+
+<file path=ppt/slides/slide26.xml><?xml version="1.0" encoding="utf-8"?>
+<p:sld xmlns:a="http://schemas.openxmlformats.org/drawingml/2006/main" xmlns:r="http://schemas.openxmlformats.org/officeDocument/2006/relationships" xmlns:p="http://schemas.openxmlformats.org/presentationml/2006/main">
+  <p:cSld>
+    <p:spTree>
+      <p:nvGrpSpPr>
         <p:cNvPr id="1" name="Shape 160"/>
         <p:cNvGrpSpPr/>
         <p:nvPr/>
@@ -31540,7 +39804,7 @@
             </a:pPr>
             <a:fld id="{00000000-1234-1234-1234-123412341234}" type="slidenum">
               <a:rPr lang="en"/>
-              <a:t>24</a:t>
+              <a:t>26</a:t>
             </a:fld>
             <a:endParaRPr/>
           </a:p>
@@ -34209,7 +42473,7 @@
                   <a:schemeClr val="lt1"/>
                 </a:solidFill>
               </a:rPr>
-              <a:t>keterjaitannya</a:t>
+              <a:t>keterkaitannya</a:t>
             </a:r>
             <a:r>
               <a:rPr lang="en-US" sz="3200" dirty="0">
